--- a/capstone_starter/date-a-scientist_PUNEET_SRAN.pptx
+++ b/capstone_starter/date-a-scientist_PUNEET_SRAN.pptx
@@ -5,34 +5,37 @@
     <p:sldMasterId id="2147483972" r:id="rId1"/>
   </p:sldMasterIdLst>
   <p:notesMasterIdLst>
-    <p:notesMasterId r:id="rId24"/>
+    <p:notesMasterId r:id="rId27"/>
   </p:notesMasterIdLst>
   <p:handoutMasterIdLst>
-    <p:handoutMasterId r:id="rId25"/>
+    <p:handoutMasterId r:id="rId28"/>
   </p:handoutMasterIdLst>
   <p:sldIdLst>
     <p:sldId id="256" r:id="rId2"/>
     <p:sldId id="257" r:id="rId3"/>
     <p:sldId id="258" r:id="rId4"/>
-    <p:sldId id="260" r:id="rId5"/>
-    <p:sldId id="261" r:id="rId6"/>
-    <p:sldId id="262" r:id="rId7"/>
-    <p:sldId id="263" r:id="rId8"/>
-    <p:sldId id="265" r:id="rId9"/>
-    <p:sldId id="259" r:id="rId10"/>
-    <p:sldId id="266" r:id="rId11"/>
-    <p:sldId id="267" r:id="rId12"/>
-    <p:sldId id="268" r:id="rId13"/>
-    <p:sldId id="269" r:id="rId14"/>
-    <p:sldId id="271" r:id="rId15"/>
-    <p:sldId id="272" r:id="rId16"/>
-    <p:sldId id="273" r:id="rId17"/>
-    <p:sldId id="270" r:id="rId18"/>
-    <p:sldId id="274" r:id="rId19"/>
-    <p:sldId id="275" r:id="rId20"/>
-    <p:sldId id="276" r:id="rId21"/>
-    <p:sldId id="278" r:id="rId22"/>
-    <p:sldId id="277" r:id="rId23"/>
+    <p:sldId id="281" r:id="rId5"/>
+    <p:sldId id="260" r:id="rId6"/>
+    <p:sldId id="261" r:id="rId7"/>
+    <p:sldId id="262" r:id="rId8"/>
+    <p:sldId id="263" r:id="rId9"/>
+    <p:sldId id="280" r:id="rId10"/>
+    <p:sldId id="265" r:id="rId11"/>
+    <p:sldId id="259" r:id="rId12"/>
+    <p:sldId id="266" r:id="rId13"/>
+    <p:sldId id="267" r:id="rId14"/>
+    <p:sldId id="268" r:id="rId15"/>
+    <p:sldId id="269" r:id="rId16"/>
+    <p:sldId id="271" r:id="rId17"/>
+    <p:sldId id="272" r:id="rId18"/>
+    <p:sldId id="273" r:id="rId19"/>
+    <p:sldId id="270" r:id="rId20"/>
+    <p:sldId id="274" r:id="rId21"/>
+    <p:sldId id="275" r:id="rId22"/>
+    <p:sldId id="276" r:id="rId23"/>
+    <p:sldId id="278" r:id="rId24"/>
+    <p:sldId id="277" r:id="rId25"/>
+    <p:sldId id="279" r:id="rId26"/>
   </p:sldIdLst>
   <p:sldSz cx="12192000" cy="6858000"/>
   <p:notesSz cx="6858000" cy="9144000"/>
@@ -131,6 +134,11 @@
       </a:defRPr>
     </a:lvl9pPr>
   </p:defaultTextStyle>
+  <p:extLst>
+    <p:ext uri="{EFAFB233-063F-42B5-8137-9DF3F51BA10A}">
+      <p15:sldGuideLst xmlns:p15="http://schemas.microsoft.com/office/powerpoint/2012/main"/>
+    </p:ext>
+  </p:extLst>
 </p:presentation>
 </file>
 
@@ -899,7 +907,7 @@
             <a:fld id="{5586B75A-687E-405C-8A0B-8D00578BA2C3}" type="datetimeFigureOut">
               <a:rPr lang="en-US" smtClean="0"/>
               <a:pPr/>
-              <a:t>11/16/18</a:t>
+              <a:t>11/17/18</a:t>
             </a:fld>
             <a:endParaRPr lang="en-US" dirty="0"/>
           </a:p>
@@ -1071,7 +1079,7 @@
             <a:fld id="{5586B75A-687E-405C-8A0B-8D00578BA2C3}" type="datetimeFigureOut">
               <a:rPr lang="en-US" smtClean="0"/>
               <a:pPr/>
-              <a:t>11/16/18</a:t>
+              <a:t>11/17/18</a:t>
             </a:fld>
             <a:endParaRPr lang="en-US" dirty="0"/>
           </a:p>
@@ -1253,7 +1261,7 @@
             <a:fld id="{5586B75A-687E-405C-8A0B-8D00578BA2C3}" type="datetimeFigureOut">
               <a:rPr lang="en-US" smtClean="0"/>
               <a:pPr/>
-              <a:t>11/16/18</a:t>
+              <a:t>11/17/18</a:t>
             </a:fld>
             <a:endParaRPr lang="en-US" dirty="0"/>
           </a:p>
@@ -1425,7 +1433,7 @@
             <a:fld id="{5586B75A-687E-405C-8A0B-8D00578BA2C3}" type="datetimeFigureOut">
               <a:rPr lang="en-US" smtClean="0"/>
               <a:pPr/>
-              <a:t>11/16/18</a:t>
+              <a:t>11/17/18</a:t>
             </a:fld>
             <a:endParaRPr lang="en-US" dirty="0"/>
           </a:p>
@@ -1685,7 +1693,7 @@
             <a:fld id="{5586B75A-687E-405C-8A0B-8D00578BA2C3}" type="datetimeFigureOut">
               <a:rPr lang="en-US" smtClean="0"/>
               <a:pPr/>
-              <a:t>11/16/18</a:t>
+              <a:t>11/17/18</a:t>
             </a:fld>
             <a:endParaRPr lang="en-US" dirty="0"/>
           </a:p>
@@ -1975,7 +1983,7 @@
             <a:fld id="{5586B75A-687E-405C-8A0B-8D00578BA2C3}" type="datetimeFigureOut">
               <a:rPr lang="en-US" smtClean="0"/>
               <a:pPr/>
-              <a:t>11/16/18</a:t>
+              <a:t>11/17/18</a:t>
             </a:fld>
             <a:endParaRPr lang="en-US" dirty="0"/>
           </a:p>
@@ -2419,7 +2427,7 @@
             <a:fld id="{5586B75A-687E-405C-8A0B-8D00578BA2C3}" type="datetimeFigureOut">
               <a:rPr lang="en-US" smtClean="0"/>
               <a:pPr/>
-              <a:t>11/16/18</a:t>
+              <a:t>11/17/18</a:t>
             </a:fld>
             <a:endParaRPr lang="en-US" dirty="0"/>
           </a:p>
@@ -2540,7 +2548,7 @@
             <a:fld id="{5586B75A-687E-405C-8A0B-8D00578BA2C3}" type="datetimeFigureOut">
               <a:rPr lang="en-US" smtClean="0"/>
               <a:pPr/>
-              <a:t>11/16/18</a:t>
+              <a:t>11/17/18</a:t>
             </a:fld>
             <a:endParaRPr lang="en-US" dirty="0"/>
           </a:p>
@@ -2637,7 +2645,7 @@
             <a:fld id="{5586B75A-687E-405C-8A0B-8D00578BA2C3}" type="datetimeFigureOut">
               <a:rPr lang="en-US" smtClean="0"/>
               <a:pPr/>
-              <a:t>11/16/18</a:t>
+              <a:t>11/17/18</a:t>
             </a:fld>
             <a:endParaRPr lang="en-US" dirty="0"/>
           </a:p>
@@ -2927,7 +2935,7 @@
             <a:fld id="{5586B75A-687E-405C-8A0B-8D00578BA2C3}" type="datetimeFigureOut">
               <a:rPr lang="en-US" smtClean="0"/>
               <a:pPr/>
-              <a:t>11/16/18</a:t>
+              <a:t>11/17/18</a:t>
             </a:fld>
             <a:endParaRPr lang="en-US" dirty="0"/>
           </a:p>
@@ -3202,7 +3210,7 @@
             <a:fld id="{5586B75A-687E-405C-8A0B-8D00578BA2C3}" type="datetimeFigureOut">
               <a:rPr lang="en-US" smtClean="0"/>
               <a:pPr/>
-              <a:t>11/16/18</a:t>
+              <a:t>11/17/18</a:t>
             </a:fld>
             <a:endParaRPr lang="en-US" dirty="0"/>
           </a:p>
@@ -3501,7 +3509,7 @@
             <a:fld id="{5586B75A-687E-405C-8A0B-8D00578BA2C3}" type="datetimeFigureOut">
               <a:rPr lang="en-US" smtClean="0"/>
               <a:pPr/>
-              <a:t>11/16/18</a:t>
+              <a:t>11/17/18</a:t>
             </a:fld>
             <a:endParaRPr lang="en-US" dirty="0"/>
           </a:p>
@@ -4127,7 +4135,7 @@
             <a:pPr algn="ctr"/>
             <a:r>
               <a:rPr lang="en-US" dirty="0"/>
-              <a:t>Classification Approaches</a:t>
+              <a:t>Augmenting the dataset</a:t>
             </a:r>
           </a:p>
         </p:txBody>
@@ -4162,3416 +4170,14 @@
           <a:p>
             <a:r>
               <a:rPr lang="en-US" sz="2800" dirty="0"/>
-              <a:t>NAÏVE BAYES CLASSIFIER</a:t>
-            </a:r>
-          </a:p>
-          <a:p>
-            <a:r>
-              <a:rPr lang="en-US" sz="2800" dirty="0"/>
-              <a:t>K-NEAREST CLASSIFICATION</a:t>
-            </a:r>
-          </a:p>
-        </p:txBody>
-      </p:sp>
-    </p:spTree>
-    <p:extLst>
-      <p:ext uri="{BB962C8B-B14F-4D97-AF65-F5344CB8AC3E}">
-        <p14:creationId xmlns:p14="http://schemas.microsoft.com/office/powerpoint/2010/main" val="2314379874"/>
-      </p:ext>
-    </p:extLst>
-  </p:cSld>
-  <p:clrMapOvr>
-    <a:masterClrMapping/>
-  </p:clrMapOvr>
-</p:sld>
-</file>
-
-<file path=ppt/slides/slide11.xml><?xml version="1.0" encoding="utf-8"?>
-<p:sld xmlns:a="http://schemas.openxmlformats.org/drawingml/2006/main" xmlns:r="http://schemas.openxmlformats.org/officeDocument/2006/relationships" xmlns:p="http://schemas.openxmlformats.org/presentationml/2006/main">
-  <p:cSld>
-    <p:spTree>
-      <p:nvGrpSpPr>
-        <p:cNvPr id="1" name=""/>
-        <p:cNvGrpSpPr/>
-        <p:nvPr/>
-      </p:nvGrpSpPr>
-      <p:grpSpPr>
-        <a:xfrm>
-          <a:off x="0" y="0"/>
-          <a:ext cx="0" cy="0"/>
-          <a:chOff x="0" y="0"/>
-          <a:chExt cx="0" cy="0"/>
-        </a:xfrm>
-      </p:grpSpPr>
-      <p:sp>
-        <p:nvSpPr>
-          <p:cNvPr id="2" name="Title 1">
-            <a:extLst>
-              <a:ext uri="{FF2B5EF4-FFF2-40B4-BE49-F238E27FC236}">
-                <a16:creationId xmlns:a16="http://schemas.microsoft.com/office/drawing/2014/main" id="{456F2B3B-E024-C542-BB86-DA67EE0501BB}"/>
-              </a:ext>
-            </a:extLst>
-          </p:cNvPr>
-          <p:cNvSpPr>
-            <a:spLocks noGrp="1"/>
-          </p:cNvSpPr>
-          <p:nvPr>
-            <p:ph type="title"/>
-          </p:nvPr>
-        </p:nvSpPr>
-        <p:spPr/>
-        <p:txBody>
-          <a:bodyPr/>
-          <a:lstStyle/>
-          <a:p>
-            <a:pPr algn="ctr"/>
-            <a:r>
-              <a:rPr lang="en-US" dirty="0"/>
-              <a:t>NAÏVE BAYES CLASSIFIER</a:t>
-            </a:r>
-          </a:p>
-        </p:txBody>
-      </p:sp>
-      <p:sp>
-        <p:nvSpPr>
-          <p:cNvPr id="3" name="Content Placeholder 2">
-            <a:extLst>
-              <a:ext uri="{FF2B5EF4-FFF2-40B4-BE49-F238E27FC236}">
-                <a16:creationId xmlns:a16="http://schemas.microsoft.com/office/drawing/2014/main" id="{99E7F9B9-61C6-034E-9AE0-2943CE5D05E9}"/>
-              </a:ext>
-            </a:extLst>
-          </p:cNvPr>
-          <p:cNvSpPr>
-            <a:spLocks noGrp="1"/>
-          </p:cNvSpPr>
-          <p:nvPr>
-            <p:ph idx="1"/>
-          </p:nvPr>
-        </p:nvSpPr>
-        <p:spPr>
-          <a:xfrm>
-            <a:off x="3582649" y="864108"/>
-            <a:ext cx="8109679" cy="5120640"/>
-          </a:xfrm>
-        </p:spPr>
-        <p:txBody>
-          <a:bodyPr>
-            <a:normAutofit/>
-          </a:bodyPr>
-          <a:lstStyle/>
-          <a:p>
-            <a:r>
-              <a:rPr lang="en-US" sz="2400" dirty="0"/>
-              <a:t>Probably the most simple from the classifier approaches as it takes data as is and generates predictions</a:t>
+              <a:t>To augment the dataset:</a:t>
             </a:r>
           </a:p>
           <a:p>
             <a:pPr lvl="1"/>
             <a:r>
               <a:rPr lang="en-US" sz="2200" dirty="0"/>
-              <a:t>Since it’s best suited to text classification, it makes sense to use this approach as majority of our data is text</a:t>
-            </a:r>
-          </a:p>
-          <a:p>
-            <a:r>
-              <a:rPr lang="en-US" sz="2400" dirty="0"/>
-              <a:t>Time to run: </a:t>
-            </a:r>
-            <a:r>
-              <a:rPr lang="en-CA" sz="2400" dirty="0"/>
-              <a:t>0.0130 milliseconds</a:t>
-            </a:r>
-          </a:p>
-          <a:p>
-            <a:r>
-              <a:rPr lang="en-CA" sz="2400" dirty="0"/>
-              <a:t>Accuracy: 77.78%</a:t>
-            </a:r>
-          </a:p>
-          <a:p>
-            <a:r>
-              <a:rPr lang="en-CA" sz="2400" dirty="0"/>
-              <a:t>Precision: [0.77778931 0. 0. 0. 0. 0. 0. 0. 0. 0. 0. 0. 0. ] </a:t>
-            </a:r>
-          </a:p>
-          <a:p>
-            <a:r>
-              <a:rPr lang="en-CA" sz="2400" dirty="0"/>
-              <a:t>Recall: [1. 0. 0. 0. 0. 0. 0. 0. 0. 0. 0. 0. 0.]</a:t>
-            </a:r>
-            <a:endParaRPr lang="en-US" sz="2400" dirty="0"/>
-          </a:p>
-        </p:txBody>
-      </p:sp>
-    </p:spTree>
-    <p:extLst>
-      <p:ext uri="{BB962C8B-B14F-4D97-AF65-F5344CB8AC3E}">
-        <p14:creationId xmlns:p14="http://schemas.microsoft.com/office/powerpoint/2010/main" val="1964976866"/>
-      </p:ext>
-    </p:extLst>
-  </p:cSld>
-  <p:clrMapOvr>
-    <a:masterClrMapping/>
-  </p:clrMapOvr>
-</p:sld>
-</file>
-
-<file path=ppt/slides/slide12.xml><?xml version="1.0" encoding="utf-8"?>
-<p:sld xmlns:a="http://schemas.openxmlformats.org/drawingml/2006/main" xmlns:r="http://schemas.openxmlformats.org/officeDocument/2006/relationships" xmlns:p="http://schemas.openxmlformats.org/presentationml/2006/main">
-  <p:cSld>
-    <p:spTree>
-      <p:nvGrpSpPr>
-        <p:cNvPr id="1" name=""/>
-        <p:cNvGrpSpPr/>
-        <p:nvPr/>
-      </p:nvGrpSpPr>
-      <p:grpSpPr>
-        <a:xfrm>
-          <a:off x="0" y="0"/>
-          <a:ext cx="0" cy="0"/>
-          <a:chOff x="0" y="0"/>
-          <a:chExt cx="0" cy="0"/>
-        </a:xfrm>
-      </p:grpSpPr>
-      <p:sp>
-        <p:nvSpPr>
-          <p:cNvPr id="2" name="Title 1">
-            <a:extLst>
-              <a:ext uri="{FF2B5EF4-FFF2-40B4-BE49-F238E27FC236}">
-                <a16:creationId xmlns:a16="http://schemas.microsoft.com/office/drawing/2014/main" id="{456F2B3B-E024-C542-BB86-DA67EE0501BB}"/>
-              </a:ext>
-            </a:extLst>
-          </p:cNvPr>
-          <p:cNvSpPr>
-            <a:spLocks noGrp="1"/>
-          </p:cNvSpPr>
-          <p:nvPr>
-            <p:ph type="title"/>
-          </p:nvPr>
-        </p:nvSpPr>
-        <p:spPr/>
-        <p:txBody>
-          <a:bodyPr/>
-          <a:lstStyle/>
-          <a:p>
-            <a:pPr algn="ctr"/>
-            <a:r>
-              <a:rPr lang="en-US" dirty="0"/>
-              <a:t>K-NEAREST CLASSIFIER</a:t>
-            </a:r>
-          </a:p>
-        </p:txBody>
-      </p:sp>
-      <p:sp>
-        <p:nvSpPr>
-          <p:cNvPr id="3" name="Content Placeholder 2">
-            <a:extLst>
-              <a:ext uri="{FF2B5EF4-FFF2-40B4-BE49-F238E27FC236}">
-                <a16:creationId xmlns:a16="http://schemas.microsoft.com/office/drawing/2014/main" id="{99E7F9B9-61C6-034E-9AE0-2943CE5D05E9}"/>
-              </a:ext>
-            </a:extLst>
-          </p:cNvPr>
-          <p:cNvSpPr>
-            <a:spLocks noGrp="1"/>
-          </p:cNvSpPr>
-          <p:nvPr>
-            <p:ph idx="1"/>
-          </p:nvPr>
-        </p:nvSpPr>
-        <p:spPr>
-          <a:xfrm>
-            <a:off x="3582649" y="864108"/>
-            <a:ext cx="8109679" cy="5120640"/>
-          </a:xfrm>
-        </p:spPr>
-        <p:txBody>
-          <a:bodyPr>
-            <a:normAutofit/>
-          </a:bodyPr>
-          <a:lstStyle/>
-          <a:p>
-            <a:r>
-              <a:rPr lang="en-US" sz="2400" dirty="0"/>
-              <a:t>Quite simple overall but requires determination of k-values:</a:t>
-            </a:r>
-          </a:p>
-          <a:p>
-            <a:pPr lvl="1"/>
-            <a:r>
-              <a:rPr lang="en-US" sz="2200" dirty="0"/>
-              <a:t>can be slightly tricky to determine</a:t>
-            </a:r>
-          </a:p>
-          <a:p>
-            <a:pPr lvl="1"/>
-            <a:r>
-              <a:rPr lang="en-US" sz="2200" dirty="0"/>
-              <a:t>k-values can overfit or underfit the data, and thus affect the accuracy</a:t>
-            </a:r>
-          </a:p>
-          <a:p>
-            <a:r>
-              <a:rPr lang="en-US" sz="2400" dirty="0"/>
-              <a:t>Time to run: </a:t>
-            </a:r>
-            <a:r>
-              <a:rPr lang="en-CA" sz="2400" dirty="0"/>
-              <a:t>0.2036 milliseconds</a:t>
-            </a:r>
-          </a:p>
-          <a:p>
-            <a:r>
-              <a:rPr lang="en-CA" sz="2400" dirty="0"/>
-              <a:t>Accuracy: 77.38%</a:t>
-            </a:r>
-          </a:p>
-          <a:p>
-            <a:r>
-              <a:rPr lang="en-CA" sz="2400" dirty="0"/>
-              <a:t>Precision: [0.77933928 0.26595745 0. 0. 0. 0. 0. 0. 0. 0. 0. 0. 0. ] </a:t>
-            </a:r>
-          </a:p>
-          <a:p>
-            <a:r>
-              <a:rPr lang="en-CA" sz="2400" dirty="0"/>
-              <a:t>Recall: [0.99159327 0.0448833 0. 0. 0. 0. 0. 0. 0. 0. 0. 0. 0. ]</a:t>
-            </a:r>
-            <a:endParaRPr lang="en-US" sz="2400" dirty="0"/>
-          </a:p>
-        </p:txBody>
-      </p:sp>
-    </p:spTree>
-    <p:extLst>
-      <p:ext uri="{BB962C8B-B14F-4D97-AF65-F5344CB8AC3E}">
-        <p14:creationId xmlns:p14="http://schemas.microsoft.com/office/powerpoint/2010/main" val="254416403"/>
-      </p:ext>
-    </p:extLst>
-  </p:cSld>
-  <p:clrMapOvr>
-    <a:masterClrMapping/>
-  </p:clrMapOvr>
-</p:sld>
-</file>
-
-<file path=ppt/slides/slide13.xml><?xml version="1.0" encoding="utf-8"?>
-<p:sld xmlns:a="http://schemas.openxmlformats.org/drawingml/2006/main" xmlns:r="http://schemas.openxmlformats.org/officeDocument/2006/relationships" xmlns:p="http://schemas.openxmlformats.org/presentationml/2006/main">
-  <p:cSld>
-    <p:spTree>
-      <p:nvGrpSpPr>
-        <p:cNvPr id="1" name=""/>
-        <p:cNvGrpSpPr/>
-        <p:nvPr/>
-      </p:nvGrpSpPr>
-      <p:grpSpPr>
-        <a:xfrm>
-          <a:off x="0" y="0"/>
-          <a:ext cx="0" cy="0"/>
-          <a:chOff x="0" y="0"/>
-          <a:chExt cx="0" cy="0"/>
-        </a:xfrm>
-      </p:grpSpPr>
-      <p:sp>
-        <p:nvSpPr>
-          <p:cNvPr id="2" name="Title 1">
-            <a:extLst>
-              <a:ext uri="{FF2B5EF4-FFF2-40B4-BE49-F238E27FC236}">
-                <a16:creationId xmlns:a16="http://schemas.microsoft.com/office/drawing/2014/main" id="{456F2B3B-E024-C542-BB86-DA67EE0501BB}"/>
-              </a:ext>
-            </a:extLst>
-          </p:cNvPr>
-          <p:cNvSpPr>
-            <a:spLocks noGrp="1"/>
-          </p:cNvSpPr>
-          <p:nvPr>
-            <p:ph type="title"/>
-          </p:nvPr>
-        </p:nvSpPr>
-        <p:spPr/>
-        <p:txBody>
-          <a:bodyPr/>
-          <a:lstStyle/>
-          <a:p>
-            <a:pPr algn="ctr"/>
-            <a:r>
-              <a:rPr lang="en-US" dirty="0"/>
-              <a:t>Comparison of Classification </a:t>
-            </a:r>
-            <a:r>
-              <a:rPr lang="en-US" dirty="0" err="1"/>
-              <a:t>Approachess</a:t>
-            </a:r>
-            <a:endParaRPr lang="en-US" dirty="0"/>
-          </a:p>
-        </p:txBody>
-      </p:sp>
-      <p:sp>
-        <p:nvSpPr>
-          <p:cNvPr id="3" name="Content Placeholder 2">
-            <a:extLst>
-              <a:ext uri="{FF2B5EF4-FFF2-40B4-BE49-F238E27FC236}">
-                <a16:creationId xmlns:a16="http://schemas.microsoft.com/office/drawing/2014/main" id="{99E7F9B9-61C6-034E-9AE0-2943CE5D05E9}"/>
-              </a:ext>
-            </a:extLst>
-          </p:cNvPr>
-          <p:cNvSpPr>
-            <a:spLocks noGrp="1"/>
-          </p:cNvSpPr>
-          <p:nvPr>
-            <p:ph idx="1"/>
-          </p:nvPr>
-        </p:nvSpPr>
-        <p:spPr>
-          <a:xfrm>
-            <a:off x="3582649" y="864108"/>
-            <a:ext cx="8109679" cy="5120640"/>
-          </a:xfrm>
-        </p:spPr>
-        <p:txBody>
-          <a:bodyPr>
-            <a:normAutofit/>
-          </a:bodyPr>
-          <a:lstStyle/>
-          <a:p>
-            <a:r>
-              <a:rPr lang="en-CA" sz="2400" dirty="0"/>
-              <a:t>The Naïve Bayes Classifier:</a:t>
-            </a:r>
-          </a:p>
-          <a:p>
-            <a:pPr lvl="1"/>
-            <a:r>
-              <a:rPr lang="en-CA" sz="2200" dirty="0"/>
-              <a:t>took less time to run (only 6.39% of the time it took K-Nearest)</a:t>
-            </a:r>
-          </a:p>
-          <a:p>
-            <a:pPr lvl="1"/>
-            <a:r>
-              <a:rPr lang="en-CA" sz="2400" dirty="0"/>
-              <a:t>was slightly more accurate (by 99.49%)</a:t>
-            </a:r>
-          </a:p>
-          <a:p>
-            <a:pPr lvl="2"/>
-            <a:r>
-              <a:rPr lang="en-CA" sz="2200" dirty="0"/>
-              <a:t>Indicates that both approaches work well</a:t>
-            </a:r>
-          </a:p>
-          <a:p>
-            <a:pPr lvl="1"/>
-            <a:r>
-              <a:rPr lang="en-CA" sz="2400" dirty="0"/>
-              <a:t>was also slightly more precise</a:t>
-            </a:r>
-          </a:p>
-          <a:p>
-            <a:pPr lvl="1"/>
-            <a:r>
-              <a:rPr lang="en-CA" sz="2400" dirty="0"/>
-              <a:t>had a slightly better recall</a:t>
-            </a:r>
-          </a:p>
-          <a:p>
-            <a:r>
-              <a:rPr lang="en-CA" sz="2400" dirty="0"/>
-              <a:t>Overall</a:t>
-            </a:r>
-          </a:p>
-          <a:p>
-            <a:pPr lvl="1"/>
-            <a:r>
-              <a:rPr lang="en-CA" sz="2200" dirty="0"/>
-              <a:t>Both approaches generated very similar results with the exception of time taken to run. With the kind of data given, both performed well and were fairly accurate</a:t>
-            </a:r>
-          </a:p>
-          <a:p>
-            <a:pPr lvl="1"/>
-            <a:r>
-              <a:rPr lang="en-CA" sz="2200" dirty="0"/>
-              <a:t>Since majority of income was -1, the models predicted based on what the majority was</a:t>
-            </a:r>
-            <a:r>
-              <a:rPr lang="en-CA" sz="2400" dirty="0"/>
-              <a:t> ([0.99159327 0.0448833 0. 0. 0. 0. 0. 0. 0. 0. 0. 0. 0. ])</a:t>
-            </a:r>
-            <a:endParaRPr lang="en-CA" sz="2200" dirty="0"/>
-          </a:p>
-        </p:txBody>
-      </p:sp>
-    </p:spTree>
-    <p:extLst>
-      <p:ext uri="{BB962C8B-B14F-4D97-AF65-F5344CB8AC3E}">
-        <p14:creationId xmlns:p14="http://schemas.microsoft.com/office/powerpoint/2010/main" val="4199585119"/>
-      </p:ext>
-    </p:extLst>
-  </p:cSld>
-  <p:clrMapOvr>
-    <a:masterClrMapping/>
-  </p:clrMapOvr>
-</p:sld>
-</file>
-
-<file path=ppt/slides/slide14.xml><?xml version="1.0" encoding="utf-8"?>
-<p:sld xmlns:a="http://schemas.openxmlformats.org/drawingml/2006/main" xmlns:r="http://schemas.openxmlformats.org/officeDocument/2006/relationships" xmlns:p="http://schemas.openxmlformats.org/presentationml/2006/main">
-  <p:cSld>
-    <p:spTree>
-      <p:nvGrpSpPr>
-        <p:cNvPr id="1" name=""/>
-        <p:cNvGrpSpPr/>
-        <p:nvPr/>
-      </p:nvGrpSpPr>
-      <p:grpSpPr>
-        <a:xfrm>
-          <a:off x="0" y="0"/>
-          <a:ext cx="0" cy="0"/>
-          <a:chOff x="0" y="0"/>
-          <a:chExt cx="0" cy="0"/>
-        </a:xfrm>
-      </p:grpSpPr>
-      <p:sp>
-        <p:nvSpPr>
-          <p:cNvPr id="2" name="Title 1">
-            <a:extLst>
-              <a:ext uri="{FF2B5EF4-FFF2-40B4-BE49-F238E27FC236}">
-                <a16:creationId xmlns:a16="http://schemas.microsoft.com/office/drawing/2014/main" id="{456F2B3B-E024-C542-BB86-DA67EE0501BB}"/>
-              </a:ext>
-            </a:extLst>
-          </p:cNvPr>
-          <p:cNvSpPr>
-            <a:spLocks noGrp="1"/>
-          </p:cNvSpPr>
-          <p:nvPr>
-            <p:ph type="title"/>
-          </p:nvPr>
-        </p:nvSpPr>
-        <p:spPr/>
-        <p:txBody>
-          <a:bodyPr/>
-          <a:lstStyle/>
-          <a:p>
-            <a:pPr algn="ctr"/>
-            <a:r>
-              <a:rPr lang="en-US" dirty="0"/>
-              <a:t>Regression Approaches</a:t>
-            </a:r>
-          </a:p>
-        </p:txBody>
-      </p:sp>
-      <p:sp>
-        <p:nvSpPr>
-          <p:cNvPr id="3" name="Content Placeholder 2">
-            <a:extLst>
-              <a:ext uri="{FF2B5EF4-FFF2-40B4-BE49-F238E27FC236}">
-                <a16:creationId xmlns:a16="http://schemas.microsoft.com/office/drawing/2014/main" id="{99E7F9B9-61C6-034E-9AE0-2943CE5D05E9}"/>
-              </a:ext>
-            </a:extLst>
-          </p:cNvPr>
-          <p:cNvSpPr>
-            <a:spLocks noGrp="1"/>
-          </p:cNvSpPr>
-          <p:nvPr>
-            <p:ph idx="1"/>
-          </p:nvPr>
-        </p:nvSpPr>
-        <p:spPr>
-          <a:xfrm>
-            <a:off x="3582649" y="864108"/>
-            <a:ext cx="8109679" cy="5120640"/>
-          </a:xfrm>
-        </p:spPr>
-        <p:txBody>
-          <a:bodyPr>
-            <a:normAutofit/>
-          </a:bodyPr>
-          <a:lstStyle/>
-          <a:p>
-            <a:r>
-              <a:rPr lang="en-CA" sz="2800" dirty="0"/>
-              <a:t>MULTIPLE LINEAR REGRESSION</a:t>
-            </a:r>
-          </a:p>
-          <a:p>
-            <a:r>
-              <a:rPr lang="en-CA" sz="2800" dirty="0"/>
-              <a:t>K-NEAREST REGRESSION</a:t>
-            </a:r>
-            <a:endParaRPr lang="en-US" sz="2800" dirty="0"/>
-          </a:p>
-        </p:txBody>
-      </p:sp>
-    </p:spTree>
-    <p:extLst>
-      <p:ext uri="{BB962C8B-B14F-4D97-AF65-F5344CB8AC3E}">
-        <p14:creationId xmlns:p14="http://schemas.microsoft.com/office/powerpoint/2010/main" val="1911685050"/>
-      </p:ext>
-    </p:extLst>
-  </p:cSld>
-  <p:clrMapOvr>
-    <a:masterClrMapping/>
-  </p:clrMapOvr>
-</p:sld>
-</file>
-
-<file path=ppt/slides/slide15.xml><?xml version="1.0" encoding="utf-8"?>
-<p:sld xmlns:a="http://schemas.openxmlformats.org/drawingml/2006/main" xmlns:r="http://schemas.openxmlformats.org/officeDocument/2006/relationships" xmlns:p="http://schemas.openxmlformats.org/presentationml/2006/main">
-  <p:cSld>
-    <p:spTree>
-      <p:nvGrpSpPr>
-        <p:cNvPr id="1" name=""/>
-        <p:cNvGrpSpPr/>
-        <p:nvPr/>
-      </p:nvGrpSpPr>
-      <p:grpSpPr>
-        <a:xfrm>
-          <a:off x="0" y="0"/>
-          <a:ext cx="0" cy="0"/>
-          <a:chOff x="0" y="0"/>
-          <a:chExt cx="0" cy="0"/>
-        </a:xfrm>
-      </p:grpSpPr>
-      <p:sp>
-        <p:nvSpPr>
-          <p:cNvPr id="2" name="Title 1">
-            <a:extLst>
-              <a:ext uri="{FF2B5EF4-FFF2-40B4-BE49-F238E27FC236}">
-                <a16:creationId xmlns:a16="http://schemas.microsoft.com/office/drawing/2014/main" id="{456F2B3B-E024-C542-BB86-DA67EE0501BB}"/>
-              </a:ext>
-            </a:extLst>
-          </p:cNvPr>
-          <p:cNvSpPr>
-            <a:spLocks noGrp="1"/>
-          </p:cNvSpPr>
-          <p:nvPr>
-            <p:ph type="title"/>
-          </p:nvPr>
-        </p:nvSpPr>
-        <p:spPr/>
-        <p:txBody>
-          <a:bodyPr/>
-          <a:lstStyle/>
-          <a:p>
-            <a:pPr algn="ctr"/>
-            <a:r>
-              <a:rPr lang="en-CA" dirty="0"/>
-              <a:t>MULTIPLE LINEAR REGRESSION</a:t>
-            </a:r>
-          </a:p>
-        </p:txBody>
-      </p:sp>
-      <p:sp>
-        <p:nvSpPr>
-          <p:cNvPr id="3" name="Content Placeholder 2">
-            <a:extLst>
-              <a:ext uri="{FF2B5EF4-FFF2-40B4-BE49-F238E27FC236}">
-                <a16:creationId xmlns:a16="http://schemas.microsoft.com/office/drawing/2014/main" id="{99E7F9B9-61C6-034E-9AE0-2943CE5D05E9}"/>
-              </a:ext>
-            </a:extLst>
-          </p:cNvPr>
-          <p:cNvSpPr>
-            <a:spLocks noGrp="1"/>
-          </p:cNvSpPr>
-          <p:nvPr>
-            <p:ph idx="1"/>
-          </p:nvPr>
-        </p:nvSpPr>
-        <p:spPr>
-          <a:xfrm>
-            <a:off x="3582649" y="864108"/>
-            <a:ext cx="8109679" cy="5120640"/>
-          </a:xfrm>
-        </p:spPr>
-        <p:txBody>
-          <a:bodyPr>
-            <a:normAutofit/>
-          </a:bodyPr>
-          <a:lstStyle/>
-          <a:p>
-            <a:r>
-              <a:rPr lang="en-US" sz="2400" dirty="0"/>
-              <a:t>Probably the most simple to implement from the two regression approaches and allows us to see which variable affects a dependent variable most strongly</a:t>
-            </a:r>
-          </a:p>
-          <a:p>
-            <a:pPr lvl="1"/>
-            <a:r>
-              <a:rPr lang="en-US" sz="2000" dirty="0"/>
-              <a:t>Since I am predicting income, the most strongest variable is whether a user has a job; however, having an education, being older than 18 (in most cases) and living in a populated city will also factor into what kind of income the user has</a:t>
-            </a:r>
-          </a:p>
-          <a:p>
-            <a:r>
-              <a:rPr lang="en-US" sz="2400" dirty="0"/>
-              <a:t>Time to run: </a:t>
-            </a:r>
-            <a:r>
-              <a:rPr lang="en-CA" sz="2400" dirty="0"/>
-              <a:t>0.0037 milliseconds</a:t>
-            </a:r>
-          </a:p>
-          <a:p>
-            <a:r>
-              <a:rPr lang="en-CA" sz="2400" dirty="0"/>
-              <a:t>R</a:t>
-            </a:r>
-            <a:r>
-              <a:rPr lang="en-CA" sz="2400" baseline="30000" dirty="0"/>
-              <a:t>2</a:t>
-            </a:r>
-            <a:r>
-              <a:rPr lang="en-CA" sz="2400" dirty="0"/>
-              <a:t> score: 0. 0025</a:t>
-            </a:r>
-          </a:p>
-          <a:p>
-            <a:r>
-              <a:rPr lang="en-CA" sz="2400" dirty="0"/>
-              <a:t>Variance Score:  0.0025</a:t>
-            </a:r>
-          </a:p>
-          <a:p>
-            <a:r>
-              <a:rPr lang="en-CA" sz="2400" dirty="0"/>
-              <a:t>Mean Absolute Error: 35553.32</a:t>
-            </a:r>
-            <a:endParaRPr lang="en-US" sz="2400" dirty="0"/>
-          </a:p>
-        </p:txBody>
-      </p:sp>
-    </p:spTree>
-    <p:extLst>
-      <p:ext uri="{BB962C8B-B14F-4D97-AF65-F5344CB8AC3E}">
-        <p14:creationId xmlns:p14="http://schemas.microsoft.com/office/powerpoint/2010/main" val="3736391321"/>
-      </p:ext>
-    </p:extLst>
-  </p:cSld>
-  <p:clrMapOvr>
-    <a:masterClrMapping/>
-  </p:clrMapOvr>
-</p:sld>
-</file>
-
-<file path=ppt/slides/slide16.xml><?xml version="1.0" encoding="utf-8"?>
-<p:sld xmlns:a="http://schemas.openxmlformats.org/drawingml/2006/main" xmlns:r="http://schemas.openxmlformats.org/officeDocument/2006/relationships" xmlns:p="http://schemas.openxmlformats.org/presentationml/2006/main">
-  <p:cSld>
-    <p:spTree>
-      <p:nvGrpSpPr>
-        <p:cNvPr id="1" name=""/>
-        <p:cNvGrpSpPr/>
-        <p:nvPr/>
-      </p:nvGrpSpPr>
-      <p:grpSpPr>
-        <a:xfrm>
-          <a:off x="0" y="0"/>
-          <a:ext cx="0" cy="0"/>
-          <a:chOff x="0" y="0"/>
-          <a:chExt cx="0" cy="0"/>
-        </a:xfrm>
-      </p:grpSpPr>
-      <p:sp>
-        <p:nvSpPr>
-          <p:cNvPr id="2" name="Title 1">
-            <a:extLst>
-              <a:ext uri="{FF2B5EF4-FFF2-40B4-BE49-F238E27FC236}">
-                <a16:creationId xmlns:a16="http://schemas.microsoft.com/office/drawing/2014/main" id="{456F2B3B-E024-C542-BB86-DA67EE0501BB}"/>
-              </a:ext>
-            </a:extLst>
-          </p:cNvPr>
-          <p:cNvSpPr>
-            <a:spLocks noGrp="1"/>
-          </p:cNvSpPr>
-          <p:nvPr>
-            <p:ph type="title"/>
-          </p:nvPr>
-        </p:nvSpPr>
-        <p:spPr/>
-        <p:txBody>
-          <a:bodyPr/>
-          <a:lstStyle/>
-          <a:p>
-            <a:pPr algn="ctr"/>
-            <a:r>
-              <a:rPr lang="en-CA" dirty="0"/>
-              <a:t>K-NEAREST REGRESSION</a:t>
-            </a:r>
-            <a:endParaRPr lang="en-US" dirty="0"/>
-          </a:p>
-        </p:txBody>
-      </p:sp>
-      <p:sp>
-        <p:nvSpPr>
-          <p:cNvPr id="3" name="Content Placeholder 2">
-            <a:extLst>
-              <a:ext uri="{FF2B5EF4-FFF2-40B4-BE49-F238E27FC236}">
-                <a16:creationId xmlns:a16="http://schemas.microsoft.com/office/drawing/2014/main" id="{99E7F9B9-61C6-034E-9AE0-2943CE5D05E9}"/>
-              </a:ext>
-            </a:extLst>
-          </p:cNvPr>
-          <p:cNvSpPr>
-            <a:spLocks noGrp="1"/>
-          </p:cNvSpPr>
-          <p:nvPr>
-            <p:ph idx="1"/>
-          </p:nvPr>
-        </p:nvSpPr>
-        <p:spPr>
-          <a:xfrm>
-            <a:off x="3582649" y="864108"/>
-            <a:ext cx="8109679" cy="5120640"/>
-          </a:xfrm>
-        </p:spPr>
-        <p:txBody>
-          <a:bodyPr>
-            <a:normAutofit/>
-          </a:bodyPr>
-          <a:lstStyle/>
-          <a:p>
-            <a:r>
-              <a:rPr lang="en-US" sz="2400" dirty="0"/>
-              <a:t>Similar to the classification approach, the k-nearest regression approach is simple but requires determination of  k-values</a:t>
-            </a:r>
-            <a:endParaRPr lang="en-US" sz="2200" dirty="0"/>
-          </a:p>
-          <a:p>
-            <a:r>
-              <a:rPr lang="en-US" sz="2400" dirty="0"/>
-              <a:t>Time to run: </a:t>
-            </a:r>
-            <a:r>
-              <a:rPr lang="en-CA" sz="2400" dirty="0"/>
-              <a:t>0.2391 milliseconds</a:t>
-            </a:r>
-          </a:p>
-          <a:p>
-            <a:r>
-              <a:rPr lang="en-CA" sz="2400" dirty="0"/>
-              <a:t>R</a:t>
-            </a:r>
-            <a:r>
-              <a:rPr lang="en-CA" sz="2400" baseline="30000" dirty="0"/>
-              <a:t>2</a:t>
-            </a:r>
-            <a:r>
-              <a:rPr lang="en-CA" sz="2400" dirty="0"/>
-              <a:t> score: -0.2338</a:t>
-            </a:r>
-          </a:p>
-          <a:p>
-            <a:r>
-              <a:rPr lang="en-CA" sz="2400" dirty="0"/>
-              <a:t>Variance Score: -0.2337</a:t>
-            </a:r>
-          </a:p>
-          <a:p>
-            <a:r>
-              <a:rPr lang="en-CA" sz="2400" dirty="0"/>
-              <a:t>Mean Absolute Error: 38106.33</a:t>
-            </a:r>
-            <a:endParaRPr lang="en-US" sz="2400" dirty="0"/>
-          </a:p>
-        </p:txBody>
-      </p:sp>
-    </p:spTree>
-    <p:extLst>
-      <p:ext uri="{BB962C8B-B14F-4D97-AF65-F5344CB8AC3E}">
-        <p14:creationId xmlns:p14="http://schemas.microsoft.com/office/powerpoint/2010/main" val="2865099637"/>
-      </p:ext>
-    </p:extLst>
-  </p:cSld>
-  <p:clrMapOvr>
-    <a:masterClrMapping/>
-  </p:clrMapOvr>
-</p:sld>
-</file>
-
-<file path=ppt/slides/slide17.xml><?xml version="1.0" encoding="utf-8"?>
-<p:sld xmlns:a="http://schemas.openxmlformats.org/drawingml/2006/main" xmlns:r="http://schemas.openxmlformats.org/officeDocument/2006/relationships" xmlns:p="http://schemas.openxmlformats.org/presentationml/2006/main">
-  <p:cSld>
-    <p:spTree>
-      <p:nvGrpSpPr>
-        <p:cNvPr id="1" name=""/>
-        <p:cNvGrpSpPr/>
-        <p:nvPr/>
-      </p:nvGrpSpPr>
-      <p:grpSpPr>
-        <a:xfrm>
-          <a:off x="0" y="0"/>
-          <a:ext cx="0" cy="0"/>
-          <a:chOff x="0" y="0"/>
-          <a:chExt cx="0" cy="0"/>
-        </a:xfrm>
-      </p:grpSpPr>
-      <p:sp>
-        <p:nvSpPr>
-          <p:cNvPr id="2" name="Title 1">
-            <a:extLst>
-              <a:ext uri="{FF2B5EF4-FFF2-40B4-BE49-F238E27FC236}">
-                <a16:creationId xmlns:a16="http://schemas.microsoft.com/office/drawing/2014/main" id="{456F2B3B-E024-C542-BB86-DA67EE0501BB}"/>
-              </a:ext>
-            </a:extLst>
-          </p:cNvPr>
-          <p:cNvSpPr>
-            <a:spLocks noGrp="1"/>
-          </p:cNvSpPr>
-          <p:nvPr>
-            <p:ph type="title"/>
-          </p:nvPr>
-        </p:nvSpPr>
-        <p:spPr/>
-        <p:txBody>
-          <a:bodyPr/>
-          <a:lstStyle/>
-          <a:p>
-            <a:pPr algn="ctr"/>
-            <a:r>
-              <a:rPr lang="en-US" dirty="0"/>
-              <a:t>Comparison of Regression Approaches</a:t>
-            </a:r>
-          </a:p>
-        </p:txBody>
-      </p:sp>
-      <p:sp>
-        <p:nvSpPr>
-          <p:cNvPr id="3" name="Content Placeholder 2">
-            <a:extLst>
-              <a:ext uri="{FF2B5EF4-FFF2-40B4-BE49-F238E27FC236}">
-                <a16:creationId xmlns:a16="http://schemas.microsoft.com/office/drawing/2014/main" id="{99E7F9B9-61C6-034E-9AE0-2943CE5D05E9}"/>
-              </a:ext>
-            </a:extLst>
-          </p:cNvPr>
-          <p:cNvSpPr>
-            <a:spLocks noGrp="1"/>
-          </p:cNvSpPr>
-          <p:nvPr>
-            <p:ph idx="1"/>
-          </p:nvPr>
-        </p:nvSpPr>
-        <p:spPr>
-          <a:xfrm>
-            <a:off x="3582649" y="569626"/>
-            <a:ext cx="8109679" cy="5606322"/>
-          </a:xfrm>
-        </p:spPr>
-        <p:txBody>
-          <a:bodyPr>
-            <a:normAutofit lnSpcReduction="10000"/>
-          </a:bodyPr>
-          <a:lstStyle/>
-          <a:p>
-            <a:r>
-              <a:rPr lang="en-CA" sz="2400" dirty="0"/>
-              <a:t>Multiple Linear Regression</a:t>
-            </a:r>
-          </a:p>
-          <a:p>
-            <a:pPr lvl="1"/>
-            <a:r>
-              <a:rPr lang="en-CA" sz="2200" dirty="0"/>
-              <a:t>took less time to run (only 1.55% of the time it took K-Nearest)</a:t>
-            </a:r>
-          </a:p>
-          <a:p>
-            <a:pPr lvl="1"/>
-            <a:r>
-              <a:rPr lang="en-CA" sz="2400" dirty="0"/>
-              <a:t>had a better R</a:t>
-            </a:r>
-            <a:r>
-              <a:rPr lang="en-CA" sz="2400" baseline="30000" dirty="0"/>
-              <a:t>2</a:t>
-            </a:r>
-            <a:r>
-              <a:rPr lang="en-CA" sz="2400" dirty="0"/>
-              <a:t> score (with K-Nearest having a negative number)</a:t>
-            </a:r>
-          </a:p>
-          <a:p>
-            <a:pPr lvl="2"/>
-            <a:r>
-              <a:rPr lang="en-CA" sz="2200" dirty="0"/>
-              <a:t>Indicates that the model was bad for both</a:t>
-            </a:r>
-          </a:p>
-          <a:p>
-            <a:pPr lvl="1"/>
-            <a:r>
-              <a:rPr lang="en-CA" sz="2400" dirty="0"/>
-              <a:t>had a better Variance Score (with K-Nearest having a negative number)</a:t>
-            </a:r>
-          </a:p>
-          <a:p>
-            <a:pPr lvl="2"/>
-            <a:r>
-              <a:rPr lang="en-CA" sz="2200" dirty="0"/>
-              <a:t>Indicates that the model was bad for both</a:t>
-            </a:r>
-          </a:p>
-          <a:p>
-            <a:pPr lvl="1"/>
-            <a:r>
-              <a:rPr lang="en-CA" sz="2400" dirty="0"/>
-              <a:t>had a better mean absolute error</a:t>
-            </a:r>
-            <a:endParaRPr lang="en-CA" sz="2200" dirty="0"/>
-          </a:p>
-          <a:p>
-            <a:r>
-              <a:rPr lang="en-CA" sz="2400" dirty="0"/>
-              <a:t>Overall</a:t>
-            </a:r>
-          </a:p>
-          <a:p>
-            <a:pPr lvl="1"/>
-            <a:r>
-              <a:rPr lang="en-CA" sz="2200" dirty="0"/>
-              <a:t>Both approaches generated similar results with the exception of time taken to run. Both approaches did not model the data well, while also having large errors.</a:t>
-            </a:r>
-          </a:p>
-          <a:p>
-            <a:pPr lvl="1"/>
-            <a:r>
-              <a:rPr lang="en-CA" sz="2200" dirty="0"/>
-              <a:t>However, predictions for income using regression were greatly different from the classification predictions, with much less -1’s, and much more realistic incomes</a:t>
-            </a:r>
-          </a:p>
-        </p:txBody>
-      </p:sp>
-    </p:spTree>
-    <p:extLst>
-      <p:ext uri="{BB962C8B-B14F-4D97-AF65-F5344CB8AC3E}">
-        <p14:creationId xmlns:p14="http://schemas.microsoft.com/office/powerpoint/2010/main" val="2897804211"/>
-      </p:ext>
-    </p:extLst>
-  </p:cSld>
-  <p:clrMapOvr>
-    <a:masterClrMapping/>
-  </p:clrMapOvr>
-</p:sld>
-</file>
-
-<file path=ppt/slides/slide18.xml><?xml version="1.0" encoding="utf-8"?>
-<p:sld xmlns:a="http://schemas.openxmlformats.org/drawingml/2006/main" xmlns:r="http://schemas.openxmlformats.org/officeDocument/2006/relationships" xmlns:p="http://schemas.openxmlformats.org/presentationml/2006/main">
-  <p:cSld>
-    <p:bg>
-      <p:bgPr>
-        <a:solidFill>
-          <a:schemeClr val="bg1"/>
-        </a:solidFill>
-        <a:effectLst/>
-      </p:bgPr>
-    </p:bg>
-    <p:spTree>
-      <p:nvGrpSpPr>
-        <p:cNvPr id="1" name=""/>
-        <p:cNvGrpSpPr/>
-        <p:nvPr/>
-      </p:nvGrpSpPr>
-      <p:grpSpPr>
-        <a:xfrm>
-          <a:off x="0" y="0"/>
-          <a:ext cx="0" cy="0"/>
-          <a:chOff x="0" y="0"/>
-          <a:chExt cx="0" cy="0"/>
-        </a:xfrm>
-      </p:grpSpPr>
-      <p:sp>
-        <p:nvSpPr>
-          <p:cNvPr id="2" name="Title 1">
-            <a:extLst>
-              <a:ext uri="{FF2B5EF4-FFF2-40B4-BE49-F238E27FC236}">
-                <a16:creationId xmlns:a16="http://schemas.microsoft.com/office/drawing/2014/main" id="{9C524D5B-00EE-AB44-A90A-86FA36C828AC}"/>
-              </a:ext>
-            </a:extLst>
-          </p:cNvPr>
-          <p:cNvSpPr>
-            <a:spLocks noGrp="1"/>
-          </p:cNvSpPr>
-          <p:nvPr>
-            <p:ph type="title"/>
-          </p:nvPr>
-        </p:nvSpPr>
-        <p:spPr>
-          <a:xfrm>
-            <a:off x="252919" y="1123837"/>
-            <a:ext cx="2947482" cy="689973"/>
-          </a:xfrm>
-        </p:spPr>
-        <p:txBody>
-          <a:bodyPr anchor="ctr">
-            <a:normAutofit/>
-          </a:bodyPr>
-          <a:lstStyle/>
-          <a:p>
-            <a:pPr algn="ctr"/>
-            <a:r>
-              <a:rPr lang="en-US" sz="2800" b="1" dirty="0"/>
-              <a:t>Graph of k</a:t>
-            </a:r>
-          </a:p>
-        </p:txBody>
-      </p:sp>
-      <p:sp>
-        <p:nvSpPr>
-          <p:cNvPr id="10" name="Content Placeholder 9">
-            <a:extLst>
-              <a:ext uri="{FF2B5EF4-FFF2-40B4-BE49-F238E27FC236}">
-                <a16:creationId xmlns:a16="http://schemas.microsoft.com/office/drawing/2014/main" id="{2C24F276-842D-4D8C-A857-AAB196F6B0EA}"/>
-              </a:ext>
-            </a:extLst>
-          </p:cNvPr>
-          <p:cNvSpPr>
-            <a:spLocks noGrp="1"/>
-          </p:cNvSpPr>
-          <p:nvPr>
-            <p:ph idx="1"/>
-          </p:nvPr>
-        </p:nvSpPr>
-        <p:spPr>
-          <a:xfrm>
-            <a:off x="252920" y="2162014"/>
-            <a:ext cx="2947482" cy="3744264"/>
-          </a:xfrm>
-        </p:spPr>
-        <p:txBody>
-          <a:bodyPr anchor="t">
-            <a:normAutofit/>
-          </a:bodyPr>
-          <a:lstStyle/>
-          <a:p>
-            <a:pPr>
-              <a:buClr>
-                <a:schemeClr val="bg1"/>
-              </a:buClr>
-            </a:pPr>
-            <a:r>
-              <a:rPr lang="en-US" sz="2400" dirty="0">
-                <a:solidFill>
-                  <a:schemeClr val="bg1"/>
-                </a:solidFill>
-              </a:rPr>
-              <a:t>As k increases, accuracy increases and then levels off just before 20</a:t>
-            </a:r>
-          </a:p>
-        </p:txBody>
-      </p:sp>
-      <p:pic>
-        <p:nvPicPr>
-          <p:cNvPr id="8" name="Content Placeholder 4">
-            <a:extLst>
-              <a:ext uri="{FF2B5EF4-FFF2-40B4-BE49-F238E27FC236}">
-                <a16:creationId xmlns:a16="http://schemas.microsoft.com/office/drawing/2014/main" id="{F3BFE3F5-0BA3-534F-A4AB-EB96D7DB30A3}"/>
-              </a:ext>
-            </a:extLst>
-          </p:cNvPr>
-          <p:cNvPicPr>
-            <a:picLocks noChangeAspect="1"/>
-          </p:cNvPicPr>
-          <p:nvPr/>
-        </p:nvPicPr>
-        <p:blipFill>
-          <a:blip r:embed="rId2"/>
-          <a:stretch>
-            <a:fillRect/>
-          </a:stretch>
-        </p:blipFill>
-        <p:spPr>
-          <a:xfrm>
-            <a:off x="3868021" y="748145"/>
-            <a:ext cx="7594152" cy="5344746"/>
-          </a:xfrm>
-          <a:prstGeom prst="rect">
-            <a:avLst/>
-          </a:prstGeom>
-        </p:spPr>
-      </p:pic>
-    </p:spTree>
-    <p:extLst>
-      <p:ext uri="{BB962C8B-B14F-4D97-AF65-F5344CB8AC3E}">
-        <p14:creationId xmlns:p14="http://schemas.microsoft.com/office/powerpoint/2010/main" val="14254804"/>
-      </p:ext>
-    </p:extLst>
-  </p:cSld>
-  <p:clrMapOvr>
-    <a:masterClrMapping/>
-  </p:clrMapOvr>
-</p:sld>
-</file>
-
-<file path=ppt/slides/slide19.xml><?xml version="1.0" encoding="utf-8"?>
-<p:sld xmlns:a="http://schemas.openxmlformats.org/drawingml/2006/main" xmlns:r="http://schemas.openxmlformats.org/officeDocument/2006/relationships" xmlns:p="http://schemas.openxmlformats.org/presentationml/2006/main">
-  <p:cSld>
-    <p:spTree>
-      <p:nvGrpSpPr>
-        <p:cNvPr id="1" name=""/>
-        <p:cNvGrpSpPr/>
-        <p:nvPr/>
-      </p:nvGrpSpPr>
-      <p:grpSpPr>
-        <a:xfrm>
-          <a:off x="0" y="0"/>
-          <a:ext cx="0" cy="0"/>
-          <a:chOff x="0" y="0"/>
-          <a:chExt cx="0" cy="0"/>
-        </a:xfrm>
-      </p:grpSpPr>
-      <p:sp>
-        <p:nvSpPr>
-          <p:cNvPr id="2" name="Title 1">
-            <a:extLst>
-              <a:ext uri="{FF2B5EF4-FFF2-40B4-BE49-F238E27FC236}">
-                <a16:creationId xmlns:a16="http://schemas.microsoft.com/office/drawing/2014/main" id="{5E2736C6-6261-584D-AA01-540F90FE79D1}"/>
-              </a:ext>
-            </a:extLst>
-          </p:cNvPr>
-          <p:cNvSpPr>
-            <a:spLocks noGrp="1"/>
-          </p:cNvSpPr>
-          <p:nvPr>
-            <p:ph type="title"/>
-          </p:nvPr>
-        </p:nvSpPr>
-        <p:spPr/>
-        <p:txBody>
-          <a:bodyPr/>
-          <a:lstStyle/>
-          <a:p>
-            <a:pPr algn="ctr"/>
-            <a:r>
-              <a:rPr lang="en-US" dirty="0"/>
-              <a:t>Question 2</a:t>
-            </a:r>
-          </a:p>
-        </p:txBody>
-      </p:sp>
-      <p:sp>
-        <p:nvSpPr>
-          <p:cNvPr id="3" name="Content Placeholder 2">
-            <a:extLst>
-              <a:ext uri="{FF2B5EF4-FFF2-40B4-BE49-F238E27FC236}">
-                <a16:creationId xmlns:a16="http://schemas.microsoft.com/office/drawing/2014/main" id="{A3F57728-9953-E94A-A7F6-F6786B2B24C8}"/>
-              </a:ext>
-            </a:extLst>
-          </p:cNvPr>
-          <p:cNvSpPr>
-            <a:spLocks noGrp="1"/>
-          </p:cNvSpPr>
-          <p:nvPr>
-            <p:ph idx="1"/>
-          </p:nvPr>
-        </p:nvSpPr>
-        <p:spPr/>
-        <p:txBody>
-          <a:bodyPr>
-            <a:normAutofit/>
-          </a:bodyPr>
-          <a:lstStyle/>
-          <a:p>
-            <a:r>
-              <a:rPr lang="en-US" sz="2400" dirty="0"/>
-              <a:t>Upon running the model based on question 2, results for both regression and classification were very different</a:t>
-            </a:r>
-          </a:p>
-          <a:p>
-            <a:r>
-              <a:rPr lang="en-US" sz="2400" dirty="0"/>
-              <a:t>Both classification approaches were less accurate</a:t>
-            </a:r>
-          </a:p>
-          <a:p>
-            <a:r>
-              <a:rPr lang="en-US" sz="2400" dirty="0"/>
-              <a:t>Regression approaches stayed approximately the same but with much less mean absolute error</a:t>
-            </a:r>
-          </a:p>
-          <a:p>
-            <a:pPr lvl="1"/>
-            <a:r>
-              <a:rPr lang="en-US" sz="2000" dirty="0"/>
-              <a:t>This is possibly due to the variance in location data as compared to the -1’s in the income data</a:t>
-            </a:r>
-          </a:p>
-        </p:txBody>
-      </p:sp>
-    </p:spTree>
-    <p:extLst>
-      <p:ext uri="{BB962C8B-B14F-4D97-AF65-F5344CB8AC3E}">
-        <p14:creationId xmlns:p14="http://schemas.microsoft.com/office/powerpoint/2010/main" val="2570420432"/>
-      </p:ext>
-    </p:extLst>
-  </p:cSld>
-  <p:clrMapOvr>
-    <a:masterClrMapping/>
-  </p:clrMapOvr>
-</p:sld>
-</file>
-
-<file path=ppt/slides/slide2.xml><?xml version="1.0" encoding="utf-8"?>
-<p:sld xmlns:a="http://schemas.openxmlformats.org/drawingml/2006/main" xmlns:r="http://schemas.openxmlformats.org/officeDocument/2006/relationships" xmlns:p="http://schemas.openxmlformats.org/presentationml/2006/main">
-  <p:cSld>
-    <p:spTree>
-      <p:nvGrpSpPr>
-        <p:cNvPr id="1" name=""/>
-        <p:cNvGrpSpPr/>
-        <p:nvPr/>
-      </p:nvGrpSpPr>
-      <p:grpSpPr>
-        <a:xfrm>
-          <a:off x="0" y="0"/>
-          <a:ext cx="0" cy="0"/>
-          <a:chOff x="0" y="0"/>
-          <a:chExt cx="0" cy="0"/>
-        </a:xfrm>
-      </p:grpSpPr>
-      <p:sp>
-        <p:nvSpPr>
-          <p:cNvPr id="2" name="Title 1">
-            <a:extLst>
-              <a:ext uri="{FF2B5EF4-FFF2-40B4-BE49-F238E27FC236}">
-                <a16:creationId xmlns:a16="http://schemas.microsoft.com/office/drawing/2014/main" id="{4AFE43D0-EA27-2545-B9E9-DCA3AA92E807}"/>
-              </a:ext>
-            </a:extLst>
-          </p:cNvPr>
-          <p:cNvSpPr>
-            <a:spLocks noGrp="1"/>
-          </p:cNvSpPr>
-          <p:nvPr>
-            <p:ph type="title"/>
-          </p:nvPr>
-        </p:nvSpPr>
-        <p:spPr/>
-        <p:txBody>
-          <a:bodyPr/>
-          <a:lstStyle/>
-          <a:p>
-            <a:pPr algn="ctr"/>
-            <a:r>
-              <a:rPr lang="en-US" dirty="0"/>
-              <a:t>Table of Contents</a:t>
-            </a:r>
-          </a:p>
-        </p:txBody>
-      </p:sp>
-      <p:sp>
-        <p:nvSpPr>
-          <p:cNvPr id="3" name="Content Placeholder 2">
-            <a:extLst>
-              <a:ext uri="{FF2B5EF4-FFF2-40B4-BE49-F238E27FC236}">
-                <a16:creationId xmlns:a16="http://schemas.microsoft.com/office/drawing/2014/main" id="{15EC4BC1-3EDD-7C4E-AD96-304463435EDC}"/>
-              </a:ext>
-            </a:extLst>
-          </p:cNvPr>
-          <p:cNvSpPr>
-            <a:spLocks noGrp="1"/>
-          </p:cNvSpPr>
-          <p:nvPr>
-            <p:ph idx="1"/>
-          </p:nvPr>
-        </p:nvSpPr>
-        <p:spPr/>
-        <p:txBody>
-          <a:bodyPr>
-            <a:normAutofit/>
-          </a:bodyPr>
-          <a:lstStyle/>
-          <a:p>
-            <a:r>
-              <a:rPr lang="en-US" sz="2800" dirty="0"/>
-              <a:t>Exploration of Dataset</a:t>
-            </a:r>
-          </a:p>
-          <a:p>
-            <a:r>
-              <a:rPr lang="en-US" sz="2800" dirty="0"/>
-              <a:t>Question(s) to Answer</a:t>
-            </a:r>
-          </a:p>
-          <a:p>
-            <a:r>
-              <a:rPr lang="en-US" sz="2800" dirty="0"/>
-              <a:t>Augmenting the Dataset</a:t>
-            </a:r>
-          </a:p>
-          <a:p>
-            <a:r>
-              <a:rPr lang="en-US" sz="2800" dirty="0"/>
-              <a:t>Classification Approaches</a:t>
-            </a:r>
-          </a:p>
-          <a:p>
-            <a:r>
-              <a:rPr lang="en-US" sz="2800" dirty="0"/>
-              <a:t>Regression Approaches</a:t>
-            </a:r>
-          </a:p>
-          <a:p>
-            <a:r>
-              <a:rPr lang="en-US" sz="2800" dirty="0"/>
-              <a:t>Conclusion/Next Steps</a:t>
-            </a:r>
-          </a:p>
-        </p:txBody>
-      </p:sp>
-    </p:spTree>
-    <p:extLst>
-      <p:ext uri="{BB962C8B-B14F-4D97-AF65-F5344CB8AC3E}">
-        <p14:creationId xmlns:p14="http://schemas.microsoft.com/office/powerpoint/2010/main" val="1806221340"/>
-      </p:ext>
-    </p:extLst>
-  </p:cSld>
-  <p:clrMapOvr>
-    <a:masterClrMapping/>
-  </p:clrMapOvr>
-</p:sld>
-</file>
-
-<file path=ppt/slides/slide20.xml><?xml version="1.0" encoding="utf-8"?>
-<p:sld xmlns:a="http://schemas.openxmlformats.org/drawingml/2006/main" xmlns:r="http://schemas.openxmlformats.org/officeDocument/2006/relationships" xmlns:p="http://schemas.openxmlformats.org/presentationml/2006/main">
-  <p:cSld>
-    <p:spTree>
-      <p:nvGrpSpPr>
-        <p:cNvPr id="1" name=""/>
-        <p:cNvGrpSpPr/>
-        <p:nvPr/>
-      </p:nvGrpSpPr>
-      <p:grpSpPr>
-        <a:xfrm>
-          <a:off x="0" y="0"/>
-          <a:ext cx="0" cy="0"/>
-          <a:chOff x="0" y="0"/>
-          <a:chExt cx="0" cy="0"/>
-        </a:xfrm>
-      </p:grpSpPr>
-      <p:sp>
-        <p:nvSpPr>
-          <p:cNvPr id="2" name="Title 1">
-            <a:extLst>
-              <a:ext uri="{FF2B5EF4-FFF2-40B4-BE49-F238E27FC236}">
-                <a16:creationId xmlns:a16="http://schemas.microsoft.com/office/drawing/2014/main" id="{E9B87B2D-141A-514E-968D-C94DE8AA532E}"/>
-              </a:ext>
-            </a:extLst>
-          </p:cNvPr>
-          <p:cNvSpPr>
-            <a:spLocks noGrp="1"/>
-          </p:cNvSpPr>
-          <p:nvPr>
-            <p:ph type="title"/>
-          </p:nvPr>
-        </p:nvSpPr>
-        <p:spPr/>
-        <p:txBody>
-          <a:bodyPr/>
-          <a:lstStyle/>
-          <a:p>
-            <a:pPr algn="ctr"/>
-            <a:r>
-              <a:rPr lang="en-US" dirty="0"/>
-              <a:t>Question 2 continued</a:t>
-            </a:r>
-          </a:p>
-        </p:txBody>
-      </p:sp>
-      <p:graphicFrame>
-        <p:nvGraphicFramePr>
-          <p:cNvPr id="4" name="Content Placeholder 3">
-            <a:extLst>
-              <a:ext uri="{FF2B5EF4-FFF2-40B4-BE49-F238E27FC236}">
-                <a16:creationId xmlns:a16="http://schemas.microsoft.com/office/drawing/2014/main" id="{2711FF8A-DC3B-4742-B8EF-BEB4F4A68E10}"/>
-              </a:ext>
-            </a:extLst>
-          </p:cNvPr>
-          <p:cNvGraphicFramePr>
-            <a:graphicFrameLocks noGrp="1"/>
-          </p:cNvGraphicFramePr>
-          <p:nvPr>
-            <p:ph idx="1"/>
-            <p:extLst>
-              <p:ext uri="{D42A27DB-BD31-4B8C-83A1-F6EECF244321}">
-                <p14:modId xmlns:p14="http://schemas.microsoft.com/office/powerpoint/2010/main" val="2925053018"/>
-              </p:ext>
-            </p:extLst>
-          </p:nvPr>
-        </p:nvGraphicFramePr>
-        <p:xfrm>
-          <a:off x="3507697" y="764499"/>
-          <a:ext cx="8259582" cy="5321507"/>
-        </p:xfrm>
-        <a:graphic>
-          <a:graphicData uri="http://schemas.openxmlformats.org/drawingml/2006/table">
-            <a:tbl>
-              <a:tblPr firstRow="1" bandRow="1">
-                <a:tableStyleId>{5C22544A-7EE6-4342-B048-85BDC9FD1C3A}</a:tableStyleId>
-              </a:tblPr>
-              <a:tblGrid>
-                <a:gridCol w="1718845">
-                  <a:extLst>
-                    <a:ext uri="{9D8B030D-6E8A-4147-A177-3AD203B41FA5}">
-                      <a16:colId xmlns:a16="http://schemas.microsoft.com/office/drawing/2014/main" val="1735467077"/>
-                    </a:ext>
-                  </a:extLst>
-                </a:gridCol>
-                <a:gridCol w="1784912">
-                  <a:extLst>
-                    <a:ext uri="{9D8B030D-6E8A-4147-A177-3AD203B41FA5}">
-                      <a16:colId xmlns:a16="http://schemas.microsoft.com/office/drawing/2014/main" val="2569224795"/>
-                    </a:ext>
-                  </a:extLst>
-                </a:gridCol>
-                <a:gridCol w="1789675">
-                  <a:extLst>
-                    <a:ext uri="{9D8B030D-6E8A-4147-A177-3AD203B41FA5}">
-                      <a16:colId xmlns:a16="http://schemas.microsoft.com/office/drawing/2014/main" val="910610250"/>
-                    </a:ext>
-                  </a:extLst>
-                </a:gridCol>
-                <a:gridCol w="1152340">
-                  <a:extLst>
-                    <a:ext uri="{9D8B030D-6E8A-4147-A177-3AD203B41FA5}">
-                      <a16:colId xmlns:a16="http://schemas.microsoft.com/office/drawing/2014/main" val="4268437041"/>
-                    </a:ext>
-                  </a:extLst>
-                </a:gridCol>
-                <a:gridCol w="1813810">
-                  <a:extLst>
-                    <a:ext uri="{9D8B030D-6E8A-4147-A177-3AD203B41FA5}">
-                      <a16:colId xmlns:a16="http://schemas.microsoft.com/office/drawing/2014/main" val="1030852525"/>
-                    </a:ext>
-                  </a:extLst>
-                </a:gridCol>
-              </a:tblGrid>
-              <a:tr h="752517">
-                <a:tc>
-                  <a:txBody>
-                    <a:bodyPr/>
-                    <a:lstStyle/>
-                    <a:p>
-                      <a:pPr algn="ctr"/>
-                      <a:endParaRPr lang="en-US" sz="1800" dirty="0"/>
-                    </a:p>
-                  </a:txBody>
-                  <a:tcPr anchor="ctr"/>
-                </a:tc>
-                <a:tc>
-                  <a:txBody>
-                    <a:bodyPr/>
-                    <a:lstStyle/>
-                    <a:p>
-                      <a:pPr algn="ctr"/>
-                      <a:r>
-                        <a:rPr lang="en-US" sz="1800" dirty="0"/>
-                        <a:t>Naïve Bayes</a:t>
-                      </a:r>
-                    </a:p>
-                  </a:txBody>
-                  <a:tcPr anchor="ctr"/>
-                </a:tc>
-                <a:tc>
-                  <a:txBody>
-                    <a:bodyPr/>
-                    <a:lstStyle/>
-                    <a:p>
-                      <a:pPr algn="ctr"/>
-                      <a:r>
-                        <a:rPr lang="en-US" sz="1800" dirty="0"/>
-                        <a:t>K-Nearest Class.</a:t>
-                      </a:r>
-                    </a:p>
-                  </a:txBody>
-                  <a:tcPr anchor="ctr"/>
-                </a:tc>
-                <a:tc>
-                  <a:txBody>
-                    <a:bodyPr/>
-                    <a:lstStyle/>
-                    <a:p>
-                      <a:pPr algn="ctr"/>
-                      <a:r>
-                        <a:rPr lang="en-US" sz="1800" dirty="0"/>
-                        <a:t>MLR</a:t>
-                      </a:r>
-                    </a:p>
-                  </a:txBody>
-                  <a:tcPr anchor="ctr"/>
-                </a:tc>
-                <a:tc>
-                  <a:txBody>
-                    <a:bodyPr/>
-                    <a:lstStyle/>
-                    <a:p>
-                      <a:pPr algn="ctr"/>
-                      <a:r>
-                        <a:rPr lang="en-US" sz="1800" dirty="0"/>
-                        <a:t>K-Nearest </a:t>
-                      </a:r>
-                      <a:r>
-                        <a:rPr lang="en-US" sz="1800" dirty="0" err="1"/>
-                        <a:t>Regr</a:t>
-                      </a:r>
-                      <a:r>
-                        <a:rPr lang="en-US" sz="1800" dirty="0"/>
-                        <a:t>.</a:t>
-                      </a:r>
-                    </a:p>
-                  </a:txBody>
-                  <a:tcPr anchor="ctr"/>
-                </a:tc>
-                <a:extLst>
-                  <a:ext uri="{0D108BD9-81ED-4DB2-BD59-A6C34878D82A}">
-                    <a16:rowId xmlns:a16="http://schemas.microsoft.com/office/drawing/2014/main" val="4001197728"/>
-                  </a:ext>
-                </a:extLst>
-              </a:tr>
-              <a:tr h="871422">
-                <a:tc>
-                  <a:txBody>
-                    <a:bodyPr/>
-                    <a:lstStyle/>
-                    <a:p>
-                      <a:pPr algn="ctr"/>
-                      <a:r>
-                        <a:rPr lang="en-US" sz="1800" dirty="0"/>
-                        <a:t>Time to run</a:t>
-                      </a:r>
-                    </a:p>
-                  </a:txBody>
-                  <a:tcPr anchor="ctr"/>
-                </a:tc>
-                <a:tc>
-                  <a:txBody>
-                    <a:bodyPr/>
-                    <a:lstStyle/>
-                    <a:p>
-                      <a:pPr algn="ctr"/>
-                      <a:r>
-                        <a:rPr lang="en-CA" sz="1800" dirty="0"/>
-                        <a:t>0.1208 </a:t>
-                      </a:r>
-                      <a:r>
-                        <a:rPr lang="en-CA" sz="1800" dirty="0" err="1"/>
-                        <a:t>ms</a:t>
-                      </a:r>
-                      <a:endParaRPr lang="en-US" sz="1800" dirty="0"/>
-                    </a:p>
-                  </a:txBody>
-                  <a:tcPr anchor="ctr"/>
-                </a:tc>
-                <a:tc>
-                  <a:txBody>
-                    <a:bodyPr/>
-                    <a:lstStyle/>
-                    <a:p>
-                      <a:pPr algn="ctr"/>
-                      <a:r>
-                        <a:rPr lang="en-CA" sz="1800" dirty="0"/>
-                        <a:t>0.2852 </a:t>
-                      </a:r>
-                      <a:r>
-                        <a:rPr lang="en-CA" sz="1800" dirty="0" err="1"/>
-                        <a:t>ms</a:t>
-                      </a:r>
-                      <a:endParaRPr lang="en-US" sz="1800" dirty="0"/>
-                    </a:p>
-                  </a:txBody>
-                  <a:tcPr anchor="ctr"/>
-                </a:tc>
-                <a:tc>
-                  <a:txBody>
-                    <a:bodyPr/>
-                    <a:lstStyle/>
-                    <a:p>
-                      <a:pPr algn="ctr"/>
-                      <a:r>
-                        <a:rPr lang="en-CA" sz="1800" dirty="0"/>
-                        <a:t>0.0032 </a:t>
-                      </a:r>
-                      <a:r>
-                        <a:rPr lang="en-CA" sz="1800" dirty="0" err="1"/>
-                        <a:t>ms</a:t>
-                      </a:r>
-                      <a:endParaRPr lang="en-US" sz="1800" dirty="0"/>
-                    </a:p>
-                  </a:txBody>
-                  <a:tcPr anchor="ctr"/>
-                </a:tc>
-                <a:tc>
-                  <a:txBody>
-                    <a:bodyPr/>
-                    <a:lstStyle/>
-                    <a:p>
-                      <a:pPr algn="ctr"/>
-                      <a:r>
-                        <a:rPr lang="en-CA" dirty="0"/>
-                        <a:t>0.3049</a:t>
-                      </a:r>
-                      <a:r>
-                        <a:rPr lang="en-CA" sz="1800" dirty="0"/>
-                        <a:t> </a:t>
-                      </a:r>
-                      <a:r>
-                        <a:rPr lang="en-CA" sz="1800" dirty="0" err="1"/>
-                        <a:t>ms</a:t>
-                      </a:r>
-                      <a:endParaRPr lang="en-US" sz="1800" dirty="0"/>
-                    </a:p>
-                  </a:txBody>
-                  <a:tcPr anchor="ctr"/>
-                </a:tc>
-                <a:extLst>
-                  <a:ext uri="{0D108BD9-81ED-4DB2-BD59-A6C34878D82A}">
-                    <a16:rowId xmlns:a16="http://schemas.microsoft.com/office/drawing/2014/main" val="4291462545"/>
-                  </a:ext>
-                </a:extLst>
-              </a:tr>
-              <a:tr h="504872">
-                <a:tc>
-                  <a:txBody>
-                    <a:bodyPr/>
-                    <a:lstStyle/>
-                    <a:p>
-                      <a:pPr algn="ctr"/>
-                      <a:r>
-                        <a:rPr lang="en-US" sz="1800" dirty="0"/>
-                        <a:t>Accuracy</a:t>
-                      </a:r>
-                    </a:p>
-                  </a:txBody>
-                  <a:tcPr anchor="ctr"/>
-                </a:tc>
-                <a:tc>
-                  <a:txBody>
-                    <a:bodyPr/>
-                    <a:lstStyle/>
-                    <a:p>
-                      <a:pPr algn="ctr"/>
-                      <a:r>
-                        <a:rPr lang="en-CA" sz="1800" dirty="0"/>
-                        <a:t>52.58%</a:t>
-                      </a:r>
-                      <a:endParaRPr lang="en-US" sz="1800" dirty="0"/>
-                    </a:p>
-                  </a:txBody>
-                  <a:tcPr anchor="ctr"/>
-                </a:tc>
-                <a:tc>
-                  <a:txBody>
-                    <a:bodyPr/>
-                    <a:lstStyle/>
-                    <a:p>
-                      <a:pPr algn="ctr"/>
-                      <a:r>
-                        <a:rPr lang="en-CA" sz="1800" dirty="0"/>
-                        <a:t>50.16%</a:t>
-                      </a:r>
-                      <a:endParaRPr lang="en-US" sz="1800" dirty="0"/>
-                    </a:p>
-                  </a:txBody>
-                  <a:tcPr anchor="ctr"/>
-                </a:tc>
-                <a:tc>
-                  <a:txBody>
-                    <a:bodyPr/>
-                    <a:lstStyle/>
-                    <a:p>
-                      <a:pPr algn="ctr"/>
-                      <a:r>
-                        <a:rPr lang="en-US" sz="1800" dirty="0"/>
-                        <a:t>-</a:t>
-                      </a:r>
-                    </a:p>
-                  </a:txBody>
-                  <a:tcPr anchor="ctr"/>
-                </a:tc>
-                <a:tc>
-                  <a:txBody>
-                    <a:bodyPr/>
-                    <a:lstStyle/>
-                    <a:p>
-                      <a:pPr algn="ctr"/>
-                      <a:r>
-                        <a:rPr lang="en-US" sz="1800" dirty="0"/>
-                        <a:t>-</a:t>
-                      </a:r>
-                    </a:p>
-                  </a:txBody>
-                  <a:tcPr anchor="ctr"/>
-                </a:tc>
-                <a:extLst>
-                  <a:ext uri="{0D108BD9-81ED-4DB2-BD59-A6C34878D82A}">
-                    <a16:rowId xmlns:a16="http://schemas.microsoft.com/office/drawing/2014/main" val="2975547213"/>
-                  </a:ext>
-                </a:extLst>
-              </a:tr>
-              <a:tr h="655765">
-                <a:tc>
-                  <a:txBody>
-                    <a:bodyPr/>
-                    <a:lstStyle/>
-                    <a:p>
-                      <a:pPr algn="ctr"/>
-                      <a:r>
-                        <a:rPr lang="en-US" sz="1800" dirty="0"/>
-                        <a:t>Precision</a:t>
-                      </a:r>
-                    </a:p>
-                  </a:txBody>
-                  <a:tcPr anchor="ctr"/>
-                </a:tc>
-                <a:tc gridSpan="2">
-                  <a:txBody>
-                    <a:bodyPr/>
-                    <a:lstStyle/>
-                    <a:p>
-                      <a:pPr algn="ctr"/>
-                      <a:r>
-                        <a:rPr lang="en-US" sz="1800" dirty="0"/>
-                        <a:t>Similar for both with small variance</a:t>
-                      </a:r>
-                    </a:p>
-                  </a:txBody>
-                  <a:tcPr anchor="ctr"/>
-                </a:tc>
-                <a:tc hMerge="1">
-                  <a:txBody>
-                    <a:bodyPr/>
-                    <a:lstStyle/>
-                    <a:p>
-                      <a:pPr algn="ctr"/>
-                      <a:endParaRPr lang="en-US" dirty="0"/>
-                    </a:p>
-                  </a:txBody>
-                  <a:tcPr anchor="ctr"/>
-                </a:tc>
-                <a:tc>
-                  <a:txBody>
-                    <a:bodyPr/>
-                    <a:lstStyle/>
-                    <a:p>
-                      <a:pPr algn="ctr"/>
-                      <a:r>
-                        <a:rPr lang="en-US" sz="1800" dirty="0"/>
-                        <a:t>-</a:t>
-                      </a:r>
-                    </a:p>
-                  </a:txBody>
-                  <a:tcPr anchor="ctr"/>
-                </a:tc>
-                <a:tc>
-                  <a:txBody>
-                    <a:bodyPr/>
-                    <a:lstStyle/>
-                    <a:p>
-                      <a:pPr algn="ctr"/>
-                      <a:r>
-                        <a:rPr lang="en-US" sz="1800" dirty="0"/>
-                        <a:t>-</a:t>
-                      </a:r>
-                    </a:p>
-                  </a:txBody>
-                  <a:tcPr anchor="ctr"/>
-                </a:tc>
-                <a:extLst>
-                  <a:ext uri="{0D108BD9-81ED-4DB2-BD59-A6C34878D82A}">
-                    <a16:rowId xmlns:a16="http://schemas.microsoft.com/office/drawing/2014/main" val="844180636"/>
-                  </a:ext>
-                </a:extLst>
-              </a:tr>
-              <a:tr h="655765">
-                <a:tc>
-                  <a:txBody>
-                    <a:bodyPr/>
-                    <a:lstStyle/>
-                    <a:p>
-                      <a:pPr algn="ctr"/>
-                      <a:r>
-                        <a:rPr lang="en-US" sz="1800" dirty="0"/>
-                        <a:t>Recall</a:t>
-                      </a:r>
-                    </a:p>
-                  </a:txBody>
-                  <a:tcPr anchor="ctr"/>
-                </a:tc>
-                <a:tc gridSpan="2">
-                  <a:txBody>
-                    <a:bodyPr/>
-                    <a:lstStyle/>
-                    <a:p>
-                      <a:pPr marL="0" marR="0" lvl="0" indent="0" algn="ctr" defTabSz="914400" rtl="0" eaLnBrk="1" fontAlgn="auto" latinLnBrk="0" hangingPunct="1">
-                        <a:lnSpc>
-                          <a:spcPct val="100000"/>
-                        </a:lnSpc>
-                        <a:spcBef>
-                          <a:spcPts val="0"/>
-                        </a:spcBef>
-                        <a:spcAft>
-                          <a:spcPts val="0"/>
-                        </a:spcAft>
-                        <a:buClrTx/>
-                        <a:buSzTx/>
-                        <a:buFontTx/>
-                        <a:buNone/>
-                        <a:tabLst/>
-                        <a:defRPr/>
-                      </a:pPr>
-                      <a:r>
-                        <a:rPr lang="en-US" sz="1800" dirty="0"/>
-                        <a:t>Similar for both with small variance</a:t>
-                      </a:r>
-                    </a:p>
-                  </a:txBody>
-                  <a:tcPr anchor="ctr"/>
-                </a:tc>
-                <a:tc hMerge="1">
-                  <a:txBody>
-                    <a:bodyPr/>
-                    <a:lstStyle/>
-                    <a:p>
-                      <a:pPr algn="ctr"/>
-                      <a:endParaRPr lang="en-US" dirty="0"/>
-                    </a:p>
-                  </a:txBody>
-                  <a:tcPr anchor="ctr"/>
-                </a:tc>
-                <a:tc>
-                  <a:txBody>
-                    <a:bodyPr/>
-                    <a:lstStyle/>
-                    <a:p>
-                      <a:pPr algn="ctr"/>
-                      <a:r>
-                        <a:rPr lang="en-US" sz="1800" dirty="0"/>
-                        <a:t>-</a:t>
-                      </a:r>
-                    </a:p>
-                  </a:txBody>
-                  <a:tcPr anchor="ctr"/>
-                </a:tc>
-                <a:tc>
-                  <a:txBody>
-                    <a:bodyPr/>
-                    <a:lstStyle/>
-                    <a:p>
-                      <a:pPr algn="ctr"/>
-                      <a:r>
-                        <a:rPr lang="en-US" sz="1800" dirty="0"/>
-                        <a:t>-</a:t>
-                      </a:r>
-                    </a:p>
-                  </a:txBody>
-                  <a:tcPr anchor="ctr"/>
-                </a:tc>
-                <a:extLst>
-                  <a:ext uri="{0D108BD9-81ED-4DB2-BD59-A6C34878D82A}">
-                    <a16:rowId xmlns:a16="http://schemas.microsoft.com/office/drawing/2014/main" val="3031808682"/>
-                  </a:ext>
-                </a:extLst>
-              </a:tr>
-              <a:tr h="504872">
-                <a:tc>
-                  <a:txBody>
-                    <a:bodyPr/>
-                    <a:lstStyle/>
-                    <a:p>
-                      <a:pPr algn="ctr"/>
-                      <a:r>
-                        <a:rPr lang="en-CA" sz="1800" dirty="0"/>
-                        <a:t>R</a:t>
-                      </a:r>
-                      <a:r>
-                        <a:rPr lang="en-CA" sz="1800" baseline="30000" dirty="0"/>
-                        <a:t>2</a:t>
-                      </a:r>
-                      <a:r>
-                        <a:rPr lang="en-CA" sz="1800" dirty="0"/>
-                        <a:t> score</a:t>
-                      </a:r>
-                      <a:endParaRPr lang="en-US" sz="1800" dirty="0"/>
-                    </a:p>
-                  </a:txBody>
-                  <a:tcPr anchor="ctr"/>
-                </a:tc>
-                <a:tc>
-                  <a:txBody>
-                    <a:bodyPr/>
-                    <a:lstStyle/>
-                    <a:p>
-                      <a:pPr algn="ctr"/>
-                      <a:r>
-                        <a:rPr lang="en-US" sz="1800" dirty="0"/>
-                        <a:t>-</a:t>
-                      </a:r>
-                    </a:p>
-                  </a:txBody>
-                  <a:tcPr anchor="ctr"/>
-                </a:tc>
-                <a:tc>
-                  <a:txBody>
-                    <a:bodyPr/>
-                    <a:lstStyle/>
-                    <a:p>
-                      <a:pPr algn="ctr"/>
-                      <a:r>
-                        <a:rPr lang="en-US" sz="1800" dirty="0"/>
-                        <a:t>-</a:t>
-                      </a:r>
-                    </a:p>
-                  </a:txBody>
-                  <a:tcPr anchor="ctr"/>
-                </a:tc>
-                <a:tc>
-                  <a:txBody>
-                    <a:bodyPr/>
-                    <a:lstStyle/>
-                    <a:p>
-                      <a:pPr algn="ctr"/>
-                      <a:r>
-                        <a:rPr lang="en-CA" sz="1800" dirty="0"/>
-                        <a:t>0.0036</a:t>
-                      </a:r>
-                      <a:endParaRPr lang="en-US" sz="1800" dirty="0"/>
-                    </a:p>
-                  </a:txBody>
-                  <a:tcPr anchor="ctr"/>
-                </a:tc>
-                <a:tc>
-                  <a:txBody>
-                    <a:bodyPr/>
-                    <a:lstStyle/>
-                    <a:p>
-                      <a:pPr algn="ctr"/>
-                      <a:r>
-                        <a:rPr lang="en-CA" dirty="0"/>
-                        <a:t>-0.0876</a:t>
-                      </a:r>
-                      <a:endParaRPr lang="en-US" sz="1800" dirty="0"/>
-                    </a:p>
-                  </a:txBody>
-                  <a:tcPr anchor="ctr"/>
-                </a:tc>
-                <a:extLst>
-                  <a:ext uri="{0D108BD9-81ED-4DB2-BD59-A6C34878D82A}">
-                    <a16:rowId xmlns:a16="http://schemas.microsoft.com/office/drawing/2014/main" val="4108479849"/>
-                  </a:ext>
-                </a:extLst>
-              </a:tr>
-              <a:tr h="504872">
-                <a:tc>
-                  <a:txBody>
-                    <a:bodyPr/>
-                    <a:lstStyle/>
-                    <a:p>
-                      <a:pPr algn="ctr"/>
-                      <a:r>
-                        <a:rPr lang="en-CA" sz="1800" dirty="0"/>
-                        <a:t>Variance Score</a:t>
-                      </a:r>
-                      <a:endParaRPr lang="en-US" sz="1800" dirty="0"/>
-                    </a:p>
-                  </a:txBody>
-                  <a:tcPr anchor="ctr"/>
-                </a:tc>
-                <a:tc>
-                  <a:txBody>
-                    <a:bodyPr/>
-                    <a:lstStyle/>
-                    <a:p>
-                      <a:pPr algn="ctr"/>
-                      <a:r>
-                        <a:rPr lang="en-US" sz="1800" dirty="0"/>
-                        <a:t>-</a:t>
-                      </a:r>
-                    </a:p>
-                  </a:txBody>
-                  <a:tcPr anchor="ctr"/>
-                </a:tc>
-                <a:tc>
-                  <a:txBody>
-                    <a:bodyPr/>
-                    <a:lstStyle/>
-                    <a:p>
-                      <a:pPr algn="ctr"/>
-                      <a:r>
-                        <a:rPr lang="en-US" sz="1800" dirty="0"/>
-                        <a:t>-</a:t>
-                      </a:r>
-                    </a:p>
-                  </a:txBody>
-                  <a:tcPr anchor="ctr"/>
-                </a:tc>
-                <a:tc>
-                  <a:txBody>
-                    <a:bodyPr/>
-                    <a:lstStyle/>
-                    <a:p>
-                      <a:pPr algn="ctr"/>
-                      <a:r>
-                        <a:rPr lang="en-CA" sz="1800" dirty="0"/>
-                        <a:t>0.0036</a:t>
-                      </a:r>
-                      <a:endParaRPr lang="en-US" sz="1800" dirty="0"/>
-                    </a:p>
-                  </a:txBody>
-                  <a:tcPr anchor="ctr"/>
-                </a:tc>
-                <a:tc>
-                  <a:txBody>
-                    <a:bodyPr/>
-                    <a:lstStyle/>
-                    <a:p>
-                      <a:pPr algn="ctr"/>
-                      <a:r>
-                        <a:rPr lang="en-CA" dirty="0"/>
-                        <a:t>-0.0873</a:t>
-                      </a:r>
-                      <a:endParaRPr lang="en-US" sz="1800" dirty="0"/>
-                    </a:p>
-                  </a:txBody>
-                  <a:tcPr anchor="ctr"/>
-                </a:tc>
-                <a:extLst>
-                  <a:ext uri="{0D108BD9-81ED-4DB2-BD59-A6C34878D82A}">
-                    <a16:rowId xmlns:a16="http://schemas.microsoft.com/office/drawing/2014/main" val="3707344414"/>
-                  </a:ext>
-                </a:extLst>
-              </a:tr>
-              <a:tr h="871422">
-                <a:tc>
-                  <a:txBody>
-                    <a:bodyPr/>
-                    <a:lstStyle/>
-                    <a:p>
-                      <a:pPr algn="ctr"/>
-                      <a:r>
-                        <a:rPr lang="en-CA" sz="1800" dirty="0"/>
-                        <a:t>Mean Absolute Error</a:t>
-                      </a:r>
-                      <a:endParaRPr lang="en-US" sz="1800" dirty="0"/>
-                    </a:p>
-                  </a:txBody>
-                  <a:tcPr anchor="ctr"/>
-                </a:tc>
-                <a:tc>
-                  <a:txBody>
-                    <a:bodyPr/>
-                    <a:lstStyle/>
-                    <a:p>
-                      <a:pPr algn="ctr"/>
-                      <a:r>
-                        <a:rPr lang="en-US" sz="1800" dirty="0"/>
-                        <a:t>-</a:t>
-                      </a:r>
-                    </a:p>
-                  </a:txBody>
-                  <a:tcPr anchor="ctr"/>
-                </a:tc>
-                <a:tc>
-                  <a:txBody>
-                    <a:bodyPr/>
-                    <a:lstStyle/>
-                    <a:p>
-                      <a:pPr algn="ctr"/>
-                      <a:r>
-                        <a:rPr lang="en-US" sz="1800" dirty="0"/>
-                        <a:t>-</a:t>
-                      </a:r>
-                    </a:p>
-                  </a:txBody>
-                  <a:tcPr anchor="ctr"/>
-                </a:tc>
-                <a:tc>
-                  <a:txBody>
-                    <a:bodyPr/>
-                    <a:lstStyle/>
-                    <a:p>
-                      <a:pPr algn="ctr"/>
-                      <a:r>
-                        <a:rPr lang="en-CA" sz="1800" dirty="0"/>
-                        <a:t>9.0625</a:t>
-                      </a:r>
-                      <a:endParaRPr lang="en-US" sz="1800" dirty="0"/>
-                    </a:p>
-                  </a:txBody>
-                  <a:tcPr anchor="ctr"/>
-                </a:tc>
-                <a:tc>
-                  <a:txBody>
-                    <a:bodyPr/>
-                    <a:lstStyle/>
-                    <a:p>
-                      <a:pPr algn="ctr"/>
-                      <a:r>
-                        <a:rPr lang="en-CA" dirty="0"/>
-                        <a:t>9.4021</a:t>
-                      </a:r>
-                      <a:endParaRPr lang="en-US" sz="1800" dirty="0"/>
-                    </a:p>
-                  </a:txBody>
-                  <a:tcPr anchor="ctr"/>
-                </a:tc>
-                <a:extLst>
-                  <a:ext uri="{0D108BD9-81ED-4DB2-BD59-A6C34878D82A}">
-                    <a16:rowId xmlns:a16="http://schemas.microsoft.com/office/drawing/2014/main" val="1044029670"/>
-                  </a:ext>
-                </a:extLst>
-              </a:tr>
-            </a:tbl>
-          </a:graphicData>
-        </a:graphic>
-      </p:graphicFrame>
-    </p:spTree>
-    <p:extLst>
-      <p:ext uri="{BB962C8B-B14F-4D97-AF65-F5344CB8AC3E}">
-        <p14:creationId xmlns:p14="http://schemas.microsoft.com/office/powerpoint/2010/main" val="1456140965"/>
-      </p:ext>
-    </p:extLst>
-  </p:cSld>
-  <p:clrMapOvr>
-    <a:masterClrMapping/>
-  </p:clrMapOvr>
-</p:sld>
-</file>
-
-<file path=ppt/slides/slide21.xml><?xml version="1.0" encoding="utf-8"?>
-<p:sld xmlns:a="http://schemas.openxmlformats.org/drawingml/2006/main" xmlns:r="http://schemas.openxmlformats.org/officeDocument/2006/relationships" xmlns:p="http://schemas.openxmlformats.org/presentationml/2006/main">
-  <p:cSld>
-    <p:bg>
-      <p:bgPr>
-        <a:solidFill>
-          <a:schemeClr val="bg1"/>
-        </a:solidFill>
-        <a:effectLst/>
-      </p:bgPr>
-    </p:bg>
-    <p:spTree>
-      <p:nvGrpSpPr>
-        <p:cNvPr id="1" name=""/>
-        <p:cNvGrpSpPr/>
-        <p:nvPr/>
-      </p:nvGrpSpPr>
-      <p:grpSpPr>
-        <a:xfrm>
-          <a:off x="0" y="0"/>
-          <a:ext cx="0" cy="0"/>
-          <a:chOff x="0" y="0"/>
-          <a:chExt cx="0" cy="0"/>
-        </a:xfrm>
-      </p:grpSpPr>
-      <p:sp>
-        <p:nvSpPr>
-          <p:cNvPr id="2" name="Title 1">
-            <a:extLst>
-              <a:ext uri="{FF2B5EF4-FFF2-40B4-BE49-F238E27FC236}">
-                <a16:creationId xmlns:a16="http://schemas.microsoft.com/office/drawing/2014/main" id="{E9B87B2D-141A-514E-968D-C94DE8AA532E}"/>
-              </a:ext>
-            </a:extLst>
-          </p:cNvPr>
-          <p:cNvSpPr>
-            <a:spLocks noGrp="1"/>
-          </p:cNvSpPr>
-          <p:nvPr>
-            <p:ph type="title"/>
-          </p:nvPr>
-        </p:nvSpPr>
-        <p:spPr>
-          <a:xfrm>
-            <a:off x="252919" y="1123837"/>
-            <a:ext cx="2947482" cy="1038177"/>
-          </a:xfrm>
-        </p:spPr>
-        <p:txBody>
-          <a:bodyPr anchor="ctr">
-            <a:normAutofit/>
-          </a:bodyPr>
-          <a:lstStyle/>
-          <a:p>
-            <a:r>
-              <a:rPr lang="en-US" sz="2400" b="1" dirty="0"/>
-              <a:t>Question 2 continued</a:t>
-            </a:r>
-          </a:p>
-        </p:txBody>
-      </p:sp>
-      <p:sp>
-        <p:nvSpPr>
-          <p:cNvPr id="12" name="Content Placeholder 11">
-            <a:extLst>
-              <a:ext uri="{FF2B5EF4-FFF2-40B4-BE49-F238E27FC236}">
-                <a16:creationId xmlns:a16="http://schemas.microsoft.com/office/drawing/2014/main" id="{A98256E8-30A1-4A3C-828F-141B00B63081}"/>
-              </a:ext>
-            </a:extLst>
-          </p:cNvPr>
-          <p:cNvSpPr>
-            <a:spLocks noGrp="1"/>
-          </p:cNvSpPr>
-          <p:nvPr>
-            <p:ph idx="1"/>
-          </p:nvPr>
-        </p:nvSpPr>
-        <p:spPr>
-          <a:xfrm>
-            <a:off x="252920" y="2162014"/>
-            <a:ext cx="2947482" cy="3744264"/>
-          </a:xfrm>
-        </p:spPr>
-        <p:txBody>
-          <a:bodyPr anchor="t">
-            <a:normAutofit lnSpcReduction="10000"/>
-          </a:bodyPr>
-          <a:lstStyle/>
-          <a:p>
-            <a:pPr>
-              <a:buClr>
-                <a:schemeClr val="bg1"/>
-              </a:buClr>
-            </a:pPr>
-            <a:r>
-              <a:rPr lang="en-US" sz="2400" dirty="0">
-                <a:solidFill>
-                  <a:schemeClr val="bg1"/>
-                </a:solidFill>
-              </a:rPr>
-              <a:t>As k increases, accuracy also increases but dips down at around 15, and then levels off at around 20</a:t>
-            </a:r>
-          </a:p>
-          <a:p>
-            <a:pPr>
-              <a:buClr>
-                <a:schemeClr val="bg1"/>
-              </a:buClr>
-            </a:pPr>
-            <a:r>
-              <a:rPr lang="en-US" sz="2400" dirty="0">
-                <a:solidFill>
-                  <a:schemeClr val="bg1"/>
-                </a:solidFill>
-              </a:rPr>
-              <a:t>Compared to question 1, the graph is not as smooth but has a similar curve</a:t>
-            </a:r>
-          </a:p>
-        </p:txBody>
-      </p:sp>
-      <p:pic>
-        <p:nvPicPr>
-          <p:cNvPr id="10" name="Content Placeholder 6">
-            <a:extLst>
-              <a:ext uri="{FF2B5EF4-FFF2-40B4-BE49-F238E27FC236}">
-                <a16:creationId xmlns:a16="http://schemas.microsoft.com/office/drawing/2014/main" id="{1AFF96D2-25D6-2541-A4D0-094C841ECBD6}"/>
-              </a:ext>
-            </a:extLst>
-          </p:cNvPr>
-          <p:cNvPicPr>
-            <a:picLocks noChangeAspect="1"/>
-          </p:cNvPicPr>
-          <p:nvPr/>
-        </p:nvPicPr>
-        <p:blipFill>
-          <a:blip r:embed="rId2"/>
-          <a:stretch>
-            <a:fillRect/>
-          </a:stretch>
-        </p:blipFill>
-        <p:spPr>
-          <a:xfrm>
-            <a:off x="3868021" y="748145"/>
-            <a:ext cx="7594152" cy="5344746"/>
-          </a:xfrm>
-          <a:prstGeom prst="rect">
-            <a:avLst/>
-          </a:prstGeom>
-        </p:spPr>
-      </p:pic>
-    </p:spTree>
-    <p:extLst>
-      <p:ext uri="{BB962C8B-B14F-4D97-AF65-F5344CB8AC3E}">
-        <p14:creationId xmlns:p14="http://schemas.microsoft.com/office/powerpoint/2010/main" val="191993305"/>
-      </p:ext>
-    </p:extLst>
-  </p:cSld>
-  <p:clrMapOvr>
-    <a:masterClrMapping/>
-  </p:clrMapOvr>
-</p:sld>
-</file>
-
-<file path=ppt/slides/slide22.xml><?xml version="1.0" encoding="utf-8"?>
-<p:sld xmlns:a="http://schemas.openxmlformats.org/drawingml/2006/main" xmlns:r="http://schemas.openxmlformats.org/officeDocument/2006/relationships" xmlns:p="http://schemas.openxmlformats.org/presentationml/2006/main">
-  <p:cSld>
-    <p:spTree>
-      <p:nvGrpSpPr>
-        <p:cNvPr id="1" name=""/>
-        <p:cNvGrpSpPr/>
-        <p:nvPr/>
-      </p:nvGrpSpPr>
-      <p:grpSpPr>
-        <a:xfrm>
-          <a:off x="0" y="0"/>
-          <a:ext cx="0" cy="0"/>
-          <a:chOff x="0" y="0"/>
-          <a:chExt cx="0" cy="0"/>
-        </a:xfrm>
-      </p:grpSpPr>
-      <p:sp>
-        <p:nvSpPr>
-          <p:cNvPr id="2" name="Title 1">
-            <a:extLst>
-              <a:ext uri="{FF2B5EF4-FFF2-40B4-BE49-F238E27FC236}">
-                <a16:creationId xmlns:a16="http://schemas.microsoft.com/office/drawing/2014/main" id="{2B1BDF07-F425-6B4C-BBB2-A0481958CDC0}"/>
-              </a:ext>
-            </a:extLst>
-          </p:cNvPr>
-          <p:cNvSpPr>
-            <a:spLocks noGrp="1"/>
-          </p:cNvSpPr>
-          <p:nvPr>
-            <p:ph type="title"/>
-          </p:nvPr>
-        </p:nvSpPr>
-        <p:spPr/>
-        <p:txBody>
-          <a:bodyPr/>
-          <a:lstStyle/>
-          <a:p>
-            <a:pPr algn="ctr"/>
-            <a:r>
-              <a:rPr lang="en-US" dirty="0"/>
-              <a:t>Conclusion / Next Steps</a:t>
-            </a:r>
-          </a:p>
-        </p:txBody>
-      </p:sp>
-      <p:sp>
-        <p:nvSpPr>
-          <p:cNvPr id="3" name="Content Placeholder 2">
-            <a:extLst>
-              <a:ext uri="{FF2B5EF4-FFF2-40B4-BE49-F238E27FC236}">
-                <a16:creationId xmlns:a16="http://schemas.microsoft.com/office/drawing/2014/main" id="{166776D4-105C-9F49-A8DC-79830E13CA35}"/>
-              </a:ext>
-            </a:extLst>
-          </p:cNvPr>
-          <p:cNvSpPr>
-            <a:spLocks noGrp="1"/>
-          </p:cNvSpPr>
-          <p:nvPr>
-            <p:ph idx="1"/>
-          </p:nvPr>
-        </p:nvSpPr>
-        <p:spPr/>
-        <p:txBody>
-          <a:bodyPr/>
-          <a:lstStyle/>
-          <a:p>
-            <a:r>
-              <a:rPr lang="en-US" dirty="0"/>
-              <a:t>In conclusion:</a:t>
-            </a:r>
-          </a:p>
-          <a:p>
-            <a:pPr lvl="1"/>
-            <a:r>
-              <a:rPr lang="en-US" dirty="0"/>
-              <a:t>Prediction of income is possible and can be accurate but due to lack of income data or majority of income being -1, we cannot say that the model performed well.</a:t>
-            </a:r>
-          </a:p>
-          <a:p>
-            <a:pPr lvl="1"/>
-            <a:r>
-              <a:rPr lang="en-US" dirty="0"/>
-              <a:t>Upon scanning the job data, users </a:t>
-            </a:r>
-            <a:r>
-              <a:rPr lang="en-US" b="1" dirty="0"/>
-              <a:t>with jobs </a:t>
-            </a:r>
-            <a:r>
-              <a:rPr lang="en-US" dirty="0"/>
-              <a:t>have put -1 as their income and this indicates that the information is not correct. Therefore, we cannot predict income based on education and jobs for this dataset</a:t>
-            </a:r>
-          </a:p>
-          <a:p>
-            <a:r>
-              <a:rPr lang="en-US" dirty="0"/>
-              <a:t>Question:</a:t>
-            </a:r>
-          </a:p>
-          <a:p>
-            <a:pPr lvl="1"/>
-            <a:r>
-              <a:rPr lang="en-US" dirty="0"/>
-              <a:t>Since job and location data seem to have better user inputs, perhaps I can predict which city (or state) has what kind of jobs</a:t>
-            </a:r>
-          </a:p>
-          <a:p>
-            <a:pPr lvl="2"/>
-            <a:r>
-              <a:rPr lang="en-US" dirty="0"/>
-              <a:t>Ex: predict if tech-related jobs are in San Francisco</a:t>
-            </a:r>
-          </a:p>
-          <a:p>
-            <a:pPr lvl="2"/>
-            <a:r>
-              <a:rPr lang="en-US" dirty="0"/>
-              <a:t>Ex: predict if entertainment jobs are in Los Angeles</a:t>
-            </a:r>
-          </a:p>
-          <a:p>
-            <a:r>
-              <a:rPr lang="en-US" dirty="0"/>
-              <a:t>Next Step:</a:t>
-            </a:r>
-          </a:p>
-          <a:p>
-            <a:pPr lvl="1"/>
-            <a:r>
-              <a:rPr lang="en-US" dirty="0"/>
-              <a:t>I will try to create a ‘state’ column for each user and see if I can predict their job type (tech-related, entertainment, etc.) based on location or vice versa</a:t>
-            </a:r>
-          </a:p>
-        </p:txBody>
-      </p:sp>
-    </p:spTree>
-    <p:extLst>
-      <p:ext uri="{BB962C8B-B14F-4D97-AF65-F5344CB8AC3E}">
-        <p14:creationId xmlns:p14="http://schemas.microsoft.com/office/powerpoint/2010/main" val="2617830368"/>
-      </p:ext>
-    </p:extLst>
-  </p:cSld>
-  <p:clrMapOvr>
-    <a:masterClrMapping/>
-  </p:clrMapOvr>
-</p:sld>
-</file>
-
-<file path=ppt/slides/slide3.xml><?xml version="1.0" encoding="utf-8"?>
-<p:sld xmlns:a="http://schemas.openxmlformats.org/drawingml/2006/main" xmlns:r="http://schemas.openxmlformats.org/officeDocument/2006/relationships" xmlns:p="http://schemas.openxmlformats.org/presentationml/2006/main">
-  <p:cSld>
-    <p:spTree>
-      <p:nvGrpSpPr>
-        <p:cNvPr id="1" name=""/>
-        <p:cNvGrpSpPr/>
-        <p:nvPr/>
-      </p:nvGrpSpPr>
-      <p:grpSpPr>
-        <a:xfrm>
-          <a:off x="0" y="0"/>
-          <a:ext cx="0" cy="0"/>
-          <a:chOff x="0" y="0"/>
-          <a:chExt cx="0" cy="0"/>
-        </a:xfrm>
-      </p:grpSpPr>
-      <p:sp>
-        <p:nvSpPr>
-          <p:cNvPr id="2" name="Title 1">
-            <a:extLst>
-              <a:ext uri="{FF2B5EF4-FFF2-40B4-BE49-F238E27FC236}">
-                <a16:creationId xmlns:a16="http://schemas.microsoft.com/office/drawing/2014/main" id="{456F2B3B-E024-C542-BB86-DA67EE0501BB}"/>
-              </a:ext>
-            </a:extLst>
-          </p:cNvPr>
-          <p:cNvSpPr>
-            <a:spLocks noGrp="1"/>
-          </p:cNvSpPr>
-          <p:nvPr>
-            <p:ph type="title"/>
-          </p:nvPr>
-        </p:nvSpPr>
-        <p:spPr/>
-        <p:txBody>
-          <a:bodyPr/>
-          <a:lstStyle/>
-          <a:p>
-            <a:pPr algn="ctr"/>
-            <a:r>
-              <a:rPr lang="en-US" dirty="0"/>
-              <a:t>Exploration of Dataset</a:t>
-            </a:r>
-          </a:p>
-        </p:txBody>
-      </p:sp>
-      <p:sp>
-        <p:nvSpPr>
-          <p:cNvPr id="3" name="Content Placeholder 2">
-            <a:extLst>
-              <a:ext uri="{FF2B5EF4-FFF2-40B4-BE49-F238E27FC236}">
-                <a16:creationId xmlns:a16="http://schemas.microsoft.com/office/drawing/2014/main" id="{99E7F9B9-61C6-034E-9AE0-2943CE5D05E9}"/>
-              </a:ext>
-            </a:extLst>
-          </p:cNvPr>
-          <p:cNvSpPr>
-            <a:spLocks noGrp="1"/>
-          </p:cNvSpPr>
-          <p:nvPr>
-            <p:ph idx="1"/>
-          </p:nvPr>
-        </p:nvSpPr>
-        <p:spPr>
-          <a:xfrm>
-            <a:off x="3582649" y="864108"/>
-            <a:ext cx="8109679" cy="5120640"/>
-          </a:xfrm>
-        </p:spPr>
-        <p:txBody>
-          <a:bodyPr>
-            <a:normAutofit/>
-          </a:bodyPr>
-          <a:lstStyle/>
-          <a:p>
-            <a:r>
-              <a:rPr lang="en-US" sz="2800" dirty="0"/>
-              <a:t>To explore the dataset:</a:t>
-            </a:r>
-          </a:p>
-          <a:p>
-            <a:pPr lvl="1"/>
-            <a:r>
-              <a:rPr lang="en-US" sz="2000" dirty="0"/>
-              <a:t>I plotted columns for Height, Age, and Income to see frequency of data</a:t>
-            </a:r>
-          </a:p>
-          <a:p>
-            <a:pPr lvl="1"/>
-            <a:r>
-              <a:rPr lang="en-US" sz="2000" dirty="0"/>
-              <a:t>Looked at the different variety of data within each column</a:t>
-            </a:r>
-          </a:p>
-          <a:p>
-            <a:pPr lvl="2"/>
-            <a:r>
-              <a:rPr lang="en-US" sz="2000" dirty="0"/>
-              <a:t>Ex: Location had more varying data as compared to education</a:t>
-            </a:r>
-          </a:p>
-          <a:p>
-            <a:pPr lvl="2"/>
-            <a:r>
-              <a:rPr lang="en-US" sz="2000" dirty="0"/>
-              <a:t>Income did not have inputs from users</a:t>
-            </a:r>
-          </a:p>
-        </p:txBody>
-      </p:sp>
-    </p:spTree>
-    <p:extLst>
-      <p:ext uri="{BB962C8B-B14F-4D97-AF65-F5344CB8AC3E}">
-        <p14:creationId xmlns:p14="http://schemas.microsoft.com/office/powerpoint/2010/main" val="298336192"/>
-      </p:ext>
-    </p:extLst>
-  </p:cSld>
-  <p:clrMapOvr>
-    <a:masterClrMapping/>
-  </p:clrMapOvr>
-</p:sld>
-</file>
-
-<file path=ppt/slides/slide4.xml><?xml version="1.0" encoding="utf-8"?>
-<p:sld xmlns:a="http://schemas.openxmlformats.org/drawingml/2006/main" xmlns:r="http://schemas.openxmlformats.org/officeDocument/2006/relationships" xmlns:p="http://schemas.openxmlformats.org/presentationml/2006/main">
-  <p:cSld>
-    <p:bg>
-      <p:bgPr>
-        <a:solidFill>
-          <a:schemeClr val="bg1"/>
-        </a:solidFill>
-        <a:effectLst/>
-      </p:bgPr>
-    </p:bg>
-    <p:spTree>
-      <p:nvGrpSpPr>
-        <p:cNvPr id="1" name=""/>
-        <p:cNvGrpSpPr/>
-        <p:nvPr/>
-      </p:nvGrpSpPr>
-      <p:grpSpPr>
-        <a:xfrm>
-          <a:off x="0" y="0"/>
-          <a:ext cx="0" cy="0"/>
-          <a:chOff x="0" y="0"/>
-          <a:chExt cx="0" cy="0"/>
-        </a:xfrm>
-      </p:grpSpPr>
-      <p:sp>
-        <p:nvSpPr>
-          <p:cNvPr id="2" name="Title 1">
-            <a:extLst>
-              <a:ext uri="{FF2B5EF4-FFF2-40B4-BE49-F238E27FC236}">
-                <a16:creationId xmlns:a16="http://schemas.microsoft.com/office/drawing/2014/main" id="{320D5865-BE06-FD42-8BFE-81E206A22496}"/>
-              </a:ext>
-            </a:extLst>
-          </p:cNvPr>
-          <p:cNvSpPr>
-            <a:spLocks noGrp="1"/>
-          </p:cNvSpPr>
-          <p:nvPr>
-            <p:ph type="title"/>
-          </p:nvPr>
-        </p:nvSpPr>
-        <p:spPr>
-          <a:xfrm>
-            <a:off x="252919" y="868101"/>
-            <a:ext cx="2947482" cy="900738"/>
-          </a:xfrm>
-        </p:spPr>
-        <p:txBody>
-          <a:bodyPr anchor="ctr">
-            <a:normAutofit/>
-          </a:bodyPr>
-          <a:lstStyle/>
-          <a:p>
-            <a:pPr algn="ctr"/>
-            <a:r>
-              <a:rPr lang="en-US" sz="2800" b="1" dirty="0"/>
-              <a:t>Height Frequency</a:t>
-            </a:r>
-          </a:p>
-        </p:txBody>
-      </p:sp>
-      <p:sp>
-        <p:nvSpPr>
-          <p:cNvPr id="10" name="Content Placeholder 9">
-            <a:extLst>
-              <a:ext uri="{FF2B5EF4-FFF2-40B4-BE49-F238E27FC236}">
-                <a16:creationId xmlns:a16="http://schemas.microsoft.com/office/drawing/2014/main" id="{25BDD17F-A80A-4568-9F14-A7DEC1485008}"/>
-              </a:ext>
-            </a:extLst>
-          </p:cNvPr>
-          <p:cNvSpPr>
-            <a:spLocks noGrp="1"/>
-          </p:cNvSpPr>
-          <p:nvPr>
-            <p:ph idx="1"/>
-          </p:nvPr>
-        </p:nvSpPr>
-        <p:spPr>
-          <a:xfrm>
-            <a:off x="252920" y="1768839"/>
-            <a:ext cx="2947482" cy="4137439"/>
-          </a:xfrm>
-        </p:spPr>
-        <p:txBody>
-          <a:bodyPr anchor="t">
-            <a:normAutofit/>
-          </a:bodyPr>
-          <a:lstStyle/>
-          <a:p>
-            <a:pPr>
-              <a:buClr>
-                <a:schemeClr val="bg1"/>
-              </a:buClr>
-            </a:pPr>
-            <a:r>
-              <a:rPr lang="en-US" sz="2400" dirty="0">
-                <a:solidFill>
-                  <a:schemeClr val="bg1"/>
-                </a:solidFill>
-              </a:rPr>
-              <a:t>Majority of height clustered between 60 inches to about 78 inches.</a:t>
-            </a:r>
-          </a:p>
-          <a:p>
-            <a:pPr>
-              <a:buClr>
-                <a:schemeClr val="bg1"/>
-              </a:buClr>
-            </a:pPr>
-            <a:r>
-              <a:rPr lang="en-US" sz="2400" dirty="0">
-                <a:solidFill>
-                  <a:schemeClr val="bg1"/>
-                </a:solidFill>
-              </a:rPr>
-              <a:t>Created by extracting Height column from .</a:t>
-            </a:r>
-            <a:r>
-              <a:rPr lang="en-US" sz="2400" dirty="0" err="1">
-                <a:solidFill>
-                  <a:schemeClr val="bg1"/>
-                </a:solidFill>
-              </a:rPr>
-              <a:t>cvs</a:t>
-            </a:r>
-            <a:r>
-              <a:rPr lang="en-US" sz="2400" dirty="0">
-                <a:solidFill>
-                  <a:schemeClr val="bg1"/>
-                </a:solidFill>
-              </a:rPr>
-              <a:t> file and selecting histogram as type of graph</a:t>
-            </a:r>
-          </a:p>
-        </p:txBody>
-      </p:sp>
-      <p:pic>
-        <p:nvPicPr>
-          <p:cNvPr id="8" name="Content Placeholder 4">
-            <a:extLst>
-              <a:ext uri="{FF2B5EF4-FFF2-40B4-BE49-F238E27FC236}">
-                <a16:creationId xmlns:a16="http://schemas.microsoft.com/office/drawing/2014/main" id="{50E6459C-AA9C-2C42-ABD6-42DE3C2BE542}"/>
-              </a:ext>
-            </a:extLst>
-          </p:cNvPr>
-          <p:cNvPicPr>
-            <a:picLocks noChangeAspect="1"/>
-          </p:cNvPicPr>
-          <p:nvPr/>
-        </p:nvPicPr>
-        <p:blipFill>
-          <a:blip r:embed="rId2"/>
-          <a:stretch>
-            <a:fillRect/>
-          </a:stretch>
-        </p:blipFill>
-        <p:spPr>
-          <a:xfrm>
-            <a:off x="3946647" y="868100"/>
-            <a:ext cx="7436901" cy="5104836"/>
-          </a:xfrm>
-          <a:prstGeom prst="rect">
-            <a:avLst/>
-          </a:prstGeom>
-        </p:spPr>
-      </p:pic>
-    </p:spTree>
-    <p:extLst>
-      <p:ext uri="{BB962C8B-B14F-4D97-AF65-F5344CB8AC3E}">
-        <p14:creationId xmlns:p14="http://schemas.microsoft.com/office/powerpoint/2010/main" val="3457511848"/>
-      </p:ext>
-    </p:extLst>
-  </p:cSld>
-  <p:clrMapOvr>
-    <a:masterClrMapping/>
-  </p:clrMapOvr>
-</p:sld>
-</file>
-
-<file path=ppt/slides/slide5.xml><?xml version="1.0" encoding="utf-8"?>
-<p:sld xmlns:a="http://schemas.openxmlformats.org/drawingml/2006/main" xmlns:r="http://schemas.openxmlformats.org/officeDocument/2006/relationships" xmlns:p="http://schemas.openxmlformats.org/presentationml/2006/main">
-  <p:cSld>
-    <p:bg>
-      <p:bgPr>
-        <a:solidFill>
-          <a:schemeClr val="bg1"/>
-        </a:solidFill>
-        <a:effectLst/>
-      </p:bgPr>
-    </p:bg>
-    <p:spTree>
-      <p:nvGrpSpPr>
-        <p:cNvPr id="1" name=""/>
-        <p:cNvGrpSpPr/>
-        <p:nvPr/>
-      </p:nvGrpSpPr>
-      <p:grpSpPr>
-        <a:xfrm>
-          <a:off x="0" y="0"/>
-          <a:ext cx="0" cy="0"/>
-          <a:chOff x="0" y="0"/>
-          <a:chExt cx="0" cy="0"/>
-        </a:xfrm>
-      </p:grpSpPr>
-      <p:sp>
-        <p:nvSpPr>
-          <p:cNvPr id="2" name="Title 1">
-            <a:extLst>
-              <a:ext uri="{FF2B5EF4-FFF2-40B4-BE49-F238E27FC236}">
-                <a16:creationId xmlns:a16="http://schemas.microsoft.com/office/drawing/2014/main" id="{320D5865-BE06-FD42-8BFE-81E206A22496}"/>
-              </a:ext>
-            </a:extLst>
-          </p:cNvPr>
-          <p:cNvSpPr>
-            <a:spLocks noGrp="1"/>
-          </p:cNvSpPr>
-          <p:nvPr>
-            <p:ph type="title"/>
-          </p:nvPr>
-        </p:nvSpPr>
-        <p:spPr>
-          <a:xfrm>
-            <a:off x="252919" y="951723"/>
-            <a:ext cx="2947482" cy="787136"/>
-          </a:xfrm>
-        </p:spPr>
-        <p:txBody>
-          <a:bodyPr anchor="ctr">
-            <a:normAutofit/>
-          </a:bodyPr>
-          <a:lstStyle/>
-          <a:p>
-            <a:pPr algn="ctr"/>
-            <a:r>
-              <a:rPr lang="en-US" sz="2800" b="1" dirty="0"/>
-              <a:t>Income Frequency</a:t>
-            </a:r>
-          </a:p>
-        </p:txBody>
-      </p:sp>
-      <p:sp>
-        <p:nvSpPr>
-          <p:cNvPr id="10" name="Content Placeholder 9">
-            <a:extLst>
-              <a:ext uri="{FF2B5EF4-FFF2-40B4-BE49-F238E27FC236}">
-                <a16:creationId xmlns:a16="http://schemas.microsoft.com/office/drawing/2014/main" id="{25BDD17F-A80A-4568-9F14-A7DEC1485008}"/>
-              </a:ext>
-            </a:extLst>
-          </p:cNvPr>
-          <p:cNvSpPr>
-            <a:spLocks noGrp="1"/>
-          </p:cNvSpPr>
-          <p:nvPr>
-            <p:ph idx="1"/>
-          </p:nvPr>
-        </p:nvSpPr>
-        <p:spPr>
-          <a:xfrm>
-            <a:off x="252920" y="1738859"/>
-            <a:ext cx="2947482" cy="4167419"/>
-          </a:xfrm>
-        </p:spPr>
-        <p:txBody>
-          <a:bodyPr anchor="t">
-            <a:normAutofit lnSpcReduction="10000"/>
-          </a:bodyPr>
-          <a:lstStyle/>
-          <a:p>
-            <a:pPr>
-              <a:buClr>
-                <a:schemeClr val="bg1"/>
-              </a:buClr>
-            </a:pPr>
-            <a:r>
-              <a:rPr lang="en-US" sz="2400" dirty="0">
-                <a:solidFill>
-                  <a:schemeClr val="bg1"/>
-                </a:solidFill>
-              </a:rPr>
-              <a:t>Majority of income is zero as most people either do not have an income or chose to not share their income</a:t>
-            </a:r>
-          </a:p>
-          <a:p>
-            <a:pPr>
-              <a:buClr>
-                <a:schemeClr val="bg1"/>
-              </a:buClr>
-            </a:pPr>
-            <a:r>
-              <a:rPr lang="en-US" sz="2400" dirty="0">
-                <a:solidFill>
-                  <a:schemeClr val="bg1"/>
-                </a:solidFill>
-              </a:rPr>
-              <a:t>Created by extracting Income column from .</a:t>
-            </a:r>
-            <a:r>
-              <a:rPr lang="en-US" sz="2400" dirty="0" err="1">
-                <a:solidFill>
-                  <a:schemeClr val="bg1"/>
-                </a:solidFill>
-              </a:rPr>
-              <a:t>cvs</a:t>
-            </a:r>
-            <a:r>
-              <a:rPr lang="en-US" sz="2400" dirty="0">
-                <a:solidFill>
-                  <a:schemeClr val="bg1"/>
-                </a:solidFill>
-              </a:rPr>
-              <a:t> file and selecting histogram as type of graph</a:t>
-            </a:r>
-          </a:p>
-        </p:txBody>
-      </p:sp>
-      <p:pic>
-        <p:nvPicPr>
-          <p:cNvPr id="8" name="Content Placeholder 4">
-            <a:extLst>
-              <a:ext uri="{FF2B5EF4-FFF2-40B4-BE49-F238E27FC236}">
-                <a16:creationId xmlns:a16="http://schemas.microsoft.com/office/drawing/2014/main" id="{50E6459C-AA9C-2C42-ABD6-42DE3C2BE542}"/>
-              </a:ext>
-            </a:extLst>
-          </p:cNvPr>
-          <p:cNvPicPr>
-            <a:picLocks noChangeAspect="1"/>
-          </p:cNvPicPr>
-          <p:nvPr/>
-        </p:nvPicPr>
-        <p:blipFill>
-          <a:blip r:embed="rId2"/>
-          <a:stretch>
-            <a:fillRect/>
-          </a:stretch>
-        </p:blipFill>
-        <p:spPr>
-          <a:xfrm>
-            <a:off x="3919103" y="868100"/>
-            <a:ext cx="7491989" cy="5104836"/>
-          </a:xfrm>
-          <a:prstGeom prst="rect">
-            <a:avLst/>
-          </a:prstGeom>
-        </p:spPr>
-      </p:pic>
-    </p:spTree>
-    <p:extLst>
-      <p:ext uri="{BB962C8B-B14F-4D97-AF65-F5344CB8AC3E}">
-        <p14:creationId xmlns:p14="http://schemas.microsoft.com/office/powerpoint/2010/main" val="946083969"/>
-      </p:ext>
-    </p:extLst>
-  </p:cSld>
-  <p:clrMapOvr>
-    <a:masterClrMapping/>
-  </p:clrMapOvr>
-</p:sld>
-</file>
-
-<file path=ppt/slides/slide6.xml><?xml version="1.0" encoding="utf-8"?>
-<p:sld xmlns:a="http://schemas.openxmlformats.org/drawingml/2006/main" xmlns:r="http://schemas.openxmlformats.org/officeDocument/2006/relationships" xmlns:p="http://schemas.openxmlformats.org/presentationml/2006/main">
-  <p:cSld>
-    <p:bg>
-      <p:bgPr>
-        <a:solidFill>
-          <a:schemeClr val="bg1"/>
-        </a:solidFill>
-        <a:effectLst/>
-      </p:bgPr>
-    </p:bg>
-    <p:spTree>
-      <p:nvGrpSpPr>
-        <p:cNvPr id="1" name=""/>
-        <p:cNvGrpSpPr/>
-        <p:nvPr/>
-      </p:nvGrpSpPr>
-      <p:grpSpPr>
-        <a:xfrm>
-          <a:off x="0" y="0"/>
-          <a:ext cx="0" cy="0"/>
-          <a:chOff x="0" y="0"/>
-          <a:chExt cx="0" cy="0"/>
-        </a:xfrm>
-      </p:grpSpPr>
-      <p:sp>
-        <p:nvSpPr>
-          <p:cNvPr id="2" name="Title 1">
-            <a:extLst>
-              <a:ext uri="{FF2B5EF4-FFF2-40B4-BE49-F238E27FC236}">
-                <a16:creationId xmlns:a16="http://schemas.microsoft.com/office/drawing/2014/main" id="{320D5865-BE06-FD42-8BFE-81E206A22496}"/>
-              </a:ext>
-            </a:extLst>
-          </p:cNvPr>
-          <p:cNvSpPr>
-            <a:spLocks noGrp="1"/>
-          </p:cNvSpPr>
-          <p:nvPr>
-            <p:ph type="title"/>
-          </p:nvPr>
-        </p:nvSpPr>
-        <p:spPr>
-          <a:xfrm>
-            <a:off x="252919" y="886869"/>
-            <a:ext cx="2947482" cy="851990"/>
-          </a:xfrm>
-        </p:spPr>
-        <p:txBody>
-          <a:bodyPr anchor="ctr">
-            <a:normAutofit/>
-          </a:bodyPr>
-          <a:lstStyle/>
-          <a:p>
-            <a:pPr algn="ctr"/>
-            <a:r>
-              <a:rPr lang="en-US" sz="2800" b="1" dirty="0"/>
-              <a:t>Age Frequency</a:t>
-            </a:r>
-          </a:p>
-        </p:txBody>
-      </p:sp>
-      <p:sp>
-        <p:nvSpPr>
-          <p:cNvPr id="10" name="Content Placeholder 9">
-            <a:extLst>
-              <a:ext uri="{FF2B5EF4-FFF2-40B4-BE49-F238E27FC236}">
-                <a16:creationId xmlns:a16="http://schemas.microsoft.com/office/drawing/2014/main" id="{25BDD17F-A80A-4568-9F14-A7DEC1485008}"/>
-              </a:ext>
-            </a:extLst>
-          </p:cNvPr>
-          <p:cNvSpPr>
-            <a:spLocks noGrp="1"/>
-          </p:cNvSpPr>
-          <p:nvPr>
-            <p:ph idx="1"/>
-          </p:nvPr>
-        </p:nvSpPr>
-        <p:spPr>
-          <a:xfrm>
-            <a:off x="252920" y="1738859"/>
-            <a:ext cx="2947482" cy="4167419"/>
-          </a:xfrm>
-        </p:spPr>
-        <p:txBody>
-          <a:bodyPr anchor="t">
-            <a:normAutofit fontScale="92500"/>
-          </a:bodyPr>
-          <a:lstStyle/>
-          <a:p>
-            <a:pPr>
-              <a:buClr>
-                <a:schemeClr val="bg1"/>
-              </a:buClr>
-            </a:pPr>
-            <a:r>
-              <a:rPr lang="en-US" sz="2400" dirty="0">
-                <a:solidFill>
-                  <a:schemeClr val="bg1"/>
-                </a:solidFill>
-              </a:rPr>
-              <a:t>Illustrates a better variance as compared to previous two graphs (however it should be noted that x-axis does not span a large array of numbers)</a:t>
-            </a:r>
-          </a:p>
-          <a:p>
-            <a:pPr>
-              <a:buClr>
-                <a:schemeClr val="bg1"/>
-              </a:buClr>
-            </a:pPr>
-            <a:r>
-              <a:rPr lang="en-US" sz="2400" dirty="0">
-                <a:solidFill>
-                  <a:schemeClr val="bg1"/>
-                </a:solidFill>
-              </a:rPr>
-              <a:t>Created by extracting Age column from .</a:t>
-            </a:r>
-            <a:r>
-              <a:rPr lang="en-US" sz="2400" dirty="0" err="1">
-                <a:solidFill>
-                  <a:schemeClr val="bg1"/>
-                </a:solidFill>
-              </a:rPr>
-              <a:t>cvs</a:t>
-            </a:r>
-            <a:r>
-              <a:rPr lang="en-US" sz="2400" dirty="0">
-                <a:solidFill>
-                  <a:schemeClr val="bg1"/>
-                </a:solidFill>
-              </a:rPr>
-              <a:t> file and selection histogram as type of graph</a:t>
-            </a:r>
-          </a:p>
-        </p:txBody>
-      </p:sp>
-      <p:pic>
-        <p:nvPicPr>
-          <p:cNvPr id="8" name="Content Placeholder 4">
-            <a:extLst>
-              <a:ext uri="{FF2B5EF4-FFF2-40B4-BE49-F238E27FC236}">
-                <a16:creationId xmlns:a16="http://schemas.microsoft.com/office/drawing/2014/main" id="{50E6459C-AA9C-2C42-ABD6-42DE3C2BE542}"/>
-              </a:ext>
-            </a:extLst>
-          </p:cNvPr>
-          <p:cNvPicPr>
-            <a:picLocks noChangeAspect="1"/>
-          </p:cNvPicPr>
-          <p:nvPr/>
-        </p:nvPicPr>
-        <p:blipFill>
-          <a:blip r:embed="rId2"/>
-          <a:stretch>
-            <a:fillRect/>
-          </a:stretch>
-        </p:blipFill>
-        <p:spPr>
-          <a:xfrm>
-            <a:off x="3973988" y="886868"/>
-            <a:ext cx="7382217" cy="5067300"/>
-          </a:xfrm>
-          <a:prstGeom prst="rect">
-            <a:avLst/>
-          </a:prstGeom>
-        </p:spPr>
-      </p:pic>
-    </p:spTree>
-    <p:extLst>
-      <p:ext uri="{BB962C8B-B14F-4D97-AF65-F5344CB8AC3E}">
-        <p14:creationId xmlns:p14="http://schemas.microsoft.com/office/powerpoint/2010/main" val="442924368"/>
-      </p:ext>
-    </p:extLst>
-  </p:cSld>
-  <p:clrMapOvr>
-    <a:masterClrMapping/>
-  </p:clrMapOvr>
-</p:sld>
-</file>
-
-<file path=ppt/slides/slide7.xml><?xml version="1.0" encoding="utf-8"?>
-<p:sld xmlns:a="http://schemas.openxmlformats.org/drawingml/2006/main" xmlns:r="http://schemas.openxmlformats.org/officeDocument/2006/relationships" xmlns:p="http://schemas.openxmlformats.org/presentationml/2006/main">
-  <p:cSld>
-    <p:spTree>
-      <p:nvGrpSpPr>
-        <p:cNvPr id="1" name=""/>
-        <p:cNvGrpSpPr/>
-        <p:nvPr/>
-      </p:nvGrpSpPr>
-      <p:grpSpPr>
-        <a:xfrm>
-          <a:off x="0" y="0"/>
-          <a:ext cx="0" cy="0"/>
-          <a:chOff x="0" y="0"/>
-          <a:chExt cx="0" cy="0"/>
-        </a:xfrm>
-      </p:grpSpPr>
-      <p:sp>
-        <p:nvSpPr>
-          <p:cNvPr id="2" name="Title 1">
-            <a:extLst>
-              <a:ext uri="{FF2B5EF4-FFF2-40B4-BE49-F238E27FC236}">
-                <a16:creationId xmlns:a16="http://schemas.microsoft.com/office/drawing/2014/main" id="{1F911127-FA6A-AA4C-8D58-11A38C5DBA64}"/>
-              </a:ext>
-            </a:extLst>
-          </p:cNvPr>
-          <p:cNvSpPr>
-            <a:spLocks noGrp="1"/>
-          </p:cNvSpPr>
-          <p:nvPr>
-            <p:ph type="title"/>
-          </p:nvPr>
-        </p:nvSpPr>
-        <p:spPr/>
-        <p:txBody>
-          <a:bodyPr/>
-          <a:lstStyle/>
-          <a:p>
-            <a:pPr algn="ctr"/>
-            <a:r>
-              <a:rPr lang="en-US" dirty="0"/>
-              <a:t>Question to Answer</a:t>
-            </a:r>
-          </a:p>
-        </p:txBody>
-      </p:sp>
-      <p:sp>
-        <p:nvSpPr>
-          <p:cNvPr id="3" name="Content Placeholder 2">
-            <a:extLst>
-              <a:ext uri="{FF2B5EF4-FFF2-40B4-BE49-F238E27FC236}">
-                <a16:creationId xmlns:a16="http://schemas.microsoft.com/office/drawing/2014/main" id="{EB16B25E-A2E4-F04E-84E9-7D7A9E3C2BEA}"/>
-              </a:ext>
-            </a:extLst>
-          </p:cNvPr>
-          <p:cNvSpPr>
-            <a:spLocks noGrp="1"/>
-          </p:cNvSpPr>
-          <p:nvPr>
-            <p:ph idx="1"/>
-          </p:nvPr>
-        </p:nvSpPr>
-        <p:spPr>
-          <a:xfrm>
-            <a:off x="3567659" y="299803"/>
-            <a:ext cx="8184629" cy="6295869"/>
-          </a:xfrm>
-        </p:spPr>
-        <p:txBody>
-          <a:bodyPr/>
-          <a:lstStyle/>
-          <a:p>
-            <a:r>
-              <a:rPr lang="en-US" dirty="0"/>
-              <a:t>Main Question:</a:t>
-            </a:r>
-          </a:p>
-          <a:p>
-            <a:pPr lvl="1"/>
-            <a:r>
-              <a:rPr lang="en-US" dirty="0"/>
-              <a:t>Can I predict income, based on:</a:t>
-            </a:r>
-          </a:p>
-          <a:p>
-            <a:pPr lvl="2"/>
-            <a:r>
-              <a:rPr lang="en-US" dirty="0"/>
-              <a:t>education</a:t>
-            </a:r>
-          </a:p>
-          <a:p>
-            <a:pPr lvl="2"/>
-            <a:r>
-              <a:rPr lang="en-US" dirty="0"/>
-              <a:t>job</a:t>
-            </a:r>
-          </a:p>
-          <a:p>
-            <a:pPr lvl="2"/>
-            <a:r>
-              <a:rPr lang="en-US" dirty="0"/>
-              <a:t>age</a:t>
-            </a:r>
-          </a:p>
-          <a:p>
-            <a:pPr lvl="2"/>
-            <a:r>
-              <a:rPr lang="en-US" dirty="0"/>
-              <a:t>location</a:t>
-            </a:r>
-          </a:p>
-          <a:p>
-            <a:pPr lvl="1"/>
-            <a:r>
-              <a:rPr lang="en-US" dirty="0"/>
-              <a:t>How I arrived at this question?</a:t>
-            </a:r>
-          </a:p>
-          <a:p>
-            <a:pPr lvl="2"/>
-            <a:r>
-              <a:rPr lang="en-US" dirty="0"/>
-              <a:t>In the real world, one is likely to generate an income if they have an education and a job. In addition, if they are older, they likely have a job and thus income. Lastly, populated cities tend to have more jobs, therefore one is likely to have an income if they live in a populated city.</a:t>
-            </a:r>
-          </a:p>
-          <a:p>
-            <a:r>
-              <a:rPr lang="en-US" dirty="0"/>
-              <a:t>Secondary Question (just to see how regression &amp; classification would perform and for fun)</a:t>
-            </a:r>
-          </a:p>
-          <a:p>
-            <a:pPr lvl="1"/>
-            <a:r>
-              <a:rPr lang="en-US" dirty="0"/>
-              <a:t>Can I predict location based on:</a:t>
-            </a:r>
-          </a:p>
-          <a:p>
-            <a:pPr lvl="2"/>
-            <a:r>
-              <a:rPr lang="en-US" dirty="0"/>
-              <a:t>education</a:t>
-            </a:r>
-          </a:p>
-          <a:p>
-            <a:pPr lvl="2"/>
-            <a:r>
-              <a:rPr lang="en-US" dirty="0"/>
-              <a:t>job</a:t>
-            </a:r>
-          </a:p>
-          <a:p>
-            <a:pPr lvl="1"/>
-            <a:r>
-              <a:rPr lang="en-US" dirty="0"/>
-              <a:t>How I arrived at this question?</a:t>
-            </a:r>
-          </a:p>
-          <a:p>
-            <a:pPr lvl="2"/>
-            <a:r>
-              <a:rPr lang="en-US" dirty="0"/>
-              <a:t>When I ran my code using question 1, the regression approaches were not accurate, therefore I input different variables to see how they would react.</a:t>
-            </a:r>
-          </a:p>
-          <a:p>
-            <a:pPr lvl="2"/>
-            <a:r>
-              <a:rPr lang="en-US" dirty="0"/>
-              <a:t>Since I had already mapped data for education and job, I decided to use the data I already had</a:t>
-            </a:r>
-          </a:p>
-        </p:txBody>
-      </p:sp>
-    </p:spTree>
-    <p:extLst>
-      <p:ext uri="{BB962C8B-B14F-4D97-AF65-F5344CB8AC3E}">
-        <p14:creationId xmlns:p14="http://schemas.microsoft.com/office/powerpoint/2010/main" val="3437375820"/>
-      </p:ext>
-    </p:extLst>
-  </p:cSld>
-  <p:clrMapOvr>
-    <a:masterClrMapping/>
-  </p:clrMapOvr>
-</p:sld>
-</file>
-
-<file path=ppt/slides/slide8.xml><?xml version="1.0" encoding="utf-8"?>
-<p:sld xmlns:a="http://schemas.openxmlformats.org/drawingml/2006/main" xmlns:r="http://schemas.openxmlformats.org/officeDocument/2006/relationships" xmlns:p="http://schemas.openxmlformats.org/presentationml/2006/main">
-  <p:cSld>
-    <p:spTree>
-      <p:nvGrpSpPr>
-        <p:cNvPr id="1" name=""/>
-        <p:cNvGrpSpPr/>
-        <p:nvPr/>
-      </p:nvGrpSpPr>
-      <p:grpSpPr>
-        <a:xfrm>
-          <a:off x="0" y="0"/>
-          <a:ext cx="0" cy="0"/>
-          <a:chOff x="0" y="0"/>
-          <a:chExt cx="0" cy="0"/>
-        </a:xfrm>
-      </p:grpSpPr>
-      <p:sp>
-        <p:nvSpPr>
-          <p:cNvPr id="2" name="Title 1">
-            <a:extLst>
-              <a:ext uri="{FF2B5EF4-FFF2-40B4-BE49-F238E27FC236}">
-                <a16:creationId xmlns:a16="http://schemas.microsoft.com/office/drawing/2014/main" id="{456F2B3B-E024-C542-BB86-DA67EE0501BB}"/>
-              </a:ext>
-            </a:extLst>
-          </p:cNvPr>
-          <p:cNvSpPr>
-            <a:spLocks noGrp="1"/>
-          </p:cNvSpPr>
-          <p:nvPr>
-            <p:ph type="title"/>
-          </p:nvPr>
-        </p:nvSpPr>
-        <p:spPr/>
-        <p:txBody>
-          <a:bodyPr/>
-          <a:lstStyle/>
-          <a:p>
-            <a:pPr algn="ctr"/>
-            <a:r>
-              <a:rPr lang="en-US" dirty="0"/>
-              <a:t>Augmenting the dataset</a:t>
-            </a:r>
-          </a:p>
-        </p:txBody>
-      </p:sp>
-      <p:sp>
-        <p:nvSpPr>
-          <p:cNvPr id="3" name="Content Placeholder 2">
-            <a:extLst>
-              <a:ext uri="{FF2B5EF4-FFF2-40B4-BE49-F238E27FC236}">
-                <a16:creationId xmlns:a16="http://schemas.microsoft.com/office/drawing/2014/main" id="{99E7F9B9-61C6-034E-9AE0-2943CE5D05E9}"/>
-              </a:ext>
-            </a:extLst>
-          </p:cNvPr>
-          <p:cNvSpPr>
-            <a:spLocks noGrp="1"/>
-          </p:cNvSpPr>
-          <p:nvPr>
-            <p:ph idx="1"/>
-          </p:nvPr>
-        </p:nvSpPr>
-        <p:spPr>
-          <a:xfrm>
-            <a:off x="3582649" y="864108"/>
-            <a:ext cx="8109679" cy="5120640"/>
-          </a:xfrm>
-        </p:spPr>
-        <p:txBody>
-          <a:bodyPr>
-            <a:normAutofit/>
-          </a:bodyPr>
-          <a:lstStyle/>
-          <a:p>
-            <a:r>
-              <a:rPr lang="en-US" sz="2800" dirty="0"/>
-              <a:t>To augment the dataset:</a:t>
-            </a:r>
-          </a:p>
-          <a:p>
-            <a:pPr lvl="1"/>
-            <a:r>
-              <a:rPr lang="en-US" sz="2200" dirty="0"/>
-              <a:t>Created codes (new columns) for three different categories:</a:t>
+              <a:t>Created codes (new columns) for two different categories:</a:t>
             </a:r>
           </a:p>
           <a:p>
@@ -7589,13 +4195,6 @@
             </a:r>
           </a:p>
           <a:p>
-            <a:pPr lvl="2"/>
-            <a:r>
-              <a:rPr lang="en-US" sz="2200" dirty="0"/>
-              <a:t>Location</a:t>
-            </a:r>
-          </a:p>
-          <a:p>
             <a:pPr lvl="1"/>
             <a:r>
               <a:rPr lang="en-US" sz="2400" dirty="0"/>
@@ -7614,7 +4213,7 @@
             </a:r>
             <a:r>
               <a:rPr lang="en-US" sz="2200" dirty="0"/>
-              <a:t>() for the data I wanted (job, education, and location), and cleared </a:t>
+              <a:t>() for the data I wanted (job, and education), and cleared </a:t>
             </a:r>
             <a:r>
               <a:rPr lang="en-US" sz="2200" dirty="0" err="1"/>
@@ -7670,7 +4269,7 @@
 </p:sld>
 </file>
 
-<file path=ppt/slides/slide9.xml><?xml version="1.0" encoding="utf-8"?>
+<file path=ppt/slides/slide11.xml><?xml version="1.0" encoding="utf-8"?>
 <p:sld xmlns:a="http://schemas.openxmlformats.org/drawingml/2006/main" xmlns:r="http://schemas.openxmlformats.org/officeDocument/2006/relationships" xmlns:p="http://schemas.openxmlformats.org/presentationml/2006/main">
   <p:cSld>
     <p:spTree>
@@ -8542,6 +5141,4227 @@
     <p:extLst>
       <p:ext uri="{BB962C8B-B14F-4D97-AF65-F5344CB8AC3E}">
         <p14:creationId xmlns:p14="http://schemas.microsoft.com/office/powerpoint/2010/main" val="3941930299"/>
+      </p:ext>
+    </p:extLst>
+  </p:cSld>
+  <p:clrMapOvr>
+    <a:masterClrMapping/>
+  </p:clrMapOvr>
+</p:sld>
+</file>
+
+<file path=ppt/slides/slide12.xml><?xml version="1.0" encoding="utf-8"?>
+<p:sld xmlns:a="http://schemas.openxmlformats.org/drawingml/2006/main" xmlns:r="http://schemas.openxmlformats.org/officeDocument/2006/relationships" xmlns:p="http://schemas.openxmlformats.org/presentationml/2006/main">
+  <p:cSld>
+    <p:spTree>
+      <p:nvGrpSpPr>
+        <p:cNvPr id="1" name=""/>
+        <p:cNvGrpSpPr/>
+        <p:nvPr/>
+      </p:nvGrpSpPr>
+      <p:grpSpPr>
+        <a:xfrm>
+          <a:off x="0" y="0"/>
+          <a:ext cx="0" cy="0"/>
+          <a:chOff x="0" y="0"/>
+          <a:chExt cx="0" cy="0"/>
+        </a:xfrm>
+      </p:grpSpPr>
+      <p:sp>
+        <p:nvSpPr>
+          <p:cNvPr id="2" name="Title 1">
+            <a:extLst>
+              <a:ext uri="{FF2B5EF4-FFF2-40B4-BE49-F238E27FC236}">
+                <a16:creationId xmlns:a16="http://schemas.microsoft.com/office/drawing/2014/main" id="{456F2B3B-E024-C542-BB86-DA67EE0501BB}"/>
+              </a:ext>
+            </a:extLst>
+          </p:cNvPr>
+          <p:cNvSpPr>
+            <a:spLocks noGrp="1"/>
+          </p:cNvSpPr>
+          <p:nvPr>
+            <p:ph type="title"/>
+          </p:nvPr>
+        </p:nvSpPr>
+        <p:spPr/>
+        <p:txBody>
+          <a:bodyPr/>
+          <a:lstStyle/>
+          <a:p>
+            <a:pPr algn="ctr"/>
+            <a:r>
+              <a:rPr lang="en-US" dirty="0"/>
+              <a:t>Classification Approaches</a:t>
+            </a:r>
+          </a:p>
+        </p:txBody>
+      </p:sp>
+      <p:sp>
+        <p:nvSpPr>
+          <p:cNvPr id="3" name="Content Placeholder 2">
+            <a:extLst>
+              <a:ext uri="{FF2B5EF4-FFF2-40B4-BE49-F238E27FC236}">
+                <a16:creationId xmlns:a16="http://schemas.microsoft.com/office/drawing/2014/main" id="{99E7F9B9-61C6-034E-9AE0-2943CE5D05E9}"/>
+              </a:ext>
+            </a:extLst>
+          </p:cNvPr>
+          <p:cNvSpPr>
+            <a:spLocks noGrp="1"/>
+          </p:cNvSpPr>
+          <p:nvPr>
+            <p:ph idx="1"/>
+          </p:nvPr>
+        </p:nvSpPr>
+        <p:spPr>
+          <a:xfrm>
+            <a:off x="3582649" y="864108"/>
+            <a:ext cx="8109679" cy="5120640"/>
+          </a:xfrm>
+        </p:spPr>
+        <p:txBody>
+          <a:bodyPr>
+            <a:normAutofit/>
+          </a:bodyPr>
+          <a:lstStyle/>
+          <a:p>
+            <a:r>
+              <a:rPr lang="en-US" sz="2800" dirty="0"/>
+              <a:t>NAÏVE BAYES CLASSIFIER</a:t>
+            </a:r>
+          </a:p>
+          <a:p>
+            <a:r>
+              <a:rPr lang="en-US" sz="2800" dirty="0"/>
+              <a:t>K-NEAREST CLASSIFICATION</a:t>
+            </a:r>
+          </a:p>
+        </p:txBody>
+      </p:sp>
+    </p:spTree>
+    <p:extLst>
+      <p:ext uri="{BB962C8B-B14F-4D97-AF65-F5344CB8AC3E}">
+        <p14:creationId xmlns:p14="http://schemas.microsoft.com/office/powerpoint/2010/main" val="2314379874"/>
+      </p:ext>
+    </p:extLst>
+  </p:cSld>
+  <p:clrMapOvr>
+    <a:masterClrMapping/>
+  </p:clrMapOvr>
+</p:sld>
+</file>
+
+<file path=ppt/slides/slide13.xml><?xml version="1.0" encoding="utf-8"?>
+<p:sld xmlns:a="http://schemas.openxmlformats.org/drawingml/2006/main" xmlns:r="http://schemas.openxmlformats.org/officeDocument/2006/relationships" xmlns:p="http://schemas.openxmlformats.org/presentationml/2006/main">
+  <p:cSld>
+    <p:spTree>
+      <p:nvGrpSpPr>
+        <p:cNvPr id="1" name=""/>
+        <p:cNvGrpSpPr/>
+        <p:nvPr/>
+      </p:nvGrpSpPr>
+      <p:grpSpPr>
+        <a:xfrm>
+          <a:off x="0" y="0"/>
+          <a:ext cx="0" cy="0"/>
+          <a:chOff x="0" y="0"/>
+          <a:chExt cx="0" cy="0"/>
+        </a:xfrm>
+      </p:grpSpPr>
+      <p:sp>
+        <p:nvSpPr>
+          <p:cNvPr id="2" name="Title 1">
+            <a:extLst>
+              <a:ext uri="{FF2B5EF4-FFF2-40B4-BE49-F238E27FC236}">
+                <a16:creationId xmlns:a16="http://schemas.microsoft.com/office/drawing/2014/main" id="{456F2B3B-E024-C542-BB86-DA67EE0501BB}"/>
+              </a:ext>
+            </a:extLst>
+          </p:cNvPr>
+          <p:cNvSpPr>
+            <a:spLocks noGrp="1"/>
+          </p:cNvSpPr>
+          <p:nvPr>
+            <p:ph type="title"/>
+          </p:nvPr>
+        </p:nvSpPr>
+        <p:spPr/>
+        <p:txBody>
+          <a:bodyPr/>
+          <a:lstStyle/>
+          <a:p>
+            <a:pPr algn="ctr"/>
+            <a:r>
+              <a:rPr lang="en-US" dirty="0"/>
+              <a:t>NAÏVE BAYES CLASSIFIER</a:t>
+            </a:r>
+          </a:p>
+        </p:txBody>
+      </p:sp>
+      <p:sp>
+        <p:nvSpPr>
+          <p:cNvPr id="3" name="Content Placeholder 2">
+            <a:extLst>
+              <a:ext uri="{FF2B5EF4-FFF2-40B4-BE49-F238E27FC236}">
+                <a16:creationId xmlns:a16="http://schemas.microsoft.com/office/drawing/2014/main" id="{99E7F9B9-61C6-034E-9AE0-2943CE5D05E9}"/>
+              </a:ext>
+            </a:extLst>
+          </p:cNvPr>
+          <p:cNvSpPr>
+            <a:spLocks noGrp="1"/>
+          </p:cNvSpPr>
+          <p:nvPr>
+            <p:ph idx="1"/>
+          </p:nvPr>
+        </p:nvSpPr>
+        <p:spPr>
+          <a:xfrm>
+            <a:off x="3582649" y="864108"/>
+            <a:ext cx="8109679" cy="5120640"/>
+          </a:xfrm>
+        </p:spPr>
+        <p:txBody>
+          <a:bodyPr>
+            <a:normAutofit/>
+          </a:bodyPr>
+          <a:lstStyle/>
+          <a:p>
+            <a:r>
+              <a:rPr lang="en-US" sz="2400" dirty="0"/>
+              <a:t>Probably the most simple from the classifier approaches as it takes data as is and generates predictions</a:t>
+            </a:r>
+          </a:p>
+          <a:p>
+            <a:pPr lvl="1"/>
+            <a:r>
+              <a:rPr lang="en-US" sz="2200" dirty="0"/>
+              <a:t>Since it’s best suited for text classification, it makes sense to use this approach as majority of our data is text</a:t>
+            </a:r>
+          </a:p>
+          <a:p>
+            <a:r>
+              <a:rPr lang="en-US" sz="2400" dirty="0"/>
+              <a:t>Time to run: </a:t>
+            </a:r>
+            <a:r>
+              <a:rPr lang="en-CA" sz="2400" dirty="0"/>
+              <a:t>0.0427 milliseconds</a:t>
+            </a:r>
+          </a:p>
+          <a:p>
+            <a:r>
+              <a:rPr lang="en-CA" sz="2400" dirty="0"/>
+              <a:t>Accuracy: 6.12 %</a:t>
+            </a:r>
+          </a:p>
+          <a:p>
+            <a:r>
+              <a:rPr lang="en-CA" sz="2400" dirty="0"/>
+              <a:t>Precision: [0. 0. 0. 0. 0. 0. 0. 0. 0. 0.06123508 0. 0. 0. 0. 0. … ]</a:t>
+            </a:r>
+          </a:p>
+          <a:p>
+            <a:r>
+              <a:rPr lang="en-CA" sz="2400" dirty="0"/>
+              <a:t>Recall: [0. 0. 0. 0. 0. 0. 0. 0. 0. 1. 0. 0. 0. 0. 0. 0. 0. … ]</a:t>
+            </a:r>
+            <a:endParaRPr lang="en-US" sz="2400" dirty="0"/>
+          </a:p>
+        </p:txBody>
+      </p:sp>
+    </p:spTree>
+    <p:extLst>
+      <p:ext uri="{BB962C8B-B14F-4D97-AF65-F5344CB8AC3E}">
+        <p14:creationId xmlns:p14="http://schemas.microsoft.com/office/powerpoint/2010/main" val="1964976866"/>
+      </p:ext>
+    </p:extLst>
+  </p:cSld>
+  <p:clrMapOvr>
+    <a:masterClrMapping/>
+  </p:clrMapOvr>
+</p:sld>
+</file>
+
+<file path=ppt/slides/slide14.xml><?xml version="1.0" encoding="utf-8"?>
+<p:sld xmlns:a="http://schemas.openxmlformats.org/drawingml/2006/main" xmlns:r="http://schemas.openxmlformats.org/officeDocument/2006/relationships" xmlns:p="http://schemas.openxmlformats.org/presentationml/2006/main">
+  <p:cSld>
+    <p:spTree>
+      <p:nvGrpSpPr>
+        <p:cNvPr id="1" name=""/>
+        <p:cNvGrpSpPr/>
+        <p:nvPr/>
+      </p:nvGrpSpPr>
+      <p:grpSpPr>
+        <a:xfrm>
+          <a:off x="0" y="0"/>
+          <a:ext cx="0" cy="0"/>
+          <a:chOff x="0" y="0"/>
+          <a:chExt cx="0" cy="0"/>
+        </a:xfrm>
+      </p:grpSpPr>
+      <p:sp>
+        <p:nvSpPr>
+          <p:cNvPr id="2" name="Title 1">
+            <a:extLst>
+              <a:ext uri="{FF2B5EF4-FFF2-40B4-BE49-F238E27FC236}">
+                <a16:creationId xmlns:a16="http://schemas.microsoft.com/office/drawing/2014/main" id="{456F2B3B-E024-C542-BB86-DA67EE0501BB}"/>
+              </a:ext>
+            </a:extLst>
+          </p:cNvPr>
+          <p:cNvSpPr>
+            <a:spLocks noGrp="1"/>
+          </p:cNvSpPr>
+          <p:nvPr>
+            <p:ph type="title"/>
+          </p:nvPr>
+        </p:nvSpPr>
+        <p:spPr/>
+        <p:txBody>
+          <a:bodyPr/>
+          <a:lstStyle/>
+          <a:p>
+            <a:pPr algn="ctr"/>
+            <a:r>
+              <a:rPr lang="en-US" dirty="0"/>
+              <a:t>K-NEAREST CLASSIFIER</a:t>
+            </a:r>
+          </a:p>
+        </p:txBody>
+      </p:sp>
+      <p:sp>
+        <p:nvSpPr>
+          <p:cNvPr id="3" name="Content Placeholder 2">
+            <a:extLst>
+              <a:ext uri="{FF2B5EF4-FFF2-40B4-BE49-F238E27FC236}">
+                <a16:creationId xmlns:a16="http://schemas.microsoft.com/office/drawing/2014/main" id="{99E7F9B9-61C6-034E-9AE0-2943CE5D05E9}"/>
+              </a:ext>
+            </a:extLst>
+          </p:cNvPr>
+          <p:cNvSpPr>
+            <a:spLocks noGrp="1"/>
+          </p:cNvSpPr>
+          <p:nvPr>
+            <p:ph idx="1"/>
+          </p:nvPr>
+        </p:nvSpPr>
+        <p:spPr>
+          <a:xfrm>
+            <a:off x="3582649" y="864108"/>
+            <a:ext cx="8109679" cy="5120640"/>
+          </a:xfrm>
+        </p:spPr>
+        <p:txBody>
+          <a:bodyPr>
+            <a:normAutofit/>
+          </a:bodyPr>
+          <a:lstStyle/>
+          <a:p>
+            <a:r>
+              <a:rPr lang="en-US" sz="2400" dirty="0"/>
+              <a:t>Quite simple overall but requires determination of k-values:</a:t>
+            </a:r>
+          </a:p>
+          <a:p>
+            <a:pPr lvl="1"/>
+            <a:r>
+              <a:rPr lang="en-US" sz="2200" dirty="0"/>
+              <a:t>can be slightly tricky to determine</a:t>
+            </a:r>
+          </a:p>
+          <a:p>
+            <a:pPr lvl="1"/>
+            <a:r>
+              <a:rPr lang="en-US" sz="2200" dirty="0"/>
+              <a:t>k-values can overfit or underfit the data, and thus affect the accuracy</a:t>
+            </a:r>
+          </a:p>
+          <a:p>
+            <a:r>
+              <a:rPr lang="en-US" sz="2400" dirty="0"/>
+              <a:t>Time to run: </a:t>
+            </a:r>
+            <a:r>
+              <a:rPr lang="en-CA" sz="2400" dirty="0"/>
+              <a:t>0.4655 milliseconds</a:t>
+            </a:r>
+          </a:p>
+          <a:p>
+            <a:r>
+              <a:rPr lang="en-CA" sz="2400" dirty="0"/>
+              <a:t>Accuracy: 6.86%</a:t>
+            </a:r>
+          </a:p>
+          <a:p>
+            <a:r>
+              <a:rPr lang="en-CA" sz="2400" dirty="0"/>
+              <a:t>Precision: [0.15384615 0.1875 0. 0.06666667 … ] </a:t>
+            </a:r>
+          </a:p>
+          <a:p>
+            <a:r>
+              <a:rPr lang="en-CA" sz="2400" dirty="0"/>
+              <a:t>Recall: [0.14285714 0.20930233 0. 0.01219512 … ]</a:t>
+            </a:r>
+            <a:endParaRPr lang="en-US" sz="2400" dirty="0"/>
+          </a:p>
+        </p:txBody>
+      </p:sp>
+    </p:spTree>
+    <p:extLst>
+      <p:ext uri="{BB962C8B-B14F-4D97-AF65-F5344CB8AC3E}">
+        <p14:creationId xmlns:p14="http://schemas.microsoft.com/office/powerpoint/2010/main" val="254416403"/>
+      </p:ext>
+    </p:extLst>
+  </p:cSld>
+  <p:clrMapOvr>
+    <a:masterClrMapping/>
+  </p:clrMapOvr>
+</p:sld>
+</file>
+
+<file path=ppt/slides/slide15.xml><?xml version="1.0" encoding="utf-8"?>
+<p:sld xmlns:a="http://schemas.openxmlformats.org/drawingml/2006/main" xmlns:r="http://schemas.openxmlformats.org/officeDocument/2006/relationships" xmlns:p="http://schemas.openxmlformats.org/presentationml/2006/main">
+  <p:cSld>
+    <p:spTree>
+      <p:nvGrpSpPr>
+        <p:cNvPr id="1" name=""/>
+        <p:cNvGrpSpPr/>
+        <p:nvPr/>
+      </p:nvGrpSpPr>
+      <p:grpSpPr>
+        <a:xfrm>
+          <a:off x="0" y="0"/>
+          <a:ext cx="0" cy="0"/>
+          <a:chOff x="0" y="0"/>
+          <a:chExt cx="0" cy="0"/>
+        </a:xfrm>
+      </p:grpSpPr>
+      <p:sp>
+        <p:nvSpPr>
+          <p:cNvPr id="2" name="Title 1">
+            <a:extLst>
+              <a:ext uri="{FF2B5EF4-FFF2-40B4-BE49-F238E27FC236}">
+                <a16:creationId xmlns:a16="http://schemas.microsoft.com/office/drawing/2014/main" id="{456F2B3B-E024-C542-BB86-DA67EE0501BB}"/>
+              </a:ext>
+            </a:extLst>
+          </p:cNvPr>
+          <p:cNvSpPr>
+            <a:spLocks noGrp="1"/>
+          </p:cNvSpPr>
+          <p:nvPr>
+            <p:ph type="title"/>
+          </p:nvPr>
+        </p:nvSpPr>
+        <p:spPr/>
+        <p:txBody>
+          <a:bodyPr/>
+          <a:lstStyle/>
+          <a:p>
+            <a:pPr algn="ctr"/>
+            <a:r>
+              <a:rPr lang="en-US" dirty="0"/>
+              <a:t>Comparison of Classification </a:t>
+            </a:r>
+            <a:r>
+              <a:rPr lang="en-US" dirty="0" err="1"/>
+              <a:t>Approachess</a:t>
+            </a:r>
+            <a:endParaRPr lang="en-US" dirty="0"/>
+          </a:p>
+        </p:txBody>
+      </p:sp>
+      <p:sp>
+        <p:nvSpPr>
+          <p:cNvPr id="3" name="Content Placeholder 2">
+            <a:extLst>
+              <a:ext uri="{FF2B5EF4-FFF2-40B4-BE49-F238E27FC236}">
+                <a16:creationId xmlns:a16="http://schemas.microsoft.com/office/drawing/2014/main" id="{99E7F9B9-61C6-034E-9AE0-2943CE5D05E9}"/>
+              </a:ext>
+            </a:extLst>
+          </p:cNvPr>
+          <p:cNvSpPr>
+            <a:spLocks noGrp="1"/>
+          </p:cNvSpPr>
+          <p:nvPr>
+            <p:ph idx="1"/>
+          </p:nvPr>
+        </p:nvSpPr>
+        <p:spPr>
+          <a:xfrm>
+            <a:off x="3582649" y="864108"/>
+            <a:ext cx="8109679" cy="5120640"/>
+          </a:xfrm>
+        </p:spPr>
+        <p:txBody>
+          <a:bodyPr>
+            <a:normAutofit/>
+          </a:bodyPr>
+          <a:lstStyle/>
+          <a:p>
+            <a:r>
+              <a:rPr lang="en-CA" sz="2400" dirty="0"/>
+              <a:t>The Naïve Bayes Classifier:</a:t>
+            </a:r>
+          </a:p>
+          <a:p>
+            <a:pPr lvl="1"/>
+            <a:r>
+              <a:rPr lang="en-CA" sz="2200" dirty="0"/>
+              <a:t>took less time to run (9.17 % of the time it took K-Nearest)</a:t>
+            </a:r>
+          </a:p>
+          <a:p>
+            <a:pPr lvl="1"/>
+            <a:r>
+              <a:rPr lang="en-CA" sz="2400" dirty="0"/>
+              <a:t>was slightly more accurate (by 10.79%)</a:t>
+            </a:r>
+          </a:p>
+          <a:p>
+            <a:pPr lvl="2"/>
+            <a:r>
+              <a:rPr lang="en-CA" sz="2200" dirty="0"/>
+              <a:t>Indicates that both approaches had similar results</a:t>
+            </a:r>
+          </a:p>
+          <a:p>
+            <a:pPr lvl="1"/>
+            <a:r>
+              <a:rPr lang="en-CA" sz="2400" dirty="0"/>
+              <a:t>was slightly less precise than K-Nearest</a:t>
+            </a:r>
+          </a:p>
+          <a:p>
+            <a:pPr lvl="1"/>
+            <a:r>
+              <a:rPr lang="en-CA" sz="2400" dirty="0"/>
+              <a:t>had a slightly worse recall than K-Nearest</a:t>
+            </a:r>
+          </a:p>
+          <a:p>
+            <a:r>
+              <a:rPr lang="en-CA" sz="2400" dirty="0"/>
+              <a:t>Overall</a:t>
+            </a:r>
+          </a:p>
+          <a:p>
+            <a:pPr lvl="1"/>
+            <a:r>
+              <a:rPr lang="en-CA" sz="2200" dirty="0"/>
+              <a:t>Both approaches generated very similar results with the exception of time taken to run. Both did not have good accuracies but had good predictions</a:t>
+            </a:r>
+          </a:p>
+          <a:p>
+            <a:pPr lvl="1"/>
+            <a:r>
+              <a:rPr lang="en-CA" sz="2200" dirty="0"/>
+              <a:t>Sample of predicted data using K-Nearest:</a:t>
+            </a:r>
+          </a:p>
+          <a:p>
+            <a:pPr lvl="2"/>
+            <a:r>
+              <a:rPr lang="en-CA" sz="2400" dirty="0"/>
+              <a:t>[31 29 31 ... 24 21 26]</a:t>
+            </a:r>
+            <a:endParaRPr lang="en-CA" sz="2000" dirty="0"/>
+          </a:p>
+        </p:txBody>
+      </p:sp>
+    </p:spTree>
+    <p:extLst>
+      <p:ext uri="{BB962C8B-B14F-4D97-AF65-F5344CB8AC3E}">
+        <p14:creationId xmlns:p14="http://schemas.microsoft.com/office/powerpoint/2010/main" val="4199585119"/>
+      </p:ext>
+    </p:extLst>
+  </p:cSld>
+  <p:clrMapOvr>
+    <a:masterClrMapping/>
+  </p:clrMapOvr>
+</p:sld>
+</file>
+
+<file path=ppt/slides/slide16.xml><?xml version="1.0" encoding="utf-8"?>
+<p:sld xmlns:a="http://schemas.openxmlformats.org/drawingml/2006/main" xmlns:r="http://schemas.openxmlformats.org/officeDocument/2006/relationships" xmlns:p="http://schemas.openxmlformats.org/presentationml/2006/main">
+  <p:cSld>
+    <p:spTree>
+      <p:nvGrpSpPr>
+        <p:cNvPr id="1" name=""/>
+        <p:cNvGrpSpPr/>
+        <p:nvPr/>
+      </p:nvGrpSpPr>
+      <p:grpSpPr>
+        <a:xfrm>
+          <a:off x="0" y="0"/>
+          <a:ext cx="0" cy="0"/>
+          <a:chOff x="0" y="0"/>
+          <a:chExt cx="0" cy="0"/>
+        </a:xfrm>
+      </p:grpSpPr>
+      <p:sp>
+        <p:nvSpPr>
+          <p:cNvPr id="2" name="Title 1">
+            <a:extLst>
+              <a:ext uri="{FF2B5EF4-FFF2-40B4-BE49-F238E27FC236}">
+                <a16:creationId xmlns:a16="http://schemas.microsoft.com/office/drawing/2014/main" id="{456F2B3B-E024-C542-BB86-DA67EE0501BB}"/>
+              </a:ext>
+            </a:extLst>
+          </p:cNvPr>
+          <p:cNvSpPr>
+            <a:spLocks noGrp="1"/>
+          </p:cNvSpPr>
+          <p:nvPr>
+            <p:ph type="title"/>
+          </p:nvPr>
+        </p:nvSpPr>
+        <p:spPr/>
+        <p:txBody>
+          <a:bodyPr/>
+          <a:lstStyle/>
+          <a:p>
+            <a:pPr algn="ctr"/>
+            <a:r>
+              <a:rPr lang="en-US" dirty="0"/>
+              <a:t>Regression Approaches</a:t>
+            </a:r>
+          </a:p>
+        </p:txBody>
+      </p:sp>
+      <p:sp>
+        <p:nvSpPr>
+          <p:cNvPr id="3" name="Content Placeholder 2">
+            <a:extLst>
+              <a:ext uri="{FF2B5EF4-FFF2-40B4-BE49-F238E27FC236}">
+                <a16:creationId xmlns:a16="http://schemas.microsoft.com/office/drawing/2014/main" id="{99E7F9B9-61C6-034E-9AE0-2943CE5D05E9}"/>
+              </a:ext>
+            </a:extLst>
+          </p:cNvPr>
+          <p:cNvSpPr>
+            <a:spLocks noGrp="1"/>
+          </p:cNvSpPr>
+          <p:nvPr>
+            <p:ph idx="1"/>
+          </p:nvPr>
+        </p:nvSpPr>
+        <p:spPr>
+          <a:xfrm>
+            <a:off x="3582649" y="864108"/>
+            <a:ext cx="8109679" cy="5120640"/>
+          </a:xfrm>
+        </p:spPr>
+        <p:txBody>
+          <a:bodyPr>
+            <a:normAutofit/>
+          </a:bodyPr>
+          <a:lstStyle/>
+          <a:p>
+            <a:r>
+              <a:rPr lang="en-CA" sz="2800" dirty="0"/>
+              <a:t>MULTIPLE LINEAR REGRESSION</a:t>
+            </a:r>
+          </a:p>
+          <a:p>
+            <a:r>
+              <a:rPr lang="en-CA" sz="2800" dirty="0"/>
+              <a:t>K-NEAREST REGRESSION</a:t>
+            </a:r>
+            <a:endParaRPr lang="en-US" sz="2800" dirty="0"/>
+          </a:p>
+        </p:txBody>
+      </p:sp>
+    </p:spTree>
+    <p:extLst>
+      <p:ext uri="{BB962C8B-B14F-4D97-AF65-F5344CB8AC3E}">
+        <p14:creationId xmlns:p14="http://schemas.microsoft.com/office/powerpoint/2010/main" val="1911685050"/>
+      </p:ext>
+    </p:extLst>
+  </p:cSld>
+  <p:clrMapOvr>
+    <a:masterClrMapping/>
+  </p:clrMapOvr>
+</p:sld>
+</file>
+
+<file path=ppt/slides/slide17.xml><?xml version="1.0" encoding="utf-8"?>
+<p:sld xmlns:a="http://schemas.openxmlformats.org/drawingml/2006/main" xmlns:r="http://schemas.openxmlformats.org/officeDocument/2006/relationships" xmlns:p="http://schemas.openxmlformats.org/presentationml/2006/main">
+  <p:cSld>
+    <p:spTree>
+      <p:nvGrpSpPr>
+        <p:cNvPr id="1" name=""/>
+        <p:cNvGrpSpPr/>
+        <p:nvPr/>
+      </p:nvGrpSpPr>
+      <p:grpSpPr>
+        <a:xfrm>
+          <a:off x="0" y="0"/>
+          <a:ext cx="0" cy="0"/>
+          <a:chOff x="0" y="0"/>
+          <a:chExt cx="0" cy="0"/>
+        </a:xfrm>
+      </p:grpSpPr>
+      <p:sp>
+        <p:nvSpPr>
+          <p:cNvPr id="2" name="Title 1">
+            <a:extLst>
+              <a:ext uri="{FF2B5EF4-FFF2-40B4-BE49-F238E27FC236}">
+                <a16:creationId xmlns:a16="http://schemas.microsoft.com/office/drawing/2014/main" id="{456F2B3B-E024-C542-BB86-DA67EE0501BB}"/>
+              </a:ext>
+            </a:extLst>
+          </p:cNvPr>
+          <p:cNvSpPr>
+            <a:spLocks noGrp="1"/>
+          </p:cNvSpPr>
+          <p:nvPr>
+            <p:ph type="title"/>
+          </p:nvPr>
+        </p:nvSpPr>
+        <p:spPr/>
+        <p:txBody>
+          <a:bodyPr/>
+          <a:lstStyle/>
+          <a:p>
+            <a:pPr algn="ctr"/>
+            <a:r>
+              <a:rPr lang="en-CA" dirty="0"/>
+              <a:t>MULTIPLE LINEAR REGRESSION</a:t>
+            </a:r>
+          </a:p>
+        </p:txBody>
+      </p:sp>
+      <p:sp>
+        <p:nvSpPr>
+          <p:cNvPr id="3" name="Content Placeholder 2">
+            <a:extLst>
+              <a:ext uri="{FF2B5EF4-FFF2-40B4-BE49-F238E27FC236}">
+                <a16:creationId xmlns:a16="http://schemas.microsoft.com/office/drawing/2014/main" id="{99E7F9B9-61C6-034E-9AE0-2943CE5D05E9}"/>
+              </a:ext>
+            </a:extLst>
+          </p:cNvPr>
+          <p:cNvSpPr>
+            <a:spLocks noGrp="1"/>
+          </p:cNvSpPr>
+          <p:nvPr>
+            <p:ph idx="1"/>
+          </p:nvPr>
+        </p:nvSpPr>
+        <p:spPr>
+          <a:xfrm>
+            <a:off x="3582649" y="864108"/>
+            <a:ext cx="8109679" cy="5120640"/>
+          </a:xfrm>
+        </p:spPr>
+        <p:txBody>
+          <a:bodyPr>
+            <a:normAutofit/>
+          </a:bodyPr>
+          <a:lstStyle/>
+          <a:p>
+            <a:r>
+              <a:rPr lang="en-US" sz="2400" dirty="0"/>
+              <a:t>Probably the most simple to implement from the two regression approaches and allows us to see which variable affects a dependent variable most strongly</a:t>
+            </a:r>
+          </a:p>
+          <a:p>
+            <a:pPr lvl="1"/>
+            <a:r>
+              <a:rPr lang="en-US" sz="2000" dirty="0"/>
+              <a:t>Since I am predicting age, the most strongest variable is whether a user has had an education; however, having an job will also factor into a person’s age therefore it is a dependent variable</a:t>
+            </a:r>
+          </a:p>
+          <a:p>
+            <a:r>
+              <a:rPr lang="en-US" sz="2400" dirty="0"/>
+              <a:t>Time to run: </a:t>
+            </a:r>
+            <a:r>
+              <a:rPr lang="en-CA" sz="2400" dirty="0"/>
+              <a:t>0.0030 milliseconds</a:t>
+            </a:r>
+          </a:p>
+          <a:p>
+            <a:r>
+              <a:rPr lang="en-CA" sz="2400" dirty="0"/>
+              <a:t>R</a:t>
+            </a:r>
+            <a:r>
+              <a:rPr lang="en-CA" sz="2400" baseline="30000" dirty="0"/>
+              <a:t>2</a:t>
+            </a:r>
+            <a:r>
+              <a:rPr lang="en-CA" sz="2400" dirty="0"/>
+              <a:t> score: 0.0120</a:t>
+            </a:r>
+          </a:p>
+          <a:p>
+            <a:r>
+              <a:rPr lang="en-CA" sz="2400" dirty="0"/>
+              <a:t>Variance Score: 0.0120</a:t>
+            </a:r>
+          </a:p>
+          <a:p>
+            <a:r>
+              <a:rPr lang="en-CA" sz="2400" dirty="0"/>
+              <a:t>Mean Absolute Error: 7.3634</a:t>
+            </a:r>
+            <a:endParaRPr lang="en-US" sz="2400" dirty="0"/>
+          </a:p>
+        </p:txBody>
+      </p:sp>
+    </p:spTree>
+    <p:extLst>
+      <p:ext uri="{BB962C8B-B14F-4D97-AF65-F5344CB8AC3E}">
+        <p14:creationId xmlns:p14="http://schemas.microsoft.com/office/powerpoint/2010/main" val="3736391321"/>
+      </p:ext>
+    </p:extLst>
+  </p:cSld>
+  <p:clrMapOvr>
+    <a:masterClrMapping/>
+  </p:clrMapOvr>
+</p:sld>
+</file>
+
+<file path=ppt/slides/slide18.xml><?xml version="1.0" encoding="utf-8"?>
+<p:sld xmlns:a="http://schemas.openxmlformats.org/drawingml/2006/main" xmlns:r="http://schemas.openxmlformats.org/officeDocument/2006/relationships" xmlns:p="http://schemas.openxmlformats.org/presentationml/2006/main">
+  <p:cSld>
+    <p:spTree>
+      <p:nvGrpSpPr>
+        <p:cNvPr id="1" name=""/>
+        <p:cNvGrpSpPr/>
+        <p:nvPr/>
+      </p:nvGrpSpPr>
+      <p:grpSpPr>
+        <a:xfrm>
+          <a:off x="0" y="0"/>
+          <a:ext cx="0" cy="0"/>
+          <a:chOff x="0" y="0"/>
+          <a:chExt cx="0" cy="0"/>
+        </a:xfrm>
+      </p:grpSpPr>
+      <p:sp>
+        <p:nvSpPr>
+          <p:cNvPr id="2" name="Title 1">
+            <a:extLst>
+              <a:ext uri="{FF2B5EF4-FFF2-40B4-BE49-F238E27FC236}">
+                <a16:creationId xmlns:a16="http://schemas.microsoft.com/office/drawing/2014/main" id="{456F2B3B-E024-C542-BB86-DA67EE0501BB}"/>
+              </a:ext>
+            </a:extLst>
+          </p:cNvPr>
+          <p:cNvSpPr>
+            <a:spLocks noGrp="1"/>
+          </p:cNvSpPr>
+          <p:nvPr>
+            <p:ph type="title"/>
+          </p:nvPr>
+        </p:nvSpPr>
+        <p:spPr/>
+        <p:txBody>
+          <a:bodyPr/>
+          <a:lstStyle/>
+          <a:p>
+            <a:pPr algn="ctr"/>
+            <a:r>
+              <a:rPr lang="en-CA" dirty="0"/>
+              <a:t>K-NEAREST REGRESSION</a:t>
+            </a:r>
+            <a:endParaRPr lang="en-US" dirty="0"/>
+          </a:p>
+        </p:txBody>
+      </p:sp>
+      <p:sp>
+        <p:nvSpPr>
+          <p:cNvPr id="3" name="Content Placeholder 2">
+            <a:extLst>
+              <a:ext uri="{FF2B5EF4-FFF2-40B4-BE49-F238E27FC236}">
+                <a16:creationId xmlns:a16="http://schemas.microsoft.com/office/drawing/2014/main" id="{99E7F9B9-61C6-034E-9AE0-2943CE5D05E9}"/>
+              </a:ext>
+            </a:extLst>
+          </p:cNvPr>
+          <p:cNvSpPr>
+            <a:spLocks noGrp="1"/>
+          </p:cNvSpPr>
+          <p:nvPr>
+            <p:ph idx="1"/>
+          </p:nvPr>
+        </p:nvSpPr>
+        <p:spPr>
+          <a:xfrm>
+            <a:off x="3582649" y="864108"/>
+            <a:ext cx="8109679" cy="5120640"/>
+          </a:xfrm>
+        </p:spPr>
+        <p:txBody>
+          <a:bodyPr>
+            <a:normAutofit/>
+          </a:bodyPr>
+          <a:lstStyle/>
+          <a:p>
+            <a:r>
+              <a:rPr lang="en-US" sz="2400" dirty="0"/>
+              <a:t>Similar to the classification approach, the k-nearest regression approach is simple but requires determination of  k-values</a:t>
+            </a:r>
+            <a:endParaRPr lang="en-US" sz="2200" dirty="0"/>
+          </a:p>
+          <a:p>
+            <a:r>
+              <a:rPr lang="en-US" sz="2400" dirty="0"/>
+              <a:t>Time to run: </a:t>
+            </a:r>
+            <a:r>
+              <a:rPr lang="en-CA" sz="2400" dirty="0"/>
+              <a:t>0.2642 milliseconds</a:t>
+            </a:r>
+          </a:p>
+          <a:p>
+            <a:r>
+              <a:rPr lang="en-CA" sz="2400" dirty="0"/>
+              <a:t>R</a:t>
+            </a:r>
+            <a:r>
+              <a:rPr lang="en-CA" sz="2400" baseline="30000" dirty="0"/>
+              <a:t>2</a:t>
+            </a:r>
+            <a:r>
+              <a:rPr lang="en-CA" sz="2400" dirty="0"/>
+              <a:t> score: 0.1516</a:t>
+            </a:r>
+          </a:p>
+          <a:p>
+            <a:r>
+              <a:rPr lang="en-CA" sz="2400" dirty="0"/>
+              <a:t>Variance Score: 0.1532</a:t>
+            </a:r>
+          </a:p>
+          <a:p>
+            <a:r>
+              <a:rPr lang="en-CA" sz="2400" dirty="0"/>
+              <a:t>Mean Absolute Error: 6.7488</a:t>
+            </a:r>
+            <a:endParaRPr lang="en-US" sz="2400" dirty="0"/>
+          </a:p>
+        </p:txBody>
+      </p:sp>
+    </p:spTree>
+    <p:extLst>
+      <p:ext uri="{BB962C8B-B14F-4D97-AF65-F5344CB8AC3E}">
+        <p14:creationId xmlns:p14="http://schemas.microsoft.com/office/powerpoint/2010/main" val="2865099637"/>
+      </p:ext>
+    </p:extLst>
+  </p:cSld>
+  <p:clrMapOvr>
+    <a:masterClrMapping/>
+  </p:clrMapOvr>
+</p:sld>
+</file>
+
+<file path=ppt/slides/slide19.xml><?xml version="1.0" encoding="utf-8"?>
+<p:sld xmlns:a="http://schemas.openxmlformats.org/drawingml/2006/main" xmlns:r="http://schemas.openxmlformats.org/officeDocument/2006/relationships" xmlns:p="http://schemas.openxmlformats.org/presentationml/2006/main">
+  <p:cSld>
+    <p:spTree>
+      <p:nvGrpSpPr>
+        <p:cNvPr id="1" name=""/>
+        <p:cNvGrpSpPr/>
+        <p:nvPr/>
+      </p:nvGrpSpPr>
+      <p:grpSpPr>
+        <a:xfrm>
+          <a:off x="0" y="0"/>
+          <a:ext cx="0" cy="0"/>
+          <a:chOff x="0" y="0"/>
+          <a:chExt cx="0" cy="0"/>
+        </a:xfrm>
+      </p:grpSpPr>
+      <p:sp>
+        <p:nvSpPr>
+          <p:cNvPr id="2" name="Title 1">
+            <a:extLst>
+              <a:ext uri="{FF2B5EF4-FFF2-40B4-BE49-F238E27FC236}">
+                <a16:creationId xmlns:a16="http://schemas.microsoft.com/office/drawing/2014/main" id="{456F2B3B-E024-C542-BB86-DA67EE0501BB}"/>
+              </a:ext>
+            </a:extLst>
+          </p:cNvPr>
+          <p:cNvSpPr>
+            <a:spLocks noGrp="1"/>
+          </p:cNvSpPr>
+          <p:nvPr>
+            <p:ph type="title"/>
+          </p:nvPr>
+        </p:nvSpPr>
+        <p:spPr/>
+        <p:txBody>
+          <a:bodyPr/>
+          <a:lstStyle/>
+          <a:p>
+            <a:pPr algn="ctr"/>
+            <a:r>
+              <a:rPr lang="en-US" dirty="0"/>
+              <a:t>Comparison of Regression Approaches</a:t>
+            </a:r>
+          </a:p>
+        </p:txBody>
+      </p:sp>
+      <p:sp>
+        <p:nvSpPr>
+          <p:cNvPr id="3" name="Content Placeholder 2">
+            <a:extLst>
+              <a:ext uri="{FF2B5EF4-FFF2-40B4-BE49-F238E27FC236}">
+                <a16:creationId xmlns:a16="http://schemas.microsoft.com/office/drawing/2014/main" id="{99E7F9B9-61C6-034E-9AE0-2943CE5D05E9}"/>
+              </a:ext>
+            </a:extLst>
+          </p:cNvPr>
+          <p:cNvSpPr>
+            <a:spLocks noGrp="1"/>
+          </p:cNvSpPr>
+          <p:nvPr>
+            <p:ph idx="1"/>
+          </p:nvPr>
+        </p:nvSpPr>
+        <p:spPr>
+          <a:xfrm>
+            <a:off x="3582649" y="569626"/>
+            <a:ext cx="8109679" cy="5606322"/>
+          </a:xfrm>
+        </p:spPr>
+        <p:txBody>
+          <a:bodyPr>
+            <a:normAutofit/>
+          </a:bodyPr>
+          <a:lstStyle/>
+          <a:p>
+            <a:r>
+              <a:rPr lang="en-CA" sz="2400" dirty="0"/>
+              <a:t>Multiple Linear Regression</a:t>
+            </a:r>
+          </a:p>
+          <a:p>
+            <a:pPr lvl="1"/>
+            <a:r>
+              <a:rPr lang="en-CA" sz="2200" dirty="0"/>
+              <a:t>took less time to run (only 1.14% of the time it took K-Nearest)</a:t>
+            </a:r>
+          </a:p>
+          <a:p>
+            <a:r>
+              <a:rPr lang="en-CA" sz="2400" dirty="0"/>
+              <a:t>K-nearest</a:t>
+            </a:r>
+          </a:p>
+          <a:p>
+            <a:pPr lvl="1"/>
+            <a:r>
+              <a:rPr lang="en-CA" sz="2200" dirty="0"/>
+              <a:t>had a better R</a:t>
+            </a:r>
+            <a:r>
+              <a:rPr lang="en-CA" sz="2200" baseline="30000" dirty="0"/>
+              <a:t>2</a:t>
+            </a:r>
+            <a:r>
+              <a:rPr lang="en-CA" sz="2200" dirty="0"/>
+              <a:t> score but neither was close to 1</a:t>
+            </a:r>
+          </a:p>
+          <a:p>
+            <a:pPr lvl="1"/>
+            <a:r>
+              <a:rPr lang="en-CA" sz="2200" dirty="0"/>
+              <a:t>had a better Variance Score but neither was close to 1</a:t>
+            </a:r>
+          </a:p>
+          <a:p>
+            <a:pPr lvl="1"/>
+            <a:r>
+              <a:rPr lang="en-CA" sz="2200" dirty="0"/>
+              <a:t>had a better mean absolute error</a:t>
+            </a:r>
+          </a:p>
+          <a:p>
+            <a:r>
+              <a:rPr lang="en-CA" sz="2400" dirty="0"/>
+              <a:t>Overall</a:t>
+            </a:r>
+          </a:p>
+          <a:p>
+            <a:pPr lvl="1"/>
+            <a:r>
+              <a:rPr lang="en-CA" sz="2200" dirty="0"/>
+              <a:t>Both approaches generated similar results with the exception of time taken to run. </a:t>
+            </a:r>
+          </a:p>
+          <a:p>
+            <a:pPr lvl="1"/>
+            <a:r>
+              <a:rPr lang="en-CA" sz="2200" dirty="0"/>
+              <a:t>Both approaches had small absolute mean errors, with Variance and R</a:t>
+            </a:r>
+            <a:r>
+              <a:rPr lang="en-CA" sz="2200" baseline="30000" dirty="0"/>
+              <a:t>2</a:t>
+            </a:r>
+            <a:r>
+              <a:rPr lang="en-CA" sz="2200" dirty="0"/>
+              <a:t> score values being close to zero – indicating the model disregards the input features</a:t>
+            </a:r>
+          </a:p>
+          <a:p>
+            <a:pPr lvl="1"/>
+            <a:r>
+              <a:rPr lang="en-CA" sz="2200" dirty="0"/>
+              <a:t>Prediction of age using K-Nearest:</a:t>
+            </a:r>
+          </a:p>
+          <a:p>
+            <a:pPr lvl="2"/>
+            <a:r>
+              <a:rPr lang="en-CA" sz="2000" dirty="0"/>
+              <a:t>[34.55555556 32.55555556 34.55555556 ... 34.66666667 23.66666667 35. ]</a:t>
+            </a:r>
+          </a:p>
+        </p:txBody>
+      </p:sp>
+    </p:spTree>
+    <p:extLst>
+      <p:ext uri="{BB962C8B-B14F-4D97-AF65-F5344CB8AC3E}">
+        <p14:creationId xmlns:p14="http://schemas.microsoft.com/office/powerpoint/2010/main" val="2897804211"/>
+      </p:ext>
+    </p:extLst>
+  </p:cSld>
+  <p:clrMapOvr>
+    <a:masterClrMapping/>
+  </p:clrMapOvr>
+</p:sld>
+</file>
+
+<file path=ppt/slides/slide2.xml><?xml version="1.0" encoding="utf-8"?>
+<p:sld xmlns:a="http://schemas.openxmlformats.org/drawingml/2006/main" xmlns:r="http://schemas.openxmlformats.org/officeDocument/2006/relationships" xmlns:p="http://schemas.openxmlformats.org/presentationml/2006/main">
+  <p:cSld>
+    <p:spTree>
+      <p:nvGrpSpPr>
+        <p:cNvPr id="1" name=""/>
+        <p:cNvGrpSpPr/>
+        <p:nvPr/>
+      </p:nvGrpSpPr>
+      <p:grpSpPr>
+        <a:xfrm>
+          <a:off x="0" y="0"/>
+          <a:ext cx="0" cy="0"/>
+          <a:chOff x="0" y="0"/>
+          <a:chExt cx="0" cy="0"/>
+        </a:xfrm>
+      </p:grpSpPr>
+      <p:sp>
+        <p:nvSpPr>
+          <p:cNvPr id="2" name="Title 1">
+            <a:extLst>
+              <a:ext uri="{FF2B5EF4-FFF2-40B4-BE49-F238E27FC236}">
+                <a16:creationId xmlns:a16="http://schemas.microsoft.com/office/drawing/2014/main" id="{4AFE43D0-EA27-2545-B9E9-DCA3AA92E807}"/>
+              </a:ext>
+            </a:extLst>
+          </p:cNvPr>
+          <p:cNvSpPr>
+            <a:spLocks noGrp="1"/>
+          </p:cNvSpPr>
+          <p:nvPr>
+            <p:ph type="title"/>
+          </p:nvPr>
+        </p:nvSpPr>
+        <p:spPr/>
+        <p:txBody>
+          <a:bodyPr/>
+          <a:lstStyle/>
+          <a:p>
+            <a:pPr algn="ctr"/>
+            <a:r>
+              <a:rPr lang="en-US" dirty="0"/>
+              <a:t>Table of Contents</a:t>
+            </a:r>
+          </a:p>
+        </p:txBody>
+      </p:sp>
+      <p:sp>
+        <p:nvSpPr>
+          <p:cNvPr id="3" name="Content Placeholder 2">
+            <a:extLst>
+              <a:ext uri="{FF2B5EF4-FFF2-40B4-BE49-F238E27FC236}">
+                <a16:creationId xmlns:a16="http://schemas.microsoft.com/office/drawing/2014/main" id="{15EC4BC1-3EDD-7C4E-AD96-304463435EDC}"/>
+              </a:ext>
+            </a:extLst>
+          </p:cNvPr>
+          <p:cNvSpPr>
+            <a:spLocks noGrp="1"/>
+          </p:cNvSpPr>
+          <p:nvPr>
+            <p:ph idx="1"/>
+          </p:nvPr>
+        </p:nvSpPr>
+        <p:spPr/>
+        <p:txBody>
+          <a:bodyPr>
+            <a:normAutofit/>
+          </a:bodyPr>
+          <a:lstStyle/>
+          <a:p>
+            <a:r>
+              <a:rPr lang="en-US" sz="2800" dirty="0"/>
+              <a:t>Exploration of Dataset</a:t>
+            </a:r>
+          </a:p>
+          <a:p>
+            <a:r>
+              <a:rPr lang="en-US" sz="2800" dirty="0"/>
+              <a:t>Question(s) to Answer</a:t>
+            </a:r>
+          </a:p>
+          <a:p>
+            <a:r>
+              <a:rPr lang="en-US" sz="2800" dirty="0"/>
+              <a:t>Augmenting the Dataset</a:t>
+            </a:r>
+          </a:p>
+          <a:p>
+            <a:r>
+              <a:rPr lang="en-US" sz="2800" dirty="0"/>
+              <a:t>Classification Approaches</a:t>
+            </a:r>
+          </a:p>
+          <a:p>
+            <a:r>
+              <a:rPr lang="en-US" sz="2800" dirty="0"/>
+              <a:t>Regression Approaches</a:t>
+            </a:r>
+          </a:p>
+          <a:p>
+            <a:r>
+              <a:rPr lang="en-US" sz="2800" dirty="0"/>
+              <a:t>Conclusion/Next Steps</a:t>
+            </a:r>
+          </a:p>
+        </p:txBody>
+      </p:sp>
+    </p:spTree>
+    <p:extLst>
+      <p:ext uri="{BB962C8B-B14F-4D97-AF65-F5344CB8AC3E}">
+        <p14:creationId xmlns:p14="http://schemas.microsoft.com/office/powerpoint/2010/main" val="1806221340"/>
+      </p:ext>
+    </p:extLst>
+  </p:cSld>
+  <p:clrMapOvr>
+    <a:masterClrMapping/>
+  </p:clrMapOvr>
+</p:sld>
+</file>
+
+<file path=ppt/slides/slide20.xml><?xml version="1.0" encoding="utf-8"?>
+<p:sld xmlns:a="http://schemas.openxmlformats.org/drawingml/2006/main" xmlns:r="http://schemas.openxmlformats.org/officeDocument/2006/relationships" xmlns:p="http://schemas.openxmlformats.org/presentationml/2006/main">
+  <p:cSld>
+    <p:bg>
+      <p:bgPr>
+        <a:solidFill>
+          <a:schemeClr val="bg1"/>
+        </a:solidFill>
+        <a:effectLst/>
+      </p:bgPr>
+    </p:bg>
+    <p:spTree>
+      <p:nvGrpSpPr>
+        <p:cNvPr id="1" name=""/>
+        <p:cNvGrpSpPr/>
+        <p:nvPr/>
+      </p:nvGrpSpPr>
+      <p:grpSpPr>
+        <a:xfrm>
+          <a:off x="0" y="0"/>
+          <a:ext cx="0" cy="0"/>
+          <a:chOff x="0" y="0"/>
+          <a:chExt cx="0" cy="0"/>
+        </a:xfrm>
+      </p:grpSpPr>
+      <p:sp>
+        <p:nvSpPr>
+          <p:cNvPr id="2" name="Title 1">
+            <a:extLst>
+              <a:ext uri="{FF2B5EF4-FFF2-40B4-BE49-F238E27FC236}">
+                <a16:creationId xmlns:a16="http://schemas.microsoft.com/office/drawing/2014/main" id="{9C524D5B-00EE-AB44-A90A-86FA36C828AC}"/>
+              </a:ext>
+            </a:extLst>
+          </p:cNvPr>
+          <p:cNvSpPr>
+            <a:spLocks noGrp="1"/>
+          </p:cNvSpPr>
+          <p:nvPr>
+            <p:ph type="title"/>
+          </p:nvPr>
+        </p:nvSpPr>
+        <p:spPr>
+          <a:xfrm>
+            <a:off x="252919" y="1123837"/>
+            <a:ext cx="2947482" cy="689973"/>
+          </a:xfrm>
+        </p:spPr>
+        <p:txBody>
+          <a:bodyPr anchor="ctr">
+            <a:normAutofit/>
+          </a:bodyPr>
+          <a:lstStyle/>
+          <a:p>
+            <a:pPr algn="ctr"/>
+            <a:r>
+              <a:rPr lang="en-US" sz="2800" b="1" dirty="0"/>
+              <a:t>Graph of k</a:t>
+            </a:r>
+          </a:p>
+        </p:txBody>
+      </p:sp>
+      <p:sp>
+        <p:nvSpPr>
+          <p:cNvPr id="10" name="Content Placeholder 9">
+            <a:extLst>
+              <a:ext uri="{FF2B5EF4-FFF2-40B4-BE49-F238E27FC236}">
+                <a16:creationId xmlns:a16="http://schemas.microsoft.com/office/drawing/2014/main" id="{2C24F276-842D-4D8C-A857-AAB196F6B0EA}"/>
+              </a:ext>
+            </a:extLst>
+          </p:cNvPr>
+          <p:cNvSpPr>
+            <a:spLocks noGrp="1"/>
+          </p:cNvSpPr>
+          <p:nvPr>
+            <p:ph idx="1"/>
+          </p:nvPr>
+        </p:nvSpPr>
+        <p:spPr>
+          <a:xfrm>
+            <a:off x="252920" y="2162014"/>
+            <a:ext cx="2947482" cy="3744264"/>
+          </a:xfrm>
+        </p:spPr>
+        <p:txBody>
+          <a:bodyPr anchor="t">
+            <a:normAutofit/>
+          </a:bodyPr>
+          <a:lstStyle/>
+          <a:p>
+            <a:pPr>
+              <a:buClr>
+                <a:schemeClr val="bg1"/>
+              </a:buClr>
+            </a:pPr>
+            <a:r>
+              <a:rPr lang="en-US" sz="2400" dirty="0">
+                <a:solidFill>
+                  <a:schemeClr val="bg1"/>
+                </a:solidFill>
+              </a:rPr>
+              <a:t>As k increases, accuracy also increases (overall), but with large dips</a:t>
+            </a:r>
+          </a:p>
+          <a:p>
+            <a:pPr>
+              <a:buClr>
+                <a:schemeClr val="bg1"/>
+              </a:buClr>
+            </a:pPr>
+            <a:r>
+              <a:rPr lang="en-US" sz="2400" dirty="0">
+                <a:solidFill>
+                  <a:schemeClr val="bg1"/>
+                </a:solidFill>
+              </a:rPr>
+              <a:t>As learnt during lessons, underfitting and overfitting can occur if you increase or decrease the k-value</a:t>
+            </a:r>
+          </a:p>
+        </p:txBody>
+      </p:sp>
+      <p:pic>
+        <p:nvPicPr>
+          <p:cNvPr id="8" name="Content Placeholder 4">
+            <a:extLst>
+              <a:ext uri="{FF2B5EF4-FFF2-40B4-BE49-F238E27FC236}">
+                <a16:creationId xmlns:a16="http://schemas.microsoft.com/office/drawing/2014/main" id="{F3BFE3F5-0BA3-534F-A4AB-EB96D7DB30A3}"/>
+              </a:ext>
+            </a:extLst>
+          </p:cNvPr>
+          <p:cNvPicPr>
+            <a:picLocks noChangeAspect="1"/>
+          </p:cNvPicPr>
+          <p:nvPr/>
+        </p:nvPicPr>
+        <p:blipFill>
+          <a:blip r:embed="rId2"/>
+          <a:stretch>
+            <a:fillRect/>
+          </a:stretch>
+        </p:blipFill>
+        <p:spPr>
+          <a:xfrm>
+            <a:off x="3868021" y="833295"/>
+            <a:ext cx="7594152" cy="5174446"/>
+          </a:xfrm>
+          <a:prstGeom prst="rect">
+            <a:avLst/>
+          </a:prstGeom>
+        </p:spPr>
+      </p:pic>
+    </p:spTree>
+    <p:extLst>
+      <p:ext uri="{BB962C8B-B14F-4D97-AF65-F5344CB8AC3E}">
+        <p14:creationId xmlns:p14="http://schemas.microsoft.com/office/powerpoint/2010/main" val="14254804"/>
+      </p:ext>
+    </p:extLst>
+  </p:cSld>
+  <p:clrMapOvr>
+    <a:masterClrMapping/>
+  </p:clrMapOvr>
+</p:sld>
+</file>
+
+<file path=ppt/slides/slide21.xml><?xml version="1.0" encoding="utf-8"?>
+<p:sld xmlns:a="http://schemas.openxmlformats.org/drawingml/2006/main" xmlns:r="http://schemas.openxmlformats.org/officeDocument/2006/relationships" xmlns:p="http://schemas.openxmlformats.org/presentationml/2006/main">
+  <p:cSld>
+    <p:spTree>
+      <p:nvGrpSpPr>
+        <p:cNvPr id="1" name=""/>
+        <p:cNvGrpSpPr/>
+        <p:nvPr/>
+      </p:nvGrpSpPr>
+      <p:grpSpPr>
+        <a:xfrm>
+          <a:off x="0" y="0"/>
+          <a:ext cx="0" cy="0"/>
+          <a:chOff x="0" y="0"/>
+          <a:chExt cx="0" cy="0"/>
+        </a:xfrm>
+      </p:grpSpPr>
+      <p:sp>
+        <p:nvSpPr>
+          <p:cNvPr id="2" name="Title 1">
+            <a:extLst>
+              <a:ext uri="{FF2B5EF4-FFF2-40B4-BE49-F238E27FC236}">
+                <a16:creationId xmlns:a16="http://schemas.microsoft.com/office/drawing/2014/main" id="{5E2736C6-6261-584D-AA01-540F90FE79D1}"/>
+              </a:ext>
+            </a:extLst>
+          </p:cNvPr>
+          <p:cNvSpPr>
+            <a:spLocks noGrp="1"/>
+          </p:cNvSpPr>
+          <p:nvPr>
+            <p:ph type="title"/>
+          </p:nvPr>
+        </p:nvSpPr>
+        <p:spPr/>
+        <p:txBody>
+          <a:bodyPr/>
+          <a:lstStyle/>
+          <a:p>
+            <a:pPr algn="ctr"/>
+            <a:r>
+              <a:rPr lang="en-US" dirty="0"/>
+              <a:t>Question 2</a:t>
+            </a:r>
+          </a:p>
+        </p:txBody>
+      </p:sp>
+      <p:sp>
+        <p:nvSpPr>
+          <p:cNvPr id="3" name="Content Placeholder 2">
+            <a:extLst>
+              <a:ext uri="{FF2B5EF4-FFF2-40B4-BE49-F238E27FC236}">
+                <a16:creationId xmlns:a16="http://schemas.microsoft.com/office/drawing/2014/main" id="{A3F57728-9953-E94A-A7F6-F6786B2B24C8}"/>
+              </a:ext>
+            </a:extLst>
+          </p:cNvPr>
+          <p:cNvSpPr>
+            <a:spLocks noGrp="1"/>
+          </p:cNvSpPr>
+          <p:nvPr>
+            <p:ph idx="1"/>
+          </p:nvPr>
+        </p:nvSpPr>
+        <p:spPr/>
+        <p:txBody>
+          <a:bodyPr>
+            <a:normAutofit/>
+          </a:bodyPr>
+          <a:lstStyle/>
+          <a:p>
+            <a:r>
+              <a:rPr lang="en-US" sz="2400" dirty="0"/>
+              <a:t>Upon running the model based on question 2, results for both regression and classification were very different</a:t>
+            </a:r>
+          </a:p>
+          <a:p>
+            <a:r>
+              <a:rPr lang="en-US" sz="2400" dirty="0"/>
+              <a:t>Both classification approaches were more accurate as compared to Question #1</a:t>
+            </a:r>
+          </a:p>
+          <a:p>
+            <a:r>
+              <a:rPr lang="en-US" sz="2400" dirty="0"/>
+              <a:t>Regression approaches stayed approximately the same but with approximately half the mean absolute error</a:t>
+            </a:r>
+          </a:p>
+          <a:p>
+            <a:pPr lvl="1"/>
+            <a:r>
+              <a:rPr lang="en-US" sz="2200" dirty="0"/>
+              <a:t>However, they had much smaller values for both </a:t>
+            </a:r>
+            <a:r>
+              <a:rPr lang="en-CA" sz="2000" dirty="0"/>
+              <a:t>R</a:t>
+            </a:r>
+            <a:r>
+              <a:rPr lang="en-CA" sz="2000" baseline="30000" dirty="0"/>
+              <a:t>2</a:t>
+            </a:r>
+            <a:r>
+              <a:rPr lang="en-CA" sz="2000" dirty="0"/>
+              <a:t> score and Variance Score</a:t>
+            </a:r>
+            <a:endParaRPr lang="en-US" sz="2200" dirty="0"/>
+          </a:p>
+        </p:txBody>
+      </p:sp>
+    </p:spTree>
+    <p:extLst>
+      <p:ext uri="{BB962C8B-B14F-4D97-AF65-F5344CB8AC3E}">
+        <p14:creationId xmlns:p14="http://schemas.microsoft.com/office/powerpoint/2010/main" val="2570420432"/>
+      </p:ext>
+    </p:extLst>
+  </p:cSld>
+  <p:clrMapOvr>
+    <a:masterClrMapping/>
+  </p:clrMapOvr>
+</p:sld>
+</file>
+
+<file path=ppt/slides/slide22.xml><?xml version="1.0" encoding="utf-8"?>
+<p:sld xmlns:a="http://schemas.openxmlformats.org/drawingml/2006/main" xmlns:r="http://schemas.openxmlformats.org/officeDocument/2006/relationships" xmlns:p="http://schemas.openxmlformats.org/presentationml/2006/main">
+  <p:cSld>
+    <p:spTree>
+      <p:nvGrpSpPr>
+        <p:cNvPr id="1" name=""/>
+        <p:cNvGrpSpPr/>
+        <p:nvPr/>
+      </p:nvGrpSpPr>
+      <p:grpSpPr>
+        <a:xfrm>
+          <a:off x="0" y="0"/>
+          <a:ext cx="0" cy="0"/>
+          <a:chOff x="0" y="0"/>
+          <a:chExt cx="0" cy="0"/>
+        </a:xfrm>
+      </p:grpSpPr>
+      <p:sp>
+        <p:nvSpPr>
+          <p:cNvPr id="2" name="Title 1">
+            <a:extLst>
+              <a:ext uri="{FF2B5EF4-FFF2-40B4-BE49-F238E27FC236}">
+                <a16:creationId xmlns:a16="http://schemas.microsoft.com/office/drawing/2014/main" id="{E9B87B2D-141A-514E-968D-C94DE8AA532E}"/>
+              </a:ext>
+            </a:extLst>
+          </p:cNvPr>
+          <p:cNvSpPr>
+            <a:spLocks noGrp="1"/>
+          </p:cNvSpPr>
+          <p:nvPr>
+            <p:ph type="title"/>
+          </p:nvPr>
+        </p:nvSpPr>
+        <p:spPr/>
+        <p:txBody>
+          <a:bodyPr/>
+          <a:lstStyle/>
+          <a:p>
+            <a:pPr algn="ctr"/>
+            <a:r>
+              <a:rPr lang="en-US" dirty="0"/>
+              <a:t>Question 2 continued</a:t>
+            </a:r>
+          </a:p>
+        </p:txBody>
+      </p:sp>
+      <p:graphicFrame>
+        <p:nvGraphicFramePr>
+          <p:cNvPr id="4" name="Content Placeholder 3">
+            <a:extLst>
+              <a:ext uri="{FF2B5EF4-FFF2-40B4-BE49-F238E27FC236}">
+                <a16:creationId xmlns:a16="http://schemas.microsoft.com/office/drawing/2014/main" id="{2711FF8A-DC3B-4742-B8EF-BEB4F4A68E10}"/>
+              </a:ext>
+            </a:extLst>
+          </p:cNvPr>
+          <p:cNvGraphicFramePr>
+            <a:graphicFrameLocks noGrp="1"/>
+          </p:cNvGraphicFramePr>
+          <p:nvPr>
+            <p:ph idx="1"/>
+            <p:extLst>
+              <p:ext uri="{D42A27DB-BD31-4B8C-83A1-F6EECF244321}">
+                <p14:modId xmlns:p14="http://schemas.microsoft.com/office/powerpoint/2010/main" val="1566489824"/>
+              </p:ext>
+            </p:extLst>
+          </p:nvPr>
+        </p:nvGraphicFramePr>
+        <p:xfrm>
+          <a:off x="3507697" y="764499"/>
+          <a:ext cx="8259582" cy="5321507"/>
+        </p:xfrm>
+        <a:graphic>
+          <a:graphicData uri="http://schemas.openxmlformats.org/drawingml/2006/table">
+            <a:tbl>
+              <a:tblPr firstRow="1" bandRow="1">
+                <a:tableStyleId>{5C22544A-7EE6-4342-B048-85BDC9FD1C3A}</a:tableStyleId>
+              </a:tblPr>
+              <a:tblGrid>
+                <a:gridCol w="1718845">
+                  <a:extLst>
+                    <a:ext uri="{9D8B030D-6E8A-4147-A177-3AD203B41FA5}">
+                      <a16:colId xmlns:a16="http://schemas.microsoft.com/office/drawing/2014/main" val="1735467077"/>
+                    </a:ext>
+                  </a:extLst>
+                </a:gridCol>
+                <a:gridCol w="1784912">
+                  <a:extLst>
+                    <a:ext uri="{9D8B030D-6E8A-4147-A177-3AD203B41FA5}">
+                      <a16:colId xmlns:a16="http://schemas.microsoft.com/office/drawing/2014/main" val="2569224795"/>
+                    </a:ext>
+                  </a:extLst>
+                </a:gridCol>
+                <a:gridCol w="1789675">
+                  <a:extLst>
+                    <a:ext uri="{9D8B030D-6E8A-4147-A177-3AD203B41FA5}">
+                      <a16:colId xmlns:a16="http://schemas.microsoft.com/office/drawing/2014/main" val="910610250"/>
+                    </a:ext>
+                  </a:extLst>
+                </a:gridCol>
+                <a:gridCol w="1152340">
+                  <a:extLst>
+                    <a:ext uri="{9D8B030D-6E8A-4147-A177-3AD203B41FA5}">
+                      <a16:colId xmlns:a16="http://schemas.microsoft.com/office/drawing/2014/main" val="4268437041"/>
+                    </a:ext>
+                  </a:extLst>
+                </a:gridCol>
+                <a:gridCol w="1813810">
+                  <a:extLst>
+                    <a:ext uri="{9D8B030D-6E8A-4147-A177-3AD203B41FA5}">
+                      <a16:colId xmlns:a16="http://schemas.microsoft.com/office/drawing/2014/main" val="1030852525"/>
+                    </a:ext>
+                  </a:extLst>
+                </a:gridCol>
+              </a:tblGrid>
+              <a:tr h="752517">
+                <a:tc>
+                  <a:txBody>
+                    <a:bodyPr/>
+                    <a:lstStyle/>
+                    <a:p>
+                      <a:pPr algn="ctr"/>
+                      <a:endParaRPr lang="en-US" sz="1800" dirty="0"/>
+                    </a:p>
+                  </a:txBody>
+                  <a:tcPr anchor="ctr"/>
+                </a:tc>
+                <a:tc>
+                  <a:txBody>
+                    <a:bodyPr/>
+                    <a:lstStyle/>
+                    <a:p>
+                      <a:pPr algn="ctr"/>
+                      <a:r>
+                        <a:rPr lang="en-US" sz="1800" dirty="0"/>
+                        <a:t>Naïve Bayes</a:t>
+                      </a:r>
+                    </a:p>
+                  </a:txBody>
+                  <a:tcPr anchor="ctr"/>
+                </a:tc>
+                <a:tc>
+                  <a:txBody>
+                    <a:bodyPr/>
+                    <a:lstStyle/>
+                    <a:p>
+                      <a:pPr algn="ctr"/>
+                      <a:r>
+                        <a:rPr lang="en-US" sz="1800" dirty="0"/>
+                        <a:t>K-Nearest Class.</a:t>
+                      </a:r>
+                    </a:p>
+                  </a:txBody>
+                  <a:tcPr anchor="ctr"/>
+                </a:tc>
+                <a:tc>
+                  <a:txBody>
+                    <a:bodyPr/>
+                    <a:lstStyle/>
+                    <a:p>
+                      <a:pPr algn="ctr"/>
+                      <a:r>
+                        <a:rPr lang="en-US" sz="1800" dirty="0"/>
+                        <a:t>MLR</a:t>
+                      </a:r>
+                    </a:p>
+                  </a:txBody>
+                  <a:tcPr anchor="ctr"/>
+                </a:tc>
+                <a:tc>
+                  <a:txBody>
+                    <a:bodyPr/>
+                    <a:lstStyle/>
+                    <a:p>
+                      <a:pPr algn="ctr"/>
+                      <a:r>
+                        <a:rPr lang="en-US" sz="1800" dirty="0"/>
+                        <a:t>K-Nearest </a:t>
+                      </a:r>
+                      <a:r>
+                        <a:rPr lang="en-US" sz="1800" dirty="0" err="1"/>
+                        <a:t>Regr</a:t>
+                      </a:r>
+                      <a:r>
+                        <a:rPr lang="en-US" sz="1800" dirty="0"/>
+                        <a:t>.</a:t>
+                      </a:r>
+                    </a:p>
+                  </a:txBody>
+                  <a:tcPr anchor="ctr"/>
+                </a:tc>
+                <a:extLst>
+                  <a:ext uri="{0D108BD9-81ED-4DB2-BD59-A6C34878D82A}">
+                    <a16:rowId xmlns:a16="http://schemas.microsoft.com/office/drawing/2014/main" val="4001197728"/>
+                  </a:ext>
+                </a:extLst>
+              </a:tr>
+              <a:tr h="871422">
+                <a:tc>
+                  <a:txBody>
+                    <a:bodyPr/>
+                    <a:lstStyle/>
+                    <a:p>
+                      <a:pPr algn="ctr"/>
+                      <a:r>
+                        <a:rPr lang="en-US" sz="1800" dirty="0"/>
+                        <a:t>Time to run</a:t>
+                      </a:r>
+                    </a:p>
+                  </a:txBody>
+                  <a:tcPr anchor="ctr"/>
+                </a:tc>
+                <a:tc>
+                  <a:txBody>
+                    <a:bodyPr/>
+                    <a:lstStyle/>
+                    <a:p>
+                      <a:pPr algn="ctr"/>
+                      <a:r>
+                        <a:rPr lang="en-CA" dirty="0"/>
+                        <a:t>0.0647</a:t>
+                      </a:r>
+                      <a:r>
+                        <a:rPr lang="en-CA" sz="1800" dirty="0"/>
+                        <a:t> </a:t>
+                      </a:r>
+                      <a:r>
+                        <a:rPr lang="en-CA" sz="1800" dirty="0" err="1"/>
+                        <a:t>ms</a:t>
+                      </a:r>
+                      <a:endParaRPr lang="en-US" sz="1800" dirty="0"/>
+                    </a:p>
+                  </a:txBody>
+                  <a:tcPr anchor="ctr"/>
+                </a:tc>
+                <a:tc>
+                  <a:txBody>
+                    <a:bodyPr/>
+                    <a:lstStyle/>
+                    <a:p>
+                      <a:pPr algn="ctr"/>
+                      <a:r>
+                        <a:rPr lang="en-CA" dirty="0"/>
+                        <a:t>0.3225</a:t>
+                      </a:r>
+                      <a:r>
+                        <a:rPr lang="en-CA" sz="1800" dirty="0"/>
+                        <a:t> </a:t>
+                      </a:r>
+                      <a:r>
+                        <a:rPr lang="en-CA" sz="1800" dirty="0" err="1"/>
+                        <a:t>ms</a:t>
+                      </a:r>
+                      <a:endParaRPr lang="en-US" sz="1800" dirty="0"/>
+                    </a:p>
+                  </a:txBody>
+                  <a:tcPr anchor="ctr"/>
+                </a:tc>
+                <a:tc>
+                  <a:txBody>
+                    <a:bodyPr/>
+                    <a:lstStyle/>
+                    <a:p>
+                      <a:pPr algn="ctr"/>
+                      <a:r>
+                        <a:rPr lang="en-CA" dirty="0"/>
+                        <a:t>0.0036</a:t>
+                      </a:r>
+                      <a:r>
+                        <a:rPr lang="en-CA" sz="1800" dirty="0"/>
+                        <a:t> </a:t>
+                      </a:r>
+                      <a:r>
+                        <a:rPr lang="en-CA" sz="1800" dirty="0" err="1"/>
+                        <a:t>ms</a:t>
+                      </a:r>
+                      <a:endParaRPr lang="en-US" sz="1800" dirty="0"/>
+                    </a:p>
+                  </a:txBody>
+                  <a:tcPr anchor="ctr"/>
+                </a:tc>
+                <a:tc>
+                  <a:txBody>
+                    <a:bodyPr/>
+                    <a:lstStyle/>
+                    <a:p>
+                      <a:pPr algn="ctr"/>
+                      <a:r>
+                        <a:rPr lang="en-CA" dirty="0"/>
+                        <a:t>0.4004</a:t>
+                      </a:r>
+                      <a:r>
+                        <a:rPr lang="en-CA" sz="1800" dirty="0"/>
+                        <a:t> </a:t>
+                      </a:r>
+                      <a:r>
+                        <a:rPr lang="en-CA" sz="1800" dirty="0" err="1"/>
+                        <a:t>ms</a:t>
+                      </a:r>
+                      <a:endParaRPr lang="en-US" sz="1800" dirty="0"/>
+                    </a:p>
+                  </a:txBody>
+                  <a:tcPr anchor="ctr"/>
+                </a:tc>
+                <a:extLst>
+                  <a:ext uri="{0D108BD9-81ED-4DB2-BD59-A6C34878D82A}">
+                    <a16:rowId xmlns:a16="http://schemas.microsoft.com/office/drawing/2014/main" val="4291462545"/>
+                  </a:ext>
+                </a:extLst>
+              </a:tr>
+              <a:tr h="504872">
+                <a:tc>
+                  <a:txBody>
+                    <a:bodyPr/>
+                    <a:lstStyle/>
+                    <a:p>
+                      <a:pPr algn="ctr"/>
+                      <a:r>
+                        <a:rPr lang="en-US" sz="1800" dirty="0"/>
+                        <a:t>Accuracy</a:t>
+                      </a:r>
+                    </a:p>
+                  </a:txBody>
+                  <a:tcPr anchor="ctr"/>
+                </a:tc>
+                <a:tc>
+                  <a:txBody>
+                    <a:bodyPr/>
+                    <a:lstStyle/>
+                    <a:p>
+                      <a:pPr algn="ctr"/>
+                      <a:r>
+                        <a:rPr lang="en-CA" dirty="0"/>
+                        <a:t>10.46</a:t>
+                      </a:r>
+                      <a:r>
+                        <a:rPr lang="en-CA" sz="1800" dirty="0"/>
+                        <a:t>%</a:t>
+                      </a:r>
+                      <a:endParaRPr lang="en-US" sz="1800" dirty="0"/>
+                    </a:p>
+                  </a:txBody>
+                  <a:tcPr anchor="ctr"/>
+                </a:tc>
+                <a:tc>
+                  <a:txBody>
+                    <a:bodyPr/>
+                    <a:lstStyle/>
+                    <a:p>
+                      <a:pPr algn="ctr"/>
+                      <a:r>
+                        <a:rPr lang="en-CA" dirty="0"/>
+                        <a:t>9.27</a:t>
+                      </a:r>
+                      <a:r>
+                        <a:rPr lang="en-CA" sz="1800" dirty="0"/>
+                        <a:t>%</a:t>
+                      </a:r>
+                      <a:endParaRPr lang="en-US" sz="1800" dirty="0"/>
+                    </a:p>
+                  </a:txBody>
+                  <a:tcPr anchor="ctr"/>
+                </a:tc>
+                <a:tc>
+                  <a:txBody>
+                    <a:bodyPr/>
+                    <a:lstStyle/>
+                    <a:p>
+                      <a:pPr algn="ctr"/>
+                      <a:r>
+                        <a:rPr lang="en-US" sz="1800" dirty="0"/>
+                        <a:t>-</a:t>
+                      </a:r>
+                    </a:p>
+                  </a:txBody>
+                  <a:tcPr anchor="ctr"/>
+                </a:tc>
+                <a:tc>
+                  <a:txBody>
+                    <a:bodyPr/>
+                    <a:lstStyle/>
+                    <a:p>
+                      <a:pPr algn="ctr"/>
+                      <a:r>
+                        <a:rPr lang="en-US" sz="1800" dirty="0"/>
+                        <a:t>-</a:t>
+                      </a:r>
+                    </a:p>
+                  </a:txBody>
+                  <a:tcPr anchor="ctr"/>
+                </a:tc>
+                <a:extLst>
+                  <a:ext uri="{0D108BD9-81ED-4DB2-BD59-A6C34878D82A}">
+                    <a16:rowId xmlns:a16="http://schemas.microsoft.com/office/drawing/2014/main" val="2975547213"/>
+                  </a:ext>
+                </a:extLst>
+              </a:tr>
+              <a:tr h="655765">
+                <a:tc>
+                  <a:txBody>
+                    <a:bodyPr/>
+                    <a:lstStyle/>
+                    <a:p>
+                      <a:pPr algn="ctr"/>
+                      <a:r>
+                        <a:rPr lang="en-US" sz="1800" dirty="0"/>
+                        <a:t>Precision</a:t>
+                      </a:r>
+                    </a:p>
+                  </a:txBody>
+                  <a:tcPr anchor="ctr"/>
+                </a:tc>
+                <a:tc gridSpan="2">
+                  <a:txBody>
+                    <a:bodyPr/>
+                    <a:lstStyle/>
+                    <a:p>
+                      <a:pPr algn="ctr"/>
+                      <a:r>
+                        <a:rPr lang="en-US" sz="1800" dirty="0"/>
+                        <a:t>Similar for both with small variance</a:t>
+                      </a:r>
+                    </a:p>
+                  </a:txBody>
+                  <a:tcPr anchor="ctr"/>
+                </a:tc>
+                <a:tc hMerge="1">
+                  <a:txBody>
+                    <a:bodyPr/>
+                    <a:lstStyle/>
+                    <a:p>
+                      <a:pPr algn="ctr"/>
+                      <a:endParaRPr lang="en-US" dirty="0"/>
+                    </a:p>
+                  </a:txBody>
+                  <a:tcPr anchor="ctr"/>
+                </a:tc>
+                <a:tc>
+                  <a:txBody>
+                    <a:bodyPr/>
+                    <a:lstStyle/>
+                    <a:p>
+                      <a:pPr algn="ctr"/>
+                      <a:r>
+                        <a:rPr lang="en-US" sz="1800" dirty="0"/>
+                        <a:t>-</a:t>
+                      </a:r>
+                    </a:p>
+                  </a:txBody>
+                  <a:tcPr anchor="ctr"/>
+                </a:tc>
+                <a:tc>
+                  <a:txBody>
+                    <a:bodyPr/>
+                    <a:lstStyle/>
+                    <a:p>
+                      <a:pPr algn="ctr"/>
+                      <a:r>
+                        <a:rPr lang="en-US" sz="1800" dirty="0"/>
+                        <a:t>-</a:t>
+                      </a:r>
+                    </a:p>
+                  </a:txBody>
+                  <a:tcPr anchor="ctr"/>
+                </a:tc>
+                <a:extLst>
+                  <a:ext uri="{0D108BD9-81ED-4DB2-BD59-A6C34878D82A}">
+                    <a16:rowId xmlns:a16="http://schemas.microsoft.com/office/drawing/2014/main" val="844180636"/>
+                  </a:ext>
+                </a:extLst>
+              </a:tr>
+              <a:tr h="655765">
+                <a:tc>
+                  <a:txBody>
+                    <a:bodyPr/>
+                    <a:lstStyle/>
+                    <a:p>
+                      <a:pPr algn="ctr"/>
+                      <a:r>
+                        <a:rPr lang="en-US" sz="1800" dirty="0"/>
+                        <a:t>Recall</a:t>
+                      </a:r>
+                    </a:p>
+                  </a:txBody>
+                  <a:tcPr anchor="ctr"/>
+                </a:tc>
+                <a:tc gridSpan="2">
+                  <a:txBody>
+                    <a:bodyPr/>
+                    <a:lstStyle/>
+                    <a:p>
+                      <a:pPr marL="0" marR="0" lvl="0" indent="0" algn="ctr" defTabSz="914400" rtl="0" eaLnBrk="1" fontAlgn="auto" latinLnBrk="0" hangingPunct="1">
+                        <a:lnSpc>
+                          <a:spcPct val="100000"/>
+                        </a:lnSpc>
+                        <a:spcBef>
+                          <a:spcPts val="0"/>
+                        </a:spcBef>
+                        <a:spcAft>
+                          <a:spcPts val="0"/>
+                        </a:spcAft>
+                        <a:buClrTx/>
+                        <a:buSzTx/>
+                        <a:buFontTx/>
+                        <a:buNone/>
+                        <a:tabLst/>
+                        <a:defRPr/>
+                      </a:pPr>
+                      <a:r>
+                        <a:rPr lang="en-US" sz="1800" dirty="0"/>
+                        <a:t>Similar for both with small variance</a:t>
+                      </a:r>
+                    </a:p>
+                  </a:txBody>
+                  <a:tcPr anchor="ctr"/>
+                </a:tc>
+                <a:tc hMerge="1">
+                  <a:txBody>
+                    <a:bodyPr/>
+                    <a:lstStyle/>
+                    <a:p>
+                      <a:pPr algn="ctr"/>
+                      <a:endParaRPr lang="en-US" dirty="0"/>
+                    </a:p>
+                  </a:txBody>
+                  <a:tcPr anchor="ctr"/>
+                </a:tc>
+                <a:tc>
+                  <a:txBody>
+                    <a:bodyPr/>
+                    <a:lstStyle/>
+                    <a:p>
+                      <a:pPr algn="ctr"/>
+                      <a:r>
+                        <a:rPr lang="en-US" sz="1800" dirty="0"/>
+                        <a:t>-</a:t>
+                      </a:r>
+                    </a:p>
+                  </a:txBody>
+                  <a:tcPr anchor="ctr"/>
+                </a:tc>
+                <a:tc>
+                  <a:txBody>
+                    <a:bodyPr/>
+                    <a:lstStyle/>
+                    <a:p>
+                      <a:pPr algn="ctr"/>
+                      <a:r>
+                        <a:rPr lang="en-US" sz="1800" dirty="0"/>
+                        <a:t>-</a:t>
+                      </a:r>
+                    </a:p>
+                  </a:txBody>
+                  <a:tcPr anchor="ctr"/>
+                </a:tc>
+                <a:extLst>
+                  <a:ext uri="{0D108BD9-81ED-4DB2-BD59-A6C34878D82A}">
+                    <a16:rowId xmlns:a16="http://schemas.microsoft.com/office/drawing/2014/main" val="3031808682"/>
+                  </a:ext>
+                </a:extLst>
+              </a:tr>
+              <a:tr h="504872">
+                <a:tc>
+                  <a:txBody>
+                    <a:bodyPr/>
+                    <a:lstStyle/>
+                    <a:p>
+                      <a:pPr algn="ctr"/>
+                      <a:r>
+                        <a:rPr lang="en-CA" sz="1800" dirty="0"/>
+                        <a:t>R</a:t>
+                      </a:r>
+                      <a:r>
+                        <a:rPr lang="en-CA" sz="1800" baseline="30000" dirty="0"/>
+                        <a:t>2</a:t>
+                      </a:r>
+                      <a:r>
+                        <a:rPr lang="en-CA" sz="1800" dirty="0"/>
+                        <a:t> score</a:t>
+                      </a:r>
+                      <a:endParaRPr lang="en-US" sz="1800" dirty="0"/>
+                    </a:p>
+                  </a:txBody>
+                  <a:tcPr anchor="ctr"/>
+                </a:tc>
+                <a:tc>
+                  <a:txBody>
+                    <a:bodyPr/>
+                    <a:lstStyle/>
+                    <a:p>
+                      <a:pPr algn="ctr"/>
+                      <a:r>
+                        <a:rPr lang="en-US" sz="1800" dirty="0"/>
+                        <a:t>-</a:t>
+                      </a:r>
+                    </a:p>
+                  </a:txBody>
+                  <a:tcPr anchor="ctr"/>
+                </a:tc>
+                <a:tc>
+                  <a:txBody>
+                    <a:bodyPr/>
+                    <a:lstStyle/>
+                    <a:p>
+                      <a:pPr algn="ctr"/>
+                      <a:r>
+                        <a:rPr lang="en-US" sz="1800" dirty="0"/>
+                        <a:t>-</a:t>
+                      </a:r>
+                    </a:p>
+                  </a:txBody>
+                  <a:tcPr anchor="ctr"/>
+                </a:tc>
+                <a:tc>
+                  <a:txBody>
+                    <a:bodyPr/>
+                    <a:lstStyle/>
+                    <a:p>
+                      <a:pPr algn="ctr"/>
+                      <a:r>
+                        <a:rPr lang="en-CA" dirty="0"/>
+                        <a:t>0.0035</a:t>
+                      </a:r>
+                      <a:endParaRPr lang="en-US" sz="1800" dirty="0"/>
+                    </a:p>
+                  </a:txBody>
+                  <a:tcPr anchor="ctr"/>
+                </a:tc>
+                <a:tc>
+                  <a:txBody>
+                    <a:bodyPr/>
+                    <a:lstStyle/>
+                    <a:p>
+                      <a:pPr algn="ctr"/>
+                      <a:r>
+                        <a:rPr lang="en-CA" dirty="0"/>
+                        <a:t>0.0075</a:t>
+                      </a:r>
+                      <a:endParaRPr lang="en-US" sz="1800" dirty="0"/>
+                    </a:p>
+                  </a:txBody>
+                  <a:tcPr anchor="ctr"/>
+                </a:tc>
+                <a:extLst>
+                  <a:ext uri="{0D108BD9-81ED-4DB2-BD59-A6C34878D82A}">
+                    <a16:rowId xmlns:a16="http://schemas.microsoft.com/office/drawing/2014/main" val="4108479849"/>
+                  </a:ext>
+                </a:extLst>
+              </a:tr>
+              <a:tr h="504872">
+                <a:tc>
+                  <a:txBody>
+                    <a:bodyPr/>
+                    <a:lstStyle/>
+                    <a:p>
+                      <a:pPr algn="ctr"/>
+                      <a:r>
+                        <a:rPr lang="en-CA" sz="1800" dirty="0"/>
+                        <a:t>Variance Score</a:t>
+                      </a:r>
+                      <a:endParaRPr lang="en-US" sz="1800" dirty="0"/>
+                    </a:p>
+                  </a:txBody>
+                  <a:tcPr anchor="ctr"/>
+                </a:tc>
+                <a:tc>
+                  <a:txBody>
+                    <a:bodyPr/>
+                    <a:lstStyle/>
+                    <a:p>
+                      <a:pPr algn="ctr"/>
+                      <a:r>
+                        <a:rPr lang="en-US" sz="1800" dirty="0"/>
+                        <a:t>-</a:t>
+                      </a:r>
+                    </a:p>
+                  </a:txBody>
+                  <a:tcPr anchor="ctr"/>
+                </a:tc>
+                <a:tc>
+                  <a:txBody>
+                    <a:bodyPr/>
+                    <a:lstStyle/>
+                    <a:p>
+                      <a:pPr algn="ctr"/>
+                      <a:r>
+                        <a:rPr lang="en-US" sz="1800" dirty="0"/>
+                        <a:t>-</a:t>
+                      </a:r>
+                    </a:p>
+                  </a:txBody>
+                  <a:tcPr anchor="ctr"/>
+                </a:tc>
+                <a:tc>
+                  <a:txBody>
+                    <a:bodyPr/>
+                    <a:lstStyle/>
+                    <a:p>
+                      <a:pPr algn="ctr"/>
+                      <a:r>
+                        <a:rPr lang="en-CA" dirty="0"/>
+                        <a:t>0.0037</a:t>
+                      </a:r>
+                      <a:endParaRPr lang="en-US" sz="1800" dirty="0"/>
+                    </a:p>
+                  </a:txBody>
+                  <a:tcPr anchor="ctr"/>
+                </a:tc>
+                <a:tc>
+                  <a:txBody>
+                    <a:bodyPr/>
+                    <a:lstStyle/>
+                    <a:p>
+                      <a:pPr algn="ctr"/>
+                      <a:r>
+                        <a:rPr lang="en-CA" dirty="0"/>
+                        <a:t>0.0078</a:t>
+                      </a:r>
+                      <a:endParaRPr lang="en-US" sz="1800" dirty="0"/>
+                    </a:p>
+                  </a:txBody>
+                  <a:tcPr anchor="ctr"/>
+                </a:tc>
+                <a:extLst>
+                  <a:ext uri="{0D108BD9-81ED-4DB2-BD59-A6C34878D82A}">
+                    <a16:rowId xmlns:a16="http://schemas.microsoft.com/office/drawing/2014/main" val="3707344414"/>
+                  </a:ext>
+                </a:extLst>
+              </a:tr>
+              <a:tr h="871422">
+                <a:tc>
+                  <a:txBody>
+                    <a:bodyPr/>
+                    <a:lstStyle/>
+                    <a:p>
+                      <a:pPr algn="ctr"/>
+                      <a:r>
+                        <a:rPr lang="en-CA" sz="1800" dirty="0"/>
+                        <a:t>Mean Absolute Error</a:t>
+                      </a:r>
+                      <a:endParaRPr lang="en-US" sz="1800" dirty="0"/>
+                    </a:p>
+                  </a:txBody>
+                  <a:tcPr anchor="ctr"/>
+                </a:tc>
+                <a:tc>
+                  <a:txBody>
+                    <a:bodyPr/>
+                    <a:lstStyle/>
+                    <a:p>
+                      <a:pPr algn="ctr"/>
+                      <a:r>
+                        <a:rPr lang="en-US" sz="1800" dirty="0"/>
+                        <a:t>-</a:t>
+                      </a:r>
+                    </a:p>
+                  </a:txBody>
+                  <a:tcPr anchor="ctr"/>
+                </a:tc>
+                <a:tc>
+                  <a:txBody>
+                    <a:bodyPr/>
+                    <a:lstStyle/>
+                    <a:p>
+                      <a:pPr algn="ctr"/>
+                      <a:r>
+                        <a:rPr lang="en-US" sz="1800" dirty="0"/>
+                        <a:t>-</a:t>
+                      </a:r>
+                    </a:p>
+                  </a:txBody>
+                  <a:tcPr anchor="ctr"/>
+                </a:tc>
+                <a:tc>
+                  <a:txBody>
+                    <a:bodyPr/>
+                    <a:lstStyle/>
+                    <a:p>
+                      <a:pPr algn="ctr"/>
+                      <a:r>
+                        <a:rPr lang="en-CA" dirty="0"/>
+                        <a:t>3.1763</a:t>
+                      </a:r>
+                      <a:endParaRPr lang="en-US" sz="1800" dirty="0"/>
+                    </a:p>
+                  </a:txBody>
+                  <a:tcPr anchor="ctr"/>
+                </a:tc>
+                <a:tc>
+                  <a:txBody>
+                    <a:bodyPr/>
+                    <a:lstStyle/>
+                    <a:p>
+                      <a:pPr algn="ctr"/>
+                      <a:r>
+                        <a:rPr lang="en-CA" dirty="0"/>
+                        <a:t>3.1446</a:t>
+                      </a:r>
+                      <a:endParaRPr lang="en-US" sz="1800" dirty="0"/>
+                    </a:p>
+                  </a:txBody>
+                  <a:tcPr anchor="ctr"/>
+                </a:tc>
+                <a:extLst>
+                  <a:ext uri="{0D108BD9-81ED-4DB2-BD59-A6C34878D82A}">
+                    <a16:rowId xmlns:a16="http://schemas.microsoft.com/office/drawing/2014/main" val="1044029670"/>
+                  </a:ext>
+                </a:extLst>
+              </a:tr>
+            </a:tbl>
+          </a:graphicData>
+        </a:graphic>
+      </p:graphicFrame>
+    </p:spTree>
+    <p:extLst>
+      <p:ext uri="{BB962C8B-B14F-4D97-AF65-F5344CB8AC3E}">
+        <p14:creationId xmlns:p14="http://schemas.microsoft.com/office/powerpoint/2010/main" val="1456140965"/>
+      </p:ext>
+    </p:extLst>
+  </p:cSld>
+  <p:clrMapOvr>
+    <a:masterClrMapping/>
+  </p:clrMapOvr>
+</p:sld>
+</file>
+
+<file path=ppt/slides/slide23.xml><?xml version="1.0" encoding="utf-8"?>
+<p:sld xmlns:a="http://schemas.openxmlformats.org/drawingml/2006/main" xmlns:r="http://schemas.openxmlformats.org/officeDocument/2006/relationships" xmlns:p="http://schemas.openxmlformats.org/presentationml/2006/main">
+  <p:cSld>
+    <p:bg>
+      <p:bgPr>
+        <a:solidFill>
+          <a:schemeClr val="bg1"/>
+        </a:solidFill>
+        <a:effectLst/>
+      </p:bgPr>
+    </p:bg>
+    <p:spTree>
+      <p:nvGrpSpPr>
+        <p:cNvPr id="1" name=""/>
+        <p:cNvGrpSpPr/>
+        <p:nvPr/>
+      </p:nvGrpSpPr>
+      <p:grpSpPr>
+        <a:xfrm>
+          <a:off x="0" y="0"/>
+          <a:ext cx="0" cy="0"/>
+          <a:chOff x="0" y="0"/>
+          <a:chExt cx="0" cy="0"/>
+        </a:xfrm>
+      </p:grpSpPr>
+      <p:sp>
+        <p:nvSpPr>
+          <p:cNvPr id="2" name="Title 1">
+            <a:extLst>
+              <a:ext uri="{FF2B5EF4-FFF2-40B4-BE49-F238E27FC236}">
+                <a16:creationId xmlns:a16="http://schemas.microsoft.com/office/drawing/2014/main" id="{E9B87B2D-141A-514E-968D-C94DE8AA532E}"/>
+              </a:ext>
+            </a:extLst>
+          </p:cNvPr>
+          <p:cNvSpPr>
+            <a:spLocks noGrp="1"/>
+          </p:cNvSpPr>
+          <p:nvPr>
+            <p:ph type="title"/>
+          </p:nvPr>
+        </p:nvSpPr>
+        <p:spPr>
+          <a:xfrm>
+            <a:off x="252919" y="1123837"/>
+            <a:ext cx="2947482" cy="1038177"/>
+          </a:xfrm>
+        </p:spPr>
+        <p:txBody>
+          <a:bodyPr anchor="ctr">
+            <a:normAutofit/>
+          </a:bodyPr>
+          <a:lstStyle/>
+          <a:p>
+            <a:r>
+              <a:rPr lang="en-US" sz="2400" b="1" dirty="0"/>
+              <a:t>Question 2 continued</a:t>
+            </a:r>
+          </a:p>
+        </p:txBody>
+      </p:sp>
+      <p:sp>
+        <p:nvSpPr>
+          <p:cNvPr id="12" name="Content Placeholder 11">
+            <a:extLst>
+              <a:ext uri="{FF2B5EF4-FFF2-40B4-BE49-F238E27FC236}">
+                <a16:creationId xmlns:a16="http://schemas.microsoft.com/office/drawing/2014/main" id="{A98256E8-30A1-4A3C-828F-141B00B63081}"/>
+              </a:ext>
+            </a:extLst>
+          </p:cNvPr>
+          <p:cNvSpPr>
+            <a:spLocks noGrp="1"/>
+          </p:cNvSpPr>
+          <p:nvPr>
+            <p:ph idx="1"/>
+          </p:nvPr>
+        </p:nvSpPr>
+        <p:spPr>
+          <a:xfrm>
+            <a:off x="252920" y="2162014"/>
+            <a:ext cx="2947482" cy="3744264"/>
+          </a:xfrm>
+        </p:spPr>
+        <p:txBody>
+          <a:bodyPr anchor="t">
+            <a:normAutofit/>
+          </a:bodyPr>
+          <a:lstStyle/>
+          <a:p>
+            <a:pPr>
+              <a:buClr>
+                <a:schemeClr val="bg1"/>
+              </a:buClr>
+            </a:pPr>
+            <a:r>
+              <a:rPr lang="en-US" sz="2100" dirty="0">
+                <a:solidFill>
+                  <a:schemeClr val="bg1"/>
+                </a:solidFill>
+              </a:rPr>
+              <a:t>As k increases, accuracy also increases overall but has larger dips as compared to Question 1</a:t>
+            </a:r>
+          </a:p>
+          <a:p>
+            <a:pPr>
+              <a:buClr>
+                <a:schemeClr val="bg1"/>
+              </a:buClr>
+            </a:pPr>
+            <a:r>
+              <a:rPr lang="en-US" dirty="0">
+                <a:solidFill>
+                  <a:schemeClr val="bg1"/>
+                </a:solidFill>
+              </a:rPr>
+              <a:t>As learnt during lessons, underfitting and overfitting can occur if you increase or decrease the k-value</a:t>
+            </a:r>
+          </a:p>
+        </p:txBody>
+      </p:sp>
+      <p:pic>
+        <p:nvPicPr>
+          <p:cNvPr id="10" name="Content Placeholder 6">
+            <a:extLst>
+              <a:ext uri="{FF2B5EF4-FFF2-40B4-BE49-F238E27FC236}">
+                <a16:creationId xmlns:a16="http://schemas.microsoft.com/office/drawing/2014/main" id="{1AFF96D2-25D6-2541-A4D0-094C841ECBD6}"/>
+              </a:ext>
+            </a:extLst>
+          </p:cNvPr>
+          <p:cNvPicPr>
+            <a:picLocks noChangeAspect="1"/>
+          </p:cNvPicPr>
+          <p:nvPr/>
+        </p:nvPicPr>
+        <p:blipFill>
+          <a:blip r:embed="rId2"/>
+          <a:stretch>
+            <a:fillRect/>
+          </a:stretch>
+        </p:blipFill>
+        <p:spPr>
+          <a:xfrm>
+            <a:off x="3868021" y="794679"/>
+            <a:ext cx="7594152" cy="5251677"/>
+          </a:xfrm>
+          <a:prstGeom prst="rect">
+            <a:avLst/>
+          </a:prstGeom>
+        </p:spPr>
+      </p:pic>
+    </p:spTree>
+    <p:extLst>
+      <p:ext uri="{BB962C8B-B14F-4D97-AF65-F5344CB8AC3E}">
+        <p14:creationId xmlns:p14="http://schemas.microsoft.com/office/powerpoint/2010/main" val="191993305"/>
+      </p:ext>
+    </p:extLst>
+  </p:cSld>
+  <p:clrMapOvr>
+    <a:masterClrMapping/>
+  </p:clrMapOvr>
+</p:sld>
+</file>
+
+<file path=ppt/slides/slide24.xml><?xml version="1.0" encoding="utf-8"?>
+<p:sld xmlns:a="http://schemas.openxmlformats.org/drawingml/2006/main" xmlns:r="http://schemas.openxmlformats.org/officeDocument/2006/relationships" xmlns:p="http://schemas.openxmlformats.org/presentationml/2006/main">
+  <p:cSld>
+    <p:spTree>
+      <p:nvGrpSpPr>
+        <p:cNvPr id="1" name=""/>
+        <p:cNvGrpSpPr/>
+        <p:nvPr/>
+      </p:nvGrpSpPr>
+      <p:grpSpPr>
+        <a:xfrm>
+          <a:off x="0" y="0"/>
+          <a:ext cx="0" cy="0"/>
+          <a:chOff x="0" y="0"/>
+          <a:chExt cx="0" cy="0"/>
+        </a:xfrm>
+      </p:grpSpPr>
+      <p:sp>
+        <p:nvSpPr>
+          <p:cNvPr id="2" name="Title 1">
+            <a:extLst>
+              <a:ext uri="{FF2B5EF4-FFF2-40B4-BE49-F238E27FC236}">
+                <a16:creationId xmlns:a16="http://schemas.microsoft.com/office/drawing/2014/main" id="{2B1BDF07-F425-6B4C-BBB2-A0481958CDC0}"/>
+              </a:ext>
+            </a:extLst>
+          </p:cNvPr>
+          <p:cNvSpPr>
+            <a:spLocks noGrp="1"/>
+          </p:cNvSpPr>
+          <p:nvPr>
+            <p:ph type="title"/>
+          </p:nvPr>
+        </p:nvSpPr>
+        <p:spPr/>
+        <p:txBody>
+          <a:bodyPr/>
+          <a:lstStyle/>
+          <a:p>
+            <a:pPr algn="ctr"/>
+            <a:r>
+              <a:rPr lang="en-US" dirty="0"/>
+              <a:t>Conclusion</a:t>
+            </a:r>
+          </a:p>
+        </p:txBody>
+      </p:sp>
+      <p:sp>
+        <p:nvSpPr>
+          <p:cNvPr id="3" name="Content Placeholder 2">
+            <a:extLst>
+              <a:ext uri="{FF2B5EF4-FFF2-40B4-BE49-F238E27FC236}">
+                <a16:creationId xmlns:a16="http://schemas.microsoft.com/office/drawing/2014/main" id="{166776D4-105C-9F49-A8DC-79830E13CA35}"/>
+              </a:ext>
+            </a:extLst>
+          </p:cNvPr>
+          <p:cNvSpPr>
+            <a:spLocks noGrp="1"/>
+          </p:cNvSpPr>
+          <p:nvPr>
+            <p:ph idx="1"/>
+          </p:nvPr>
+        </p:nvSpPr>
+        <p:spPr>
+          <a:xfrm>
+            <a:off x="3447393" y="864108"/>
+            <a:ext cx="8366235" cy="5120640"/>
+          </a:xfrm>
+        </p:spPr>
+        <p:txBody>
+          <a:bodyPr>
+            <a:normAutofit lnSpcReduction="10000"/>
+          </a:bodyPr>
+          <a:lstStyle/>
+          <a:p>
+            <a:r>
+              <a:rPr lang="en-US" dirty="0"/>
+              <a:t>In conclusion:</a:t>
+            </a:r>
+          </a:p>
+          <a:p>
+            <a:pPr lvl="1"/>
+            <a:r>
+              <a:rPr lang="en-US" dirty="0"/>
+              <a:t>Due to low accuracy of regression and low </a:t>
+            </a:r>
+            <a:r>
+              <a:rPr lang="en-CA" dirty="0"/>
+              <a:t>R</a:t>
+            </a:r>
+            <a:r>
+              <a:rPr lang="en-CA" baseline="30000" dirty="0"/>
+              <a:t>2</a:t>
+            </a:r>
+            <a:r>
+              <a:rPr lang="en-CA" dirty="0"/>
+              <a:t> score</a:t>
+            </a:r>
+            <a:r>
+              <a:rPr lang="en-US" dirty="0"/>
+              <a:t>, we can concluded that the model did not perform well.</a:t>
+            </a:r>
+          </a:p>
+          <a:p>
+            <a:pPr lvl="2"/>
+            <a:r>
+              <a:rPr lang="en-US" dirty="0"/>
+              <a:t>This is possibly due to ‘other’ option within jobs and;</a:t>
+            </a:r>
+          </a:p>
+          <a:p>
+            <a:pPr lvl="2"/>
+            <a:r>
+              <a:rPr lang="en-US" dirty="0"/>
+              <a:t>Overlap within the education dataset</a:t>
+            </a:r>
+          </a:p>
+          <a:p>
+            <a:pPr lvl="3"/>
+            <a:r>
+              <a:rPr lang="en-US" dirty="0"/>
+              <a:t>Ex: education has the following options: ‘high school’, ‘graduated from high school’, and ‘working on high school’. In this case, could ‘high school’ be in the same category as ‘graduated from high school’ or ‘working on high school’?</a:t>
+            </a:r>
+          </a:p>
+          <a:p>
+            <a:pPr lvl="3"/>
+            <a:r>
+              <a:rPr lang="en-US" dirty="0"/>
+              <a:t>Additionally, those who have put in ‘graduated from high school’ but are actually 50+ made it difficult for the model to predict as they are clearly close to retirement age</a:t>
+            </a:r>
+          </a:p>
+          <a:p>
+            <a:pPr lvl="2"/>
+            <a:r>
+              <a:rPr lang="en-US" dirty="0"/>
+              <a:t>While it is theoretically possible to predict age, given education and job; to model it best, we might need duration of how long the user was in school for and how long they have been at their job. </a:t>
+            </a:r>
+          </a:p>
+          <a:p>
+            <a:pPr lvl="2"/>
+            <a:r>
+              <a:rPr lang="en-US" dirty="0"/>
+              <a:t>Perhaps we need to add more variables into the data such as offspring (as most people over the age of 30 are likely to have children)</a:t>
+            </a:r>
+          </a:p>
+          <a:p>
+            <a:pPr lvl="1"/>
+            <a:r>
+              <a:rPr lang="en-US" dirty="0"/>
+              <a:t>We can possibly create additional columns for each option within education and job</a:t>
+            </a:r>
+          </a:p>
+          <a:p>
+            <a:pPr lvl="2"/>
+            <a:r>
+              <a:rPr lang="en-US" dirty="0"/>
+              <a:t>Ex: Graduated from College/University can have a numerical value of 4 (as university graduation typically takes 4 years)</a:t>
+            </a:r>
+          </a:p>
+          <a:p>
+            <a:pPr lvl="2"/>
+            <a:r>
+              <a:rPr lang="en-US" dirty="0"/>
+              <a:t>This requires additional research and some more thought.</a:t>
+            </a:r>
+          </a:p>
+        </p:txBody>
+      </p:sp>
+    </p:spTree>
+    <p:extLst>
+      <p:ext uri="{BB962C8B-B14F-4D97-AF65-F5344CB8AC3E}">
+        <p14:creationId xmlns:p14="http://schemas.microsoft.com/office/powerpoint/2010/main" val="2617830368"/>
+      </p:ext>
+    </p:extLst>
+  </p:cSld>
+  <p:clrMapOvr>
+    <a:masterClrMapping/>
+  </p:clrMapOvr>
+</p:sld>
+</file>
+
+<file path=ppt/slides/slide25.xml><?xml version="1.0" encoding="utf-8"?>
+<p:sld xmlns:a="http://schemas.openxmlformats.org/drawingml/2006/main" xmlns:r="http://schemas.openxmlformats.org/officeDocument/2006/relationships" xmlns:p="http://schemas.openxmlformats.org/presentationml/2006/main">
+  <p:cSld>
+    <p:spTree>
+      <p:nvGrpSpPr>
+        <p:cNvPr id="1" name=""/>
+        <p:cNvGrpSpPr/>
+        <p:nvPr/>
+      </p:nvGrpSpPr>
+      <p:grpSpPr>
+        <a:xfrm>
+          <a:off x="0" y="0"/>
+          <a:ext cx="0" cy="0"/>
+          <a:chOff x="0" y="0"/>
+          <a:chExt cx="0" cy="0"/>
+        </a:xfrm>
+      </p:grpSpPr>
+      <p:sp>
+        <p:nvSpPr>
+          <p:cNvPr id="2" name="Title 1">
+            <a:extLst>
+              <a:ext uri="{FF2B5EF4-FFF2-40B4-BE49-F238E27FC236}">
+                <a16:creationId xmlns:a16="http://schemas.microsoft.com/office/drawing/2014/main" id="{2B1BDF07-F425-6B4C-BBB2-A0481958CDC0}"/>
+              </a:ext>
+            </a:extLst>
+          </p:cNvPr>
+          <p:cNvSpPr>
+            <a:spLocks noGrp="1"/>
+          </p:cNvSpPr>
+          <p:nvPr>
+            <p:ph type="title"/>
+          </p:nvPr>
+        </p:nvSpPr>
+        <p:spPr/>
+        <p:txBody>
+          <a:bodyPr/>
+          <a:lstStyle/>
+          <a:p>
+            <a:pPr algn="ctr"/>
+            <a:r>
+              <a:rPr lang="en-US" dirty="0"/>
+              <a:t>Next Steps</a:t>
+            </a:r>
+          </a:p>
+        </p:txBody>
+      </p:sp>
+      <p:sp>
+        <p:nvSpPr>
+          <p:cNvPr id="3" name="Content Placeholder 2">
+            <a:extLst>
+              <a:ext uri="{FF2B5EF4-FFF2-40B4-BE49-F238E27FC236}">
+                <a16:creationId xmlns:a16="http://schemas.microsoft.com/office/drawing/2014/main" id="{166776D4-105C-9F49-A8DC-79830E13CA35}"/>
+              </a:ext>
+            </a:extLst>
+          </p:cNvPr>
+          <p:cNvSpPr>
+            <a:spLocks noGrp="1"/>
+          </p:cNvSpPr>
+          <p:nvPr>
+            <p:ph idx="1"/>
+          </p:nvPr>
+        </p:nvSpPr>
+        <p:spPr/>
+        <p:txBody>
+          <a:bodyPr>
+            <a:normAutofit/>
+          </a:bodyPr>
+          <a:lstStyle/>
+          <a:p>
+            <a:r>
+              <a:rPr lang="en-US" dirty="0"/>
+              <a:t>Question:</a:t>
+            </a:r>
+          </a:p>
+          <a:p>
+            <a:pPr lvl="1"/>
+            <a:r>
+              <a:rPr lang="en-US" dirty="0"/>
+              <a:t>Since job and location data seem to have better user inputs, perhaps I can predict which city (or state) has what kind of jobs</a:t>
+            </a:r>
+          </a:p>
+          <a:p>
+            <a:pPr lvl="2"/>
+            <a:r>
+              <a:rPr lang="en-US" dirty="0"/>
+              <a:t>Ex: predict if tech-related jobs are in San Francisco</a:t>
+            </a:r>
+          </a:p>
+          <a:p>
+            <a:pPr lvl="2"/>
+            <a:r>
+              <a:rPr lang="en-US" dirty="0"/>
+              <a:t>Ex: predict if entertainment jobs are in Los Angeles</a:t>
+            </a:r>
+          </a:p>
+          <a:p>
+            <a:pPr lvl="1"/>
+            <a:r>
+              <a:rPr lang="en-US" dirty="0"/>
+              <a:t>Could also predict age with offspring added as a variable</a:t>
+            </a:r>
+          </a:p>
+          <a:p>
+            <a:r>
+              <a:rPr lang="en-US" dirty="0"/>
+              <a:t>Next Step:</a:t>
+            </a:r>
+          </a:p>
+          <a:p>
+            <a:pPr lvl="1"/>
+            <a:r>
+              <a:rPr lang="en-US" dirty="0"/>
+              <a:t>I will try to create a ‘state’ column for each user and see if I can predict their job type (tech-related, entertainment, etc.) based on location or vice versa</a:t>
+            </a:r>
+          </a:p>
+          <a:p>
+            <a:pPr lvl="1"/>
+            <a:r>
+              <a:rPr lang="en-US" dirty="0"/>
+              <a:t>Will try to map offspring data and add it as a variable</a:t>
+            </a:r>
+          </a:p>
+        </p:txBody>
+      </p:sp>
+    </p:spTree>
+    <p:extLst>
+      <p:ext uri="{BB962C8B-B14F-4D97-AF65-F5344CB8AC3E}">
+        <p14:creationId xmlns:p14="http://schemas.microsoft.com/office/powerpoint/2010/main" val="3472756611"/>
+      </p:ext>
+    </p:extLst>
+  </p:cSld>
+  <p:clrMapOvr>
+    <a:masterClrMapping/>
+  </p:clrMapOvr>
+</p:sld>
+</file>
+
+<file path=ppt/slides/slide3.xml><?xml version="1.0" encoding="utf-8"?>
+<p:sld xmlns:a="http://schemas.openxmlformats.org/drawingml/2006/main" xmlns:r="http://schemas.openxmlformats.org/officeDocument/2006/relationships" xmlns:p="http://schemas.openxmlformats.org/presentationml/2006/main">
+  <p:cSld>
+    <p:spTree>
+      <p:nvGrpSpPr>
+        <p:cNvPr id="1" name=""/>
+        <p:cNvGrpSpPr/>
+        <p:nvPr/>
+      </p:nvGrpSpPr>
+      <p:grpSpPr>
+        <a:xfrm>
+          <a:off x="0" y="0"/>
+          <a:ext cx="0" cy="0"/>
+          <a:chOff x="0" y="0"/>
+          <a:chExt cx="0" cy="0"/>
+        </a:xfrm>
+      </p:grpSpPr>
+      <p:sp>
+        <p:nvSpPr>
+          <p:cNvPr id="2" name="Title 1">
+            <a:extLst>
+              <a:ext uri="{FF2B5EF4-FFF2-40B4-BE49-F238E27FC236}">
+                <a16:creationId xmlns:a16="http://schemas.microsoft.com/office/drawing/2014/main" id="{456F2B3B-E024-C542-BB86-DA67EE0501BB}"/>
+              </a:ext>
+            </a:extLst>
+          </p:cNvPr>
+          <p:cNvSpPr>
+            <a:spLocks noGrp="1"/>
+          </p:cNvSpPr>
+          <p:nvPr>
+            <p:ph type="title"/>
+          </p:nvPr>
+        </p:nvSpPr>
+        <p:spPr/>
+        <p:txBody>
+          <a:bodyPr/>
+          <a:lstStyle/>
+          <a:p>
+            <a:pPr algn="ctr"/>
+            <a:r>
+              <a:rPr lang="en-US" dirty="0"/>
+              <a:t>Exploration of Dataset</a:t>
+            </a:r>
+          </a:p>
+        </p:txBody>
+      </p:sp>
+      <p:sp>
+        <p:nvSpPr>
+          <p:cNvPr id="3" name="Content Placeholder 2">
+            <a:extLst>
+              <a:ext uri="{FF2B5EF4-FFF2-40B4-BE49-F238E27FC236}">
+                <a16:creationId xmlns:a16="http://schemas.microsoft.com/office/drawing/2014/main" id="{99E7F9B9-61C6-034E-9AE0-2943CE5D05E9}"/>
+              </a:ext>
+            </a:extLst>
+          </p:cNvPr>
+          <p:cNvSpPr>
+            <a:spLocks noGrp="1"/>
+          </p:cNvSpPr>
+          <p:nvPr>
+            <p:ph idx="1"/>
+          </p:nvPr>
+        </p:nvSpPr>
+        <p:spPr>
+          <a:xfrm>
+            <a:off x="3582649" y="864108"/>
+            <a:ext cx="8109679" cy="5120640"/>
+          </a:xfrm>
+        </p:spPr>
+        <p:txBody>
+          <a:bodyPr>
+            <a:normAutofit/>
+          </a:bodyPr>
+          <a:lstStyle/>
+          <a:p>
+            <a:r>
+              <a:rPr lang="en-US" sz="2800" dirty="0"/>
+              <a:t>To explore the dataset:</a:t>
+            </a:r>
+          </a:p>
+          <a:p>
+            <a:pPr lvl="1"/>
+            <a:r>
+              <a:rPr lang="en-US" sz="2000" dirty="0"/>
+              <a:t>Plotted histograms for Height, Age, and Income to see frequency of data</a:t>
+            </a:r>
+          </a:p>
+          <a:p>
+            <a:pPr lvl="1"/>
+            <a:r>
+              <a:rPr lang="en-US" sz="2000" dirty="0"/>
+              <a:t>Looked at the different variety of data within each column of dataset</a:t>
+            </a:r>
+          </a:p>
+          <a:p>
+            <a:pPr lvl="2"/>
+            <a:r>
+              <a:rPr lang="en-US" sz="2000" dirty="0"/>
+              <a:t>Ex: Location had more varying data as compared to education</a:t>
+            </a:r>
+          </a:p>
+          <a:p>
+            <a:pPr lvl="2"/>
+            <a:r>
+              <a:rPr lang="en-US" sz="2000" dirty="0"/>
+              <a:t>Both education and job inputs were filled by majority of users</a:t>
+            </a:r>
+          </a:p>
+          <a:p>
+            <a:pPr lvl="2"/>
+            <a:r>
+              <a:rPr lang="en-US" sz="2000" dirty="0"/>
+              <a:t>Income did not have inputs from users</a:t>
+            </a:r>
+          </a:p>
+        </p:txBody>
+      </p:sp>
+    </p:spTree>
+    <p:extLst>
+      <p:ext uri="{BB962C8B-B14F-4D97-AF65-F5344CB8AC3E}">
+        <p14:creationId xmlns:p14="http://schemas.microsoft.com/office/powerpoint/2010/main" val="298336192"/>
+      </p:ext>
+    </p:extLst>
+  </p:cSld>
+  <p:clrMapOvr>
+    <a:masterClrMapping/>
+  </p:clrMapOvr>
+</p:sld>
+</file>
+
+<file path=ppt/slides/slide4.xml><?xml version="1.0" encoding="utf-8"?>
+<p:sld xmlns:a="http://schemas.openxmlformats.org/drawingml/2006/main" xmlns:r="http://schemas.openxmlformats.org/officeDocument/2006/relationships" xmlns:p="http://schemas.openxmlformats.org/presentationml/2006/main">
+  <p:cSld>
+    <p:bg>
+      <p:bgPr>
+        <a:solidFill>
+          <a:schemeClr val="bg1"/>
+        </a:solidFill>
+        <a:effectLst/>
+      </p:bgPr>
+    </p:bg>
+    <p:spTree>
+      <p:nvGrpSpPr>
+        <p:cNvPr id="1" name=""/>
+        <p:cNvGrpSpPr/>
+        <p:nvPr/>
+      </p:nvGrpSpPr>
+      <p:grpSpPr>
+        <a:xfrm>
+          <a:off x="0" y="0"/>
+          <a:ext cx="0" cy="0"/>
+          <a:chOff x="0" y="0"/>
+          <a:chExt cx="0" cy="0"/>
+        </a:xfrm>
+      </p:grpSpPr>
+      <p:sp>
+        <p:nvSpPr>
+          <p:cNvPr id="31" name="Rectangle 30">
+            <a:extLst>
+              <a:ext uri="{FF2B5EF4-FFF2-40B4-BE49-F238E27FC236}">
+                <a16:creationId xmlns:a16="http://schemas.microsoft.com/office/drawing/2014/main" id="{64C9EE1D-12BB-43F7-9A2A-893578DCA63A}"/>
+              </a:ext>
+              <a:ext uri="{C183D7F6-B498-43B3-948B-1728B52AA6E4}">
+                <adec:decorative xmlns:adec="http://schemas.microsoft.com/office/drawing/2017/decorative" val="1"/>
+              </a:ext>
+            </a:extLst>
+          </p:cNvPr>
+          <p:cNvSpPr>
+            <a:spLocks noGrp="1" noRot="1" noChangeAspect="1" noMove="1" noResize="1" noEditPoints="1" noAdjustHandles="1" noChangeArrowheads="1" noChangeShapeType="1" noTextEdit="1"/>
+          </p:cNvSpPr>
+          <p:nvPr>
+            <p:extLst>
+              <p:ext uri="{386F3935-93C4-4BCD-93E2-E3B085C9AB24}">
+                <p16:designElem xmlns:p16="http://schemas.microsoft.com/office/powerpoint/2015/main" val="1"/>
+              </p:ext>
+            </p:extLst>
+          </p:nvPr>
+        </p:nvSpPr>
+        <p:spPr>
+          <a:xfrm>
+            <a:off x="0" y="761999"/>
+            <a:ext cx="9141619" cy="5334001"/>
+          </a:xfrm>
+          <a:prstGeom prst="rect">
+            <a:avLst/>
+          </a:prstGeom>
+          <a:solidFill>
+            <a:schemeClr val="accent1"/>
+          </a:solidFill>
+          <a:ln>
+            <a:noFill/>
+          </a:ln>
+        </p:spPr>
+        <p:style>
+          <a:lnRef idx="2">
+            <a:schemeClr val="accent1">
+              <a:shade val="50000"/>
+            </a:schemeClr>
+          </a:lnRef>
+          <a:fillRef idx="1">
+            <a:schemeClr val="accent1"/>
+          </a:fillRef>
+          <a:effectRef idx="0">
+            <a:schemeClr val="accent1"/>
+          </a:effectRef>
+          <a:fontRef idx="minor">
+            <a:schemeClr val="lt1"/>
+          </a:fontRef>
+        </p:style>
+      </p:sp>
+      <p:sp>
+        <p:nvSpPr>
+          <p:cNvPr id="33" name="Rectangle 32">
+            <a:extLst>
+              <a:ext uri="{FF2B5EF4-FFF2-40B4-BE49-F238E27FC236}">
+                <a16:creationId xmlns:a16="http://schemas.microsoft.com/office/drawing/2014/main" id="{43962A31-C54E-4762-B155-59777FED1C75}"/>
+              </a:ext>
+              <a:ext uri="{C183D7F6-B498-43B3-948B-1728B52AA6E4}">
+                <adec:decorative xmlns:adec="http://schemas.microsoft.com/office/drawing/2017/decorative" val="1"/>
+              </a:ext>
+            </a:extLst>
+          </p:cNvPr>
+          <p:cNvSpPr>
+            <a:spLocks noGrp="1" noRot="1" noChangeAspect="1" noMove="1" noResize="1" noEditPoints="1" noAdjustHandles="1" noChangeArrowheads="1" noChangeShapeType="1" noTextEdit="1"/>
+          </p:cNvSpPr>
+          <p:nvPr>
+            <p:extLst>
+              <p:ext uri="{386F3935-93C4-4BCD-93E2-E3B085C9AB24}">
+                <p16:designElem xmlns:p16="http://schemas.microsoft.com/office/powerpoint/2015/main" val="1"/>
+              </p:ext>
+            </p:extLst>
+          </p:nvPr>
+        </p:nvSpPr>
+        <p:spPr>
+          <a:xfrm>
+            <a:off x="9270263" y="761999"/>
+            <a:ext cx="2925318" cy="5334001"/>
+          </a:xfrm>
+          <a:prstGeom prst="rect">
+            <a:avLst/>
+          </a:prstGeom>
+          <a:solidFill>
+            <a:srgbClr val="C8C8C8">
+              <a:alpha val="49804"/>
+            </a:srgbClr>
+          </a:solidFill>
+          <a:ln>
+            <a:noFill/>
+          </a:ln>
+        </p:spPr>
+        <p:style>
+          <a:lnRef idx="2">
+            <a:schemeClr val="accent1">
+              <a:shade val="50000"/>
+            </a:schemeClr>
+          </a:lnRef>
+          <a:fillRef idx="1">
+            <a:schemeClr val="accent1"/>
+          </a:fillRef>
+          <a:effectRef idx="0">
+            <a:schemeClr val="accent1"/>
+          </a:effectRef>
+          <a:fontRef idx="minor">
+            <a:schemeClr val="lt1"/>
+          </a:fontRef>
+        </p:style>
+      </p:sp>
+      <p:sp useBgFill="1">
+        <p:nvSpPr>
+          <p:cNvPr id="35" name="Rectangle 34">
+            <a:extLst>
+              <a:ext uri="{FF2B5EF4-FFF2-40B4-BE49-F238E27FC236}">
+                <a16:creationId xmlns:a16="http://schemas.microsoft.com/office/drawing/2014/main" id="{6B086509-1281-468A-AAAC-1BBEDAE75736}"/>
+              </a:ext>
+              <a:ext uri="{C183D7F6-B498-43B3-948B-1728B52AA6E4}">
+                <adec:decorative xmlns:adec="http://schemas.microsoft.com/office/drawing/2017/decorative" val="1"/>
+              </a:ext>
+            </a:extLst>
+          </p:cNvPr>
+          <p:cNvSpPr>
+            <a:spLocks noGrp="1" noRot="1" noChangeAspect="1" noMove="1" noResize="1" noEditPoints="1" noAdjustHandles="1" noChangeArrowheads="1" noChangeShapeType="1" noTextEdit="1"/>
+          </p:cNvSpPr>
+          <p:nvPr>
+            <p:extLst>
+              <p:ext uri="{386F3935-93C4-4BCD-93E2-E3B085C9AB24}">
+                <p16:designElem xmlns:p16="http://schemas.microsoft.com/office/powerpoint/2015/main" val="1"/>
+              </p:ext>
+            </p:extLst>
+          </p:nvPr>
+        </p:nvSpPr>
+        <p:spPr>
+          <a:xfrm>
+            <a:off x="0" y="0"/>
+            <a:ext cx="12191999" cy="6858000"/>
+          </a:xfrm>
+          <a:prstGeom prst="rect">
+            <a:avLst/>
+          </a:prstGeom>
+          <a:ln>
+            <a:noFill/>
+          </a:ln>
+        </p:spPr>
+        <p:style>
+          <a:lnRef idx="2">
+            <a:schemeClr val="accent1">
+              <a:shade val="50000"/>
+            </a:schemeClr>
+          </a:lnRef>
+          <a:fillRef idx="1">
+            <a:schemeClr val="accent1"/>
+          </a:fillRef>
+          <a:effectRef idx="0">
+            <a:schemeClr val="accent1"/>
+          </a:effectRef>
+          <a:fontRef idx="minor">
+            <a:schemeClr val="lt1"/>
+          </a:fontRef>
+        </p:style>
+        <p:txBody>
+          <a:bodyPr rtlCol="0" anchor="ctr"/>
+          <a:lstStyle/>
+          <a:p>
+            <a:pPr algn="ctr"/>
+            <a:endParaRPr lang="en-US"/>
+          </a:p>
+        </p:txBody>
+      </p:sp>
+      <p:sp>
+        <p:nvSpPr>
+          <p:cNvPr id="37" name="Rectangle 36">
+            <a:extLst>
+              <a:ext uri="{FF2B5EF4-FFF2-40B4-BE49-F238E27FC236}">
+                <a16:creationId xmlns:a16="http://schemas.microsoft.com/office/drawing/2014/main" id="{EEA73850-2107-4E65-85FE-EDD3F45FCDA2}"/>
+              </a:ext>
+              <a:ext uri="{C183D7F6-B498-43B3-948B-1728B52AA6E4}">
+                <adec:decorative xmlns:adec="http://schemas.microsoft.com/office/drawing/2017/decorative" val="1"/>
+              </a:ext>
+            </a:extLst>
+          </p:cNvPr>
+          <p:cNvSpPr>
+            <a:spLocks noGrp="1" noRot="1" noChangeAspect="1" noMove="1" noResize="1" noEditPoints="1" noAdjustHandles="1" noChangeArrowheads="1" noChangeShapeType="1" noTextEdit="1"/>
+          </p:cNvSpPr>
+          <p:nvPr>
+            <p:extLst>
+              <p:ext uri="{386F3935-93C4-4BCD-93E2-E3B085C9AB24}">
+                <p16:designElem xmlns:p16="http://schemas.microsoft.com/office/powerpoint/2015/main" val="1"/>
+              </p:ext>
+            </p:extLst>
+          </p:nvPr>
+        </p:nvSpPr>
+        <p:spPr>
+          <a:xfrm>
+            <a:off x="1" y="1300114"/>
+            <a:ext cx="4053525" cy="4257773"/>
+          </a:xfrm>
+          <a:prstGeom prst="rect">
+            <a:avLst/>
+          </a:prstGeom>
+          <a:solidFill>
+            <a:schemeClr val="accent1"/>
+          </a:solidFill>
+          <a:ln>
+            <a:noFill/>
+          </a:ln>
+        </p:spPr>
+        <p:style>
+          <a:lnRef idx="2">
+            <a:schemeClr val="accent1">
+              <a:shade val="50000"/>
+            </a:schemeClr>
+          </a:lnRef>
+          <a:fillRef idx="1">
+            <a:schemeClr val="accent1"/>
+          </a:fillRef>
+          <a:effectRef idx="0">
+            <a:schemeClr val="accent1"/>
+          </a:effectRef>
+          <a:fontRef idx="minor">
+            <a:schemeClr val="lt1"/>
+          </a:fontRef>
+        </p:style>
+      </p:sp>
+      <p:sp>
+        <p:nvSpPr>
+          <p:cNvPr id="2" name="Title 1">
+            <a:extLst>
+              <a:ext uri="{FF2B5EF4-FFF2-40B4-BE49-F238E27FC236}">
+                <a16:creationId xmlns:a16="http://schemas.microsoft.com/office/drawing/2014/main" id="{5CB351AD-3BA6-924D-BB5F-AB12BA07B155}"/>
+              </a:ext>
+            </a:extLst>
+          </p:cNvPr>
+          <p:cNvSpPr>
+            <a:spLocks noGrp="1"/>
+          </p:cNvSpPr>
+          <p:nvPr>
+            <p:ph type="title"/>
+          </p:nvPr>
+        </p:nvSpPr>
+        <p:spPr>
+          <a:xfrm>
+            <a:off x="334557" y="1653703"/>
+            <a:ext cx="3361953" cy="3605628"/>
+          </a:xfrm>
+        </p:spPr>
+        <p:txBody>
+          <a:bodyPr vert="horz" lIns="91440" tIns="45720" rIns="91440" bIns="45720" rtlCol="0" anchor="ctr">
+            <a:normAutofit/>
+          </a:bodyPr>
+          <a:lstStyle/>
+          <a:p>
+            <a:pPr algn="ctr"/>
+            <a:r>
+              <a:rPr lang="en-US" sz="4400" spc="-100" dirty="0"/>
+              <a:t>Value Counts: Education &amp; Jobs</a:t>
+            </a:r>
+          </a:p>
+        </p:txBody>
+      </p:sp>
+      <p:pic>
+        <p:nvPicPr>
+          <p:cNvPr id="5" name="Content Placeholder 4">
+            <a:extLst>
+              <a:ext uri="{FF2B5EF4-FFF2-40B4-BE49-F238E27FC236}">
+                <a16:creationId xmlns:a16="http://schemas.microsoft.com/office/drawing/2014/main" id="{2F13402F-0972-BF49-8075-DD50B6B03F12}"/>
+              </a:ext>
+            </a:extLst>
+          </p:cNvPr>
+          <p:cNvPicPr>
+            <a:picLocks noGrp="1" noChangeAspect="1"/>
+          </p:cNvPicPr>
+          <p:nvPr>
+            <p:ph idx="1"/>
+          </p:nvPr>
+        </p:nvPicPr>
+        <p:blipFill>
+          <a:blip r:embed="rId2"/>
+          <a:stretch>
+            <a:fillRect/>
+          </a:stretch>
+        </p:blipFill>
+        <p:spPr>
+          <a:xfrm>
+            <a:off x="4859173" y="1300113"/>
+            <a:ext cx="2748403" cy="4257773"/>
+          </a:xfrm>
+          <a:prstGeom prst="rect">
+            <a:avLst/>
+          </a:prstGeom>
+        </p:spPr>
+      </p:pic>
+      <p:pic>
+        <p:nvPicPr>
+          <p:cNvPr id="9" name="Picture 8">
+            <a:extLst>
+              <a:ext uri="{FF2B5EF4-FFF2-40B4-BE49-F238E27FC236}">
+                <a16:creationId xmlns:a16="http://schemas.microsoft.com/office/drawing/2014/main" id="{657160E5-45C0-DC4D-AFAF-477B882F5739}"/>
+              </a:ext>
+            </a:extLst>
+          </p:cNvPr>
+          <p:cNvPicPr>
+            <a:picLocks noChangeAspect="1"/>
+          </p:cNvPicPr>
+          <p:nvPr/>
+        </p:nvPicPr>
+        <p:blipFill>
+          <a:blip r:embed="rId3"/>
+          <a:stretch>
+            <a:fillRect/>
+          </a:stretch>
+        </p:blipFill>
+        <p:spPr>
+          <a:xfrm>
+            <a:off x="8271399" y="1598667"/>
+            <a:ext cx="3435969" cy="3660664"/>
+          </a:xfrm>
+          <a:prstGeom prst="rect">
+            <a:avLst/>
+          </a:prstGeom>
+        </p:spPr>
+      </p:pic>
+    </p:spTree>
+    <p:extLst>
+      <p:ext uri="{BB962C8B-B14F-4D97-AF65-F5344CB8AC3E}">
+        <p14:creationId xmlns:p14="http://schemas.microsoft.com/office/powerpoint/2010/main" val="3022251401"/>
+      </p:ext>
+    </p:extLst>
+  </p:cSld>
+  <p:clrMapOvr>
+    <a:masterClrMapping/>
+  </p:clrMapOvr>
+</p:sld>
+</file>
+
+<file path=ppt/slides/slide5.xml><?xml version="1.0" encoding="utf-8"?>
+<p:sld xmlns:a="http://schemas.openxmlformats.org/drawingml/2006/main" xmlns:r="http://schemas.openxmlformats.org/officeDocument/2006/relationships" xmlns:p="http://schemas.openxmlformats.org/presentationml/2006/main">
+  <p:cSld>
+    <p:bg>
+      <p:bgPr>
+        <a:solidFill>
+          <a:schemeClr val="bg1"/>
+        </a:solidFill>
+        <a:effectLst/>
+      </p:bgPr>
+    </p:bg>
+    <p:spTree>
+      <p:nvGrpSpPr>
+        <p:cNvPr id="1" name=""/>
+        <p:cNvGrpSpPr/>
+        <p:nvPr/>
+      </p:nvGrpSpPr>
+      <p:grpSpPr>
+        <a:xfrm>
+          <a:off x="0" y="0"/>
+          <a:ext cx="0" cy="0"/>
+          <a:chOff x="0" y="0"/>
+          <a:chExt cx="0" cy="0"/>
+        </a:xfrm>
+      </p:grpSpPr>
+      <p:sp>
+        <p:nvSpPr>
+          <p:cNvPr id="2" name="Title 1">
+            <a:extLst>
+              <a:ext uri="{FF2B5EF4-FFF2-40B4-BE49-F238E27FC236}">
+                <a16:creationId xmlns:a16="http://schemas.microsoft.com/office/drawing/2014/main" id="{320D5865-BE06-FD42-8BFE-81E206A22496}"/>
+              </a:ext>
+            </a:extLst>
+          </p:cNvPr>
+          <p:cNvSpPr>
+            <a:spLocks noGrp="1"/>
+          </p:cNvSpPr>
+          <p:nvPr>
+            <p:ph type="title"/>
+          </p:nvPr>
+        </p:nvSpPr>
+        <p:spPr>
+          <a:xfrm>
+            <a:off x="252919" y="868101"/>
+            <a:ext cx="2947482" cy="900738"/>
+          </a:xfrm>
+        </p:spPr>
+        <p:txBody>
+          <a:bodyPr anchor="ctr">
+            <a:normAutofit/>
+          </a:bodyPr>
+          <a:lstStyle/>
+          <a:p>
+            <a:pPr algn="ctr"/>
+            <a:r>
+              <a:rPr lang="en-US" sz="2800" b="1" dirty="0"/>
+              <a:t>Height Frequency</a:t>
+            </a:r>
+          </a:p>
+        </p:txBody>
+      </p:sp>
+      <p:sp>
+        <p:nvSpPr>
+          <p:cNvPr id="10" name="Content Placeholder 9">
+            <a:extLst>
+              <a:ext uri="{FF2B5EF4-FFF2-40B4-BE49-F238E27FC236}">
+                <a16:creationId xmlns:a16="http://schemas.microsoft.com/office/drawing/2014/main" id="{25BDD17F-A80A-4568-9F14-A7DEC1485008}"/>
+              </a:ext>
+            </a:extLst>
+          </p:cNvPr>
+          <p:cNvSpPr>
+            <a:spLocks noGrp="1"/>
+          </p:cNvSpPr>
+          <p:nvPr>
+            <p:ph idx="1"/>
+          </p:nvPr>
+        </p:nvSpPr>
+        <p:spPr>
+          <a:xfrm>
+            <a:off x="252920" y="1768839"/>
+            <a:ext cx="2947482" cy="4137439"/>
+          </a:xfrm>
+        </p:spPr>
+        <p:txBody>
+          <a:bodyPr anchor="t">
+            <a:normAutofit/>
+          </a:bodyPr>
+          <a:lstStyle/>
+          <a:p>
+            <a:pPr>
+              <a:buClr>
+                <a:schemeClr val="bg1"/>
+              </a:buClr>
+            </a:pPr>
+            <a:r>
+              <a:rPr lang="en-US" sz="2400" dirty="0">
+                <a:solidFill>
+                  <a:schemeClr val="bg1"/>
+                </a:solidFill>
+              </a:rPr>
+              <a:t>Majority of height is  clustered between 60 inches to about 78 inches.</a:t>
+            </a:r>
+          </a:p>
+          <a:p>
+            <a:pPr>
+              <a:buClr>
+                <a:schemeClr val="bg1"/>
+              </a:buClr>
+            </a:pPr>
+            <a:endParaRPr lang="en-US" sz="2400" dirty="0">
+              <a:solidFill>
+                <a:schemeClr val="bg1"/>
+              </a:solidFill>
+            </a:endParaRPr>
+          </a:p>
+          <a:p>
+            <a:pPr>
+              <a:buClr>
+                <a:schemeClr val="bg1"/>
+              </a:buClr>
+            </a:pPr>
+            <a:endParaRPr lang="en-US" sz="2400" dirty="0">
+              <a:solidFill>
+                <a:schemeClr val="bg1"/>
+              </a:solidFill>
+            </a:endParaRPr>
+          </a:p>
+          <a:p>
+            <a:pPr marL="0" indent="0">
+              <a:buClr>
+                <a:schemeClr val="bg1"/>
+              </a:buClr>
+              <a:buNone/>
+            </a:pPr>
+            <a:r>
+              <a:rPr lang="en-US" dirty="0">
+                <a:solidFill>
+                  <a:schemeClr val="bg1"/>
+                </a:solidFill>
+              </a:rPr>
+              <a:t>(All histograms created by extracting desired column from .</a:t>
+            </a:r>
+            <a:r>
+              <a:rPr lang="en-US" dirty="0" err="1">
+                <a:solidFill>
+                  <a:schemeClr val="bg1"/>
+                </a:solidFill>
+              </a:rPr>
+              <a:t>cvs</a:t>
+            </a:r>
+            <a:r>
+              <a:rPr lang="en-US" dirty="0">
+                <a:solidFill>
+                  <a:schemeClr val="bg1"/>
+                </a:solidFill>
+              </a:rPr>
+              <a:t> file and selecting histogram as type of graph)</a:t>
+            </a:r>
+          </a:p>
+        </p:txBody>
+      </p:sp>
+      <p:pic>
+        <p:nvPicPr>
+          <p:cNvPr id="8" name="Content Placeholder 4">
+            <a:extLst>
+              <a:ext uri="{FF2B5EF4-FFF2-40B4-BE49-F238E27FC236}">
+                <a16:creationId xmlns:a16="http://schemas.microsoft.com/office/drawing/2014/main" id="{50E6459C-AA9C-2C42-ABD6-42DE3C2BE542}"/>
+              </a:ext>
+            </a:extLst>
+          </p:cNvPr>
+          <p:cNvPicPr>
+            <a:picLocks noChangeAspect="1"/>
+          </p:cNvPicPr>
+          <p:nvPr/>
+        </p:nvPicPr>
+        <p:blipFill>
+          <a:blip r:embed="rId2"/>
+          <a:stretch>
+            <a:fillRect/>
+          </a:stretch>
+        </p:blipFill>
+        <p:spPr>
+          <a:xfrm>
+            <a:off x="4010916" y="868100"/>
+            <a:ext cx="7308362" cy="5104836"/>
+          </a:xfrm>
+          <a:prstGeom prst="rect">
+            <a:avLst/>
+          </a:prstGeom>
+        </p:spPr>
+      </p:pic>
+    </p:spTree>
+    <p:extLst>
+      <p:ext uri="{BB962C8B-B14F-4D97-AF65-F5344CB8AC3E}">
+        <p14:creationId xmlns:p14="http://schemas.microsoft.com/office/powerpoint/2010/main" val="3457511848"/>
+      </p:ext>
+    </p:extLst>
+  </p:cSld>
+  <p:clrMapOvr>
+    <a:masterClrMapping/>
+  </p:clrMapOvr>
+</p:sld>
+</file>
+
+<file path=ppt/slides/slide6.xml><?xml version="1.0" encoding="utf-8"?>
+<p:sld xmlns:a="http://schemas.openxmlformats.org/drawingml/2006/main" xmlns:r="http://schemas.openxmlformats.org/officeDocument/2006/relationships" xmlns:p="http://schemas.openxmlformats.org/presentationml/2006/main">
+  <p:cSld>
+    <p:bg>
+      <p:bgPr>
+        <a:solidFill>
+          <a:schemeClr val="bg1"/>
+        </a:solidFill>
+        <a:effectLst/>
+      </p:bgPr>
+    </p:bg>
+    <p:spTree>
+      <p:nvGrpSpPr>
+        <p:cNvPr id="1" name=""/>
+        <p:cNvGrpSpPr/>
+        <p:nvPr/>
+      </p:nvGrpSpPr>
+      <p:grpSpPr>
+        <a:xfrm>
+          <a:off x="0" y="0"/>
+          <a:ext cx="0" cy="0"/>
+          <a:chOff x="0" y="0"/>
+          <a:chExt cx="0" cy="0"/>
+        </a:xfrm>
+      </p:grpSpPr>
+      <p:sp useBgFill="1">
+        <p:nvSpPr>
+          <p:cNvPr id="24" name="Rectangle 23">
+            <a:extLst>
+              <a:ext uri="{FF2B5EF4-FFF2-40B4-BE49-F238E27FC236}">
+                <a16:creationId xmlns:a16="http://schemas.microsoft.com/office/drawing/2014/main" id="{A1DFCBE5-52C1-48A9-89CF-E7D68CCA1620}"/>
+              </a:ext>
+              <a:ext uri="{C183D7F6-B498-43B3-948B-1728B52AA6E4}">
+                <adec:decorative xmlns:adec="http://schemas.microsoft.com/office/drawing/2017/decorative" val="1"/>
+              </a:ext>
+            </a:extLst>
+          </p:cNvPr>
+          <p:cNvSpPr>
+            <a:spLocks noGrp="1" noRot="1" noChangeAspect="1" noMove="1" noResize="1" noEditPoints="1" noAdjustHandles="1" noChangeArrowheads="1" noChangeShapeType="1" noTextEdit="1"/>
+          </p:cNvSpPr>
+          <p:nvPr>
+            <p:extLst>
+              <p:ext uri="{386F3935-93C4-4BCD-93E2-E3B085C9AB24}">
+                <p16:designElem xmlns:p16="http://schemas.microsoft.com/office/powerpoint/2015/main" val="1"/>
+              </p:ext>
+            </p:extLst>
+          </p:nvPr>
+        </p:nvSpPr>
+        <p:spPr>
+          <a:xfrm>
+            <a:off x="0" y="0"/>
+            <a:ext cx="12188952" cy="6858000"/>
+          </a:xfrm>
+          <a:prstGeom prst="rect">
+            <a:avLst/>
+          </a:prstGeom>
+          <a:ln>
+            <a:noFill/>
+          </a:ln>
+        </p:spPr>
+        <p:style>
+          <a:lnRef idx="2">
+            <a:schemeClr val="accent1">
+              <a:shade val="50000"/>
+            </a:schemeClr>
+          </a:lnRef>
+          <a:fillRef idx="1">
+            <a:schemeClr val="accent1"/>
+          </a:fillRef>
+          <a:effectRef idx="0">
+            <a:schemeClr val="accent1"/>
+          </a:effectRef>
+          <a:fontRef idx="minor">
+            <a:schemeClr val="lt1"/>
+          </a:fontRef>
+        </p:style>
+        <p:txBody>
+          <a:bodyPr rtlCol="0" anchor="ctr"/>
+          <a:lstStyle/>
+          <a:p>
+            <a:pPr algn="ctr"/>
+            <a:endParaRPr lang="en-US"/>
+          </a:p>
+        </p:txBody>
+      </p:sp>
+      <p:sp>
+        <p:nvSpPr>
+          <p:cNvPr id="26" name="Rectangle 25">
+            <a:extLst>
+              <a:ext uri="{FF2B5EF4-FFF2-40B4-BE49-F238E27FC236}">
+                <a16:creationId xmlns:a16="http://schemas.microsoft.com/office/drawing/2014/main" id="{EB17C8F6-D357-4254-BBAC-96B01EEBE162}"/>
+              </a:ext>
+              <a:ext uri="{C183D7F6-B498-43B3-948B-1728B52AA6E4}">
+                <adec:decorative xmlns:adec="http://schemas.microsoft.com/office/drawing/2017/decorative" val="1"/>
+              </a:ext>
+            </a:extLst>
+          </p:cNvPr>
+          <p:cNvSpPr>
+            <a:spLocks noGrp="1" noRot="1" noChangeAspect="1" noMove="1" noResize="1" noEditPoints="1" noAdjustHandles="1" noChangeArrowheads="1" noChangeShapeType="1" noTextEdit="1"/>
+          </p:cNvSpPr>
+          <p:nvPr>
+            <p:extLst>
+              <p:ext uri="{386F3935-93C4-4BCD-93E2-E3B085C9AB24}">
+                <p16:designElem xmlns:p16="http://schemas.microsoft.com/office/powerpoint/2015/main" val="1"/>
+              </p:ext>
+            </p:extLst>
+          </p:nvPr>
+        </p:nvSpPr>
+        <p:spPr>
+          <a:xfrm>
+            <a:off x="0" y="3647203"/>
+            <a:ext cx="11707367" cy="2572622"/>
+          </a:xfrm>
+          <a:prstGeom prst="rect">
+            <a:avLst/>
+          </a:prstGeom>
+          <a:solidFill>
+            <a:schemeClr val="accent1"/>
+          </a:solidFill>
+          <a:ln>
+            <a:noFill/>
+          </a:ln>
+        </p:spPr>
+        <p:style>
+          <a:lnRef idx="2">
+            <a:schemeClr val="accent1">
+              <a:shade val="50000"/>
+            </a:schemeClr>
+          </a:lnRef>
+          <a:fillRef idx="1">
+            <a:schemeClr val="accent1"/>
+          </a:fillRef>
+          <a:effectRef idx="0">
+            <a:schemeClr val="accent1"/>
+          </a:effectRef>
+          <a:fontRef idx="minor">
+            <a:schemeClr val="lt1"/>
+          </a:fontRef>
+        </p:style>
+      </p:sp>
+      <p:sp>
+        <p:nvSpPr>
+          <p:cNvPr id="2" name="Title 1">
+            <a:extLst>
+              <a:ext uri="{FF2B5EF4-FFF2-40B4-BE49-F238E27FC236}">
+                <a16:creationId xmlns:a16="http://schemas.microsoft.com/office/drawing/2014/main" id="{320D5865-BE06-FD42-8BFE-81E206A22496}"/>
+              </a:ext>
+            </a:extLst>
+          </p:cNvPr>
+          <p:cNvSpPr>
+            <a:spLocks noGrp="1"/>
+          </p:cNvSpPr>
+          <p:nvPr>
+            <p:ph type="title"/>
+          </p:nvPr>
+        </p:nvSpPr>
+        <p:spPr>
+          <a:xfrm>
+            <a:off x="278383" y="4049485"/>
+            <a:ext cx="3831038" cy="1793071"/>
+          </a:xfrm>
+        </p:spPr>
+        <p:txBody>
+          <a:bodyPr>
+            <a:normAutofit/>
+          </a:bodyPr>
+          <a:lstStyle/>
+          <a:p>
+            <a:pPr algn="ctr"/>
+            <a:r>
+              <a:rPr lang="en-US" b="1" dirty="0"/>
+              <a:t>Income Frequency</a:t>
+            </a:r>
+          </a:p>
+        </p:txBody>
+      </p:sp>
+      <p:pic>
+        <p:nvPicPr>
+          <p:cNvPr id="8" name="Content Placeholder 4">
+            <a:extLst>
+              <a:ext uri="{FF2B5EF4-FFF2-40B4-BE49-F238E27FC236}">
+                <a16:creationId xmlns:a16="http://schemas.microsoft.com/office/drawing/2014/main" id="{50E6459C-AA9C-2C42-ABD6-42DE3C2BE542}"/>
+              </a:ext>
+            </a:extLst>
+          </p:cNvPr>
+          <p:cNvPicPr>
+            <a:picLocks noChangeAspect="1"/>
+          </p:cNvPicPr>
+          <p:nvPr/>
+        </p:nvPicPr>
+        <p:blipFill rotWithShape="1">
+          <a:blip r:embed="rId2"/>
+          <a:srcRect t="1808" r="-4" b="-4"/>
+          <a:stretch/>
+        </p:blipFill>
+        <p:spPr>
+          <a:xfrm>
+            <a:off x="1355465" y="433262"/>
+            <a:ext cx="4498220" cy="3077438"/>
+          </a:xfrm>
+          <a:prstGeom prst="rect">
+            <a:avLst/>
+          </a:prstGeom>
+        </p:spPr>
+      </p:pic>
+      <p:pic>
+        <p:nvPicPr>
+          <p:cNvPr id="4" name="Picture 3">
+            <a:extLst>
+              <a:ext uri="{FF2B5EF4-FFF2-40B4-BE49-F238E27FC236}">
+                <a16:creationId xmlns:a16="http://schemas.microsoft.com/office/drawing/2014/main" id="{31773BED-BFF4-364D-9CEA-DC7AA7124567}"/>
+              </a:ext>
+            </a:extLst>
+          </p:cNvPr>
+          <p:cNvPicPr>
+            <a:picLocks noChangeAspect="1"/>
+          </p:cNvPicPr>
+          <p:nvPr/>
+        </p:nvPicPr>
+        <p:blipFill rotWithShape="1">
+          <a:blip r:embed="rId3"/>
+          <a:srcRect r="-3" b="2803"/>
+          <a:stretch/>
+        </p:blipFill>
+        <p:spPr>
+          <a:xfrm>
+            <a:off x="6095108" y="351562"/>
+            <a:ext cx="4498852" cy="3077438"/>
+          </a:xfrm>
+          <a:prstGeom prst="rect">
+            <a:avLst/>
+          </a:prstGeom>
+        </p:spPr>
+      </p:pic>
+      <p:sp>
+        <p:nvSpPr>
+          <p:cNvPr id="10" name="Content Placeholder 9">
+            <a:extLst>
+              <a:ext uri="{FF2B5EF4-FFF2-40B4-BE49-F238E27FC236}">
+                <a16:creationId xmlns:a16="http://schemas.microsoft.com/office/drawing/2014/main" id="{25BDD17F-A80A-4568-9F14-A7DEC1485008}"/>
+              </a:ext>
+            </a:extLst>
+          </p:cNvPr>
+          <p:cNvSpPr>
+            <a:spLocks noGrp="1"/>
+          </p:cNvSpPr>
+          <p:nvPr>
+            <p:ph idx="1"/>
+          </p:nvPr>
+        </p:nvSpPr>
+        <p:spPr>
+          <a:xfrm>
+            <a:off x="4206240" y="4049485"/>
+            <a:ext cx="6978227" cy="1883229"/>
+          </a:xfrm>
+        </p:spPr>
+        <p:txBody>
+          <a:bodyPr>
+            <a:normAutofit/>
+          </a:bodyPr>
+          <a:lstStyle/>
+          <a:p>
+            <a:pPr>
+              <a:buClr>
+                <a:schemeClr val="bg1"/>
+              </a:buClr>
+            </a:pPr>
+            <a:r>
+              <a:rPr lang="en-US" sz="2200" dirty="0">
+                <a:solidFill>
+                  <a:srgbClr val="FFFFFF"/>
+                </a:solidFill>
+              </a:rPr>
+              <a:t>Majority of income is zero as most people either do not have an income or chose to not share their income</a:t>
+            </a:r>
+          </a:p>
+        </p:txBody>
+      </p:sp>
+    </p:spTree>
+    <p:extLst>
+      <p:ext uri="{BB962C8B-B14F-4D97-AF65-F5344CB8AC3E}">
+        <p14:creationId xmlns:p14="http://schemas.microsoft.com/office/powerpoint/2010/main" val="946083969"/>
+      </p:ext>
+    </p:extLst>
+  </p:cSld>
+  <p:clrMapOvr>
+    <a:masterClrMapping/>
+  </p:clrMapOvr>
+</p:sld>
+</file>
+
+<file path=ppt/slides/slide7.xml><?xml version="1.0" encoding="utf-8"?>
+<p:sld xmlns:a="http://schemas.openxmlformats.org/drawingml/2006/main" xmlns:r="http://schemas.openxmlformats.org/officeDocument/2006/relationships" xmlns:p="http://schemas.openxmlformats.org/presentationml/2006/main">
+  <p:cSld>
+    <p:bg>
+      <p:bgPr>
+        <a:solidFill>
+          <a:schemeClr val="bg1"/>
+        </a:solidFill>
+        <a:effectLst/>
+      </p:bgPr>
+    </p:bg>
+    <p:spTree>
+      <p:nvGrpSpPr>
+        <p:cNvPr id="1" name=""/>
+        <p:cNvGrpSpPr/>
+        <p:nvPr/>
+      </p:nvGrpSpPr>
+      <p:grpSpPr>
+        <a:xfrm>
+          <a:off x="0" y="0"/>
+          <a:ext cx="0" cy="0"/>
+          <a:chOff x="0" y="0"/>
+          <a:chExt cx="0" cy="0"/>
+        </a:xfrm>
+      </p:grpSpPr>
+      <p:sp>
+        <p:nvSpPr>
+          <p:cNvPr id="2" name="Title 1">
+            <a:extLst>
+              <a:ext uri="{FF2B5EF4-FFF2-40B4-BE49-F238E27FC236}">
+                <a16:creationId xmlns:a16="http://schemas.microsoft.com/office/drawing/2014/main" id="{320D5865-BE06-FD42-8BFE-81E206A22496}"/>
+              </a:ext>
+            </a:extLst>
+          </p:cNvPr>
+          <p:cNvSpPr>
+            <a:spLocks noGrp="1"/>
+          </p:cNvSpPr>
+          <p:nvPr>
+            <p:ph type="title"/>
+          </p:nvPr>
+        </p:nvSpPr>
+        <p:spPr>
+          <a:xfrm>
+            <a:off x="252919" y="886869"/>
+            <a:ext cx="2947482" cy="851990"/>
+          </a:xfrm>
+        </p:spPr>
+        <p:txBody>
+          <a:bodyPr anchor="ctr">
+            <a:normAutofit/>
+          </a:bodyPr>
+          <a:lstStyle/>
+          <a:p>
+            <a:pPr algn="ctr"/>
+            <a:r>
+              <a:rPr lang="en-US" sz="2800" b="1" dirty="0"/>
+              <a:t>Age Frequency</a:t>
+            </a:r>
+          </a:p>
+        </p:txBody>
+      </p:sp>
+      <p:sp>
+        <p:nvSpPr>
+          <p:cNvPr id="10" name="Content Placeholder 9">
+            <a:extLst>
+              <a:ext uri="{FF2B5EF4-FFF2-40B4-BE49-F238E27FC236}">
+                <a16:creationId xmlns:a16="http://schemas.microsoft.com/office/drawing/2014/main" id="{25BDD17F-A80A-4568-9F14-A7DEC1485008}"/>
+              </a:ext>
+            </a:extLst>
+          </p:cNvPr>
+          <p:cNvSpPr>
+            <a:spLocks noGrp="1"/>
+          </p:cNvSpPr>
+          <p:nvPr>
+            <p:ph idx="1"/>
+          </p:nvPr>
+        </p:nvSpPr>
+        <p:spPr>
+          <a:xfrm>
+            <a:off x="252920" y="1965434"/>
+            <a:ext cx="2947482" cy="3940844"/>
+          </a:xfrm>
+        </p:spPr>
+        <p:txBody>
+          <a:bodyPr anchor="t">
+            <a:normAutofit/>
+          </a:bodyPr>
+          <a:lstStyle/>
+          <a:p>
+            <a:pPr>
+              <a:buClr>
+                <a:schemeClr val="bg1"/>
+              </a:buClr>
+            </a:pPr>
+            <a:r>
+              <a:rPr lang="en-US" sz="2400" dirty="0">
+                <a:solidFill>
+                  <a:schemeClr val="bg1"/>
+                </a:solidFill>
+              </a:rPr>
+              <a:t>Illustrates a better variance as compared to previous two graphs (however it should be noted that x-axis does not span a large array of numbers)</a:t>
+            </a:r>
+          </a:p>
+        </p:txBody>
+      </p:sp>
+      <p:pic>
+        <p:nvPicPr>
+          <p:cNvPr id="8" name="Content Placeholder 4">
+            <a:extLst>
+              <a:ext uri="{FF2B5EF4-FFF2-40B4-BE49-F238E27FC236}">
+                <a16:creationId xmlns:a16="http://schemas.microsoft.com/office/drawing/2014/main" id="{50E6459C-AA9C-2C42-ABD6-42DE3C2BE542}"/>
+              </a:ext>
+            </a:extLst>
+          </p:cNvPr>
+          <p:cNvPicPr>
+            <a:picLocks noChangeAspect="1"/>
+          </p:cNvPicPr>
+          <p:nvPr/>
+        </p:nvPicPr>
+        <p:blipFill>
+          <a:blip r:embed="rId2"/>
+          <a:stretch>
+            <a:fillRect/>
+          </a:stretch>
+        </p:blipFill>
+        <p:spPr>
+          <a:xfrm>
+            <a:off x="4037785" y="886868"/>
+            <a:ext cx="7254623" cy="5067300"/>
+          </a:xfrm>
+          <a:prstGeom prst="rect">
+            <a:avLst/>
+          </a:prstGeom>
+        </p:spPr>
+      </p:pic>
+    </p:spTree>
+    <p:extLst>
+      <p:ext uri="{BB962C8B-B14F-4D97-AF65-F5344CB8AC3E}">
+        <p14:creationId xmlns:p14="http://schemas.microsoft.com/office/powerpoint/2010/main" val="442924368"/>
+      </p:ext>
+    </p:extLst>
+  </p:cSld>
+  <p:clrMapOvr>
+    <a:masterClrMapping/>
+  </p:clrMapOvr>
+</p:sld>
+</file>
+
+<file path=ppt/slides/slide8.xml><?xml version="1.0" encoding="utf-8"?>
+<p:sld xmlns:a="http://schemas.openxmlformats.org/drawingml/2006/main" xmlns:r="http://schemas.openxmlformats.org/officeDocument/2006/relationships" xmlns:p="http://schemas.openxmlformats.org/presentationml/2006/main">
+  <p:cSld>
+    <p:spTree>
+      <p:nvGrpSpPr>
+        <p:cNvPr id="1" name=""/>
+        <p:cNvGrpSpPr/>
+        <p:nvPr/>
+      </p:nvGrpSpPr>
+      <p:grpSpPr>
+        <a:xfrm>
+          <a:off x="0" y="0"/>
+          <a:ext cx="0" cy="0"/>
+          <a:chOff x="0" y="0"/>
+          <a:chExt cx="0" cy="0"/>
+        </a:xfrm>
+      </p:grpSpPr>
+      <p:sp>
+        <p:nvSpPr>
+          <p:cNvPr id="2" name="Title 1">
+            <a:extLst>
+              <a:ext uri="{FF2B5EF4-FFF2-40B4-BE49-F238E27FC236}">
+                <a16:creationId xmlns:a16="http://schemas.microsoft.com/office/drawing/2014/main" id="{1F911127-FA6A-AA4C-8D58-11A38C5DBA64}"/>
+              </a:ext>
+            </a:extLst>
+          </p:cNvPr>
+          <p:cNvSpPr>
+            <a:spLocks noGrp="1"/>
+          </p:cNvSpPr>
+          <p:nvPr>
+            <p:ph type="title"/>
+          </p:nvPr>
+        </p:nvSpPr>
+        <p:spPr/>
+        <p:txBody>
+          <a:bodyPr/>
+          <a:lstStyle/>
+          <a:p>
+            <a:pPr algn="ctr"/>
+            <a:r>
+              <a:rPr lang="en-US" dirty="0"/>
+              <a:t>Question to Answer #1</a:t>
+            </a:r>
+          </a:p>
+        </p:txBody>
+      </p:sp>
+      <p:sp>
+        <p:nvSpPr>
+          <p:cNvPr id="3" name="Content Placeholder 2">
+            <a:extLst>
+              <a:ext uri="{FF2B5EF4-FFF2-40B4-BE49-F238E27FC236}">
+                <a16:creationId xmlns:a16="http://schemas.microsoft.com/office/drawing/2014/main" id="{EB16B25E-A2E4-F04E-84E9-7D7A9E3C2BEA}"/>
+              </a:ext>
+            </a:extLst>
+          </p:cNvPr>
+          <p:cNvSpPr>
+            <a:spLocks noGrp="1"/>
+          </p:cNvSpPr>
+          <p:nvPr>
+            <p:ph idx="1"/>
+          </p:nvPr>
+        </p:nvSpPr>
+        <p:spPr>
+          <a:xfrm>
+            <a:off x="3535386" y="559398"/>
+            <a:ext cx="8184629" cy="5982486"/>
+          </a:xfrm>
+        </p:spPr>
+        <p:txBody>
+          <a:bodyPr>
+            <a:normAutofit/>
+          </a:bodyPr>
+          <a:lstStyle/>
+          <a:p>
+            <a:r>
+              <a:rPr lang="en-US" sz="2800" dirty="0"/>
+              <a:t>Main Question:</a:t>
+            </a:r>
+          </a:p>
+          <a:p>
+            <a:pPr lvl="1"/>
+            <a:r>
+              <a:rPr lang="en-US" sz="2400" dirty="0"/>
+              <a:t>Can I predict age, based on:</a:t>
+            </a:r>
+          </a:p>
+          <a:p>
+            <a:pPr lvl="2"/>
+            <a:r>
+              <a:rPr lang="en-US" sz="2000" dirty="0"/>
+              <a:t>education</a:t>
+            </a:r>
+          </a:p>
+          <a:p>
+            <a:pPr lvl="2"/>
+            <a:r>
+              <a:rPr lang="en-US" sz="2000" dirty="0"/>
+              <a:t>job</a:t>
+            </a:r>
+          </a:p>
+          <a:p>
+            <a:pPr lvl="1"/>
+            <a:r>
+              <a:rPr lang="en-US" sz="2400" dirty="0"/>
+              <a:t>How I arrived at this question?</a:t>
+            </a:r>
+          </a:p>
+          <a:p>
+            <a:pPr lvl="2"/>
+            <a:r>
+              <a:rPr lang="en-US" sz="2000" dirty="0"/>
+              <a:t>With age having the large variance in this dataset, it made sense to predict age;</a:t>
+            </a:r>
+          </a:p>
+          <a:p>
+            <a:pPr lvl="2"/>
+            <a:r>
+              <a:rPr lang="en-US" sz="2000" dirty="0"/>
+              <a:t>It is possible to predict age, given education and job:</a:t>
+            </a:r>
+          </a:p>
+          <a:p>
+            <a:pPr lvl="3"/>
+            <a:r>
+              <a:rPr lang="en-US" sz="1800" dirty="0"/>
+              <a:t>At 18, most people have graduated high school;</a:t>
+            </a:r>
+          </a:p>
+          <a:p>
+            <a:pPr lvl="3"/>
+            <a:r>
+              <a:rPr lang="en-US" sz="1800" dirty="0"/>
+              <a:t>Upon completion of their post-secondary education, they are likely 2 to 5 years older than 18;</a:t>
+            </a:r>
+          </a:p>
+          <a:p>
+            <a:pPr lvl="3"/>
+            <a:r>
+              <a:rPr lang="en-US" sz="1800" dirty="0"/>
+              <a:t>If a person has retired, they are likely over the age of 50 (or whatever the retirement age is of their given state)</a:t>
+            </a:r>
+          </a:p>
+          <a:p>
+            <a:pPr lvl="3"/>
+            <a:r>
+              <a:rPr lang="en-US" sz="1800" dirty="0"/>
+              <a:t>Additionally, if they have a job and have had an education, it adds a few more years to their age.</a:t>
+            </a:r>
+          </a:p>
+        </p:txBody>
+      </p:sp>
+    </p:spTree>
+    <p:extLst>
+      <p:ext uri="{BB962C8B-B14F-4D97-AF65-F5344CB8AC3E}">
+        <p14:creationId xmlns:p14="http://schemas.microsoft.com/office/powerpoint/2010/main" val="3437375820"/>
+      </p:ext>
+    </p:extLst>
+  </p:cSld>
+  <p:clrMapOvr>
+    <a:masterClrMapping/>
+  </p:clrMapOvr>
+</p:sld>
+</file>
+
+<file path=ppt/slides/slide9.xml><?xml version="1.0" encoding="utf-8"?>
+<p:sld xmlns:a="http://schemas.openxmlformats.org/drawingml/2006/main" xmlns:r="http://schemas.openxmlformats.org/officeDocument/2006/relationships" xmlns:p="http://schemas.openxmlformats.org/presentationml/2006/main">
+  <p:cSld>
+    <p:spTree>
+      <p:nvGrpSpPr>
+        <p:cNvPr id="1" name=""/>
+        <p:cNvGrpSpPr/>
+        <p:nvPr/>
+      </p:nvGrpSpPr>
+      <p:grpSpPr>
+        <a:xfrm>
+          <a:off x="0" y="0"/>
+          <a:ext cx="0" cy="0"/>
+          <a:chOff x="0" y="0"/>
+          <a:chExt cx="0" cy="0"/>
+        </a:xfrm>
+      </p:grpSpPr>
+      <p:sp>
+        <p:nvSpPr>
+          <p:cNvPr id="2" name="Title 1">
+            <a:extLst>
+              <a:ext uri="{FF2B5EF4-FFF2-40B4-BE49-F238E27FC236}">
+                <a16:creationId xmlns:a16="http://schemas.microsoft.com/office/drawing/2014/main" id="{1F911127-FA6A-AA4C-8D58-11A38C5DBA64}"/>
+              </a:ext>
+            </a:extLst>
+          </p:cNvPr>
+          <p:cNvSpPr>
+            <a:spLocks noGrp="1"/>
+          </p:cNvSpPr>
+          <p:nvPr>
+            <p:ph type="title"/>
+          </p:nvPr>
+        </p:nvSpPr>
+        <p:spPr/>
+        <p:txBody>
+          <a:bodyPr/>
+          <a:lstStyle/>
+          <a:p>
+            <a:pPr algn="ctr"/>
+            <a:r>
+              <a:rPr lang="en-US" dirty="0"/>
+              <a:t>Question to Answer #2</a:t>
+            </a:r>
+          </a:p>
+        </p:txBody>
+      </p:sp>
+      <p:sp>
+        <p:nvSpPr>
+          <p:cNvPr id="3" name="Content Placeholder 2">
+            <a:extLst>
+              <a:ext uri="{FF2B5EF4-FFF2-40B4-BE49-F238E27FC236}">
+                <a16:creationId xmlns:a16="http://schemas.microsoft.com/office/drawing/2014/main" id="{EB16B25E-A2E4-F04E-84E9-7D7A9E3C2BEA}"/>
+              </a:ext>
+            </a:extLst>
+          </p:cNvPr>
+          <p:cNvSpPr>
+            <a:spLocks noGrp="1"/>
+          </p:cNvSpPr>
+          <p:nvPr>
+            <p:ph idx="1"/>
+          </p:nvPr>
+        </p:nvSpPr>
+        <p:spPr>
+          <a:xfrm>
+            <a:off x="3535386" y="559398"/>
+            <a:ext cx="8184629" cy="5982486"/>
+          </a:xfrm>
+        </p:spPr>
+        <p:txBody>
+          <a:bodyPr>
+            <a:normAutofit/>
+          </a:bodyPr>
+          <a:lstStyle/>
+          <a:p>
+            <a:r>
+              <a:rPr lang="en-US" sz="2400" dirty="0"/>
+              <a:t>Secondary Question (just to see how regression &amp; classification would perform)</a:t>
+            </a:r>
+          </a:p>
+          <a:p>
+            <a:pPr lvl="1"/>
+            <a:r>
+              <a:rPr lang="en-US" sz="2000" dirty="0"/>
+              <a:t>Can I predict height based on:</a:t>
+            </a:r>
+          </a:p>
+          <a:p>
+            <a:pPr lvl="2"/>
+            <a:r>
+              <a:rPr lang="en-US" sz="1800" dirty="0"/>
+              <a:t>education</a:t>
+            </a:r>
+          </a:p>
+          <a:p>
+            <a:pPr lvl="2"/>
+            <a:r>
+              <a:rPr lang="en-US" sz="1800" dirty="0"/>
+              <a:t>job</a:t>
+            </a:r>
+          </a:p>
+          <a:p>
+            <a:pPr lvl="1"/>
+            <a:r>
+              <a:rPr lang="en-US" sz="2000" dirty="0"/>
+              <a:t>How I arrived at this question?</a:t>
+            </a:r>
+          </a:p>
+          <a:p>
+            <a:pPr lvl="2"/>
+            <a:r>
+              <a:rPr lang="en-US" sz="1800" dirty="0"/>
+              <a:t>Realistically, there is no correlation between height and education/job therefore this is mostly to see how the model performs if we feed it something arbitrary</a:t>
+            </a:r>
+          </a:p>
+          <a:p>
+            <a:pPr lvl="2"/>
+            <a:r>
+              <a:rPr lang="en-US" sz="1800" dirty="0"/>
+              <a:t>Since I had already mapped data for education and job, I decided to use the data I already had</a:t>
+            </a:r>
+          </a:p>
+        </p:txBody>
+      </p:sp>
+    </p:spTree>
+    <p:extLst>
+      <p:ext uri="{BB962C8B-B14F-4D97-AF65-F5344CB8AC3E}">
+        <p14:creationId xmlns:p14="http://schemas.microsoft.com/office/powerpoint/2010/main" val="1550603392"/>
       </p:ext>
     </p:extLst>
   </p:cSld>
